--- a/UmaTeachingMaterial/Java/Java-Interview-QA-Intellipaat.pptx
+++ b/UmaTeachingMaterial/Java/Java-Interview-QA-Intellipaat.pptx
@@ -3558,6 +3558,356 @@
           <a:chExt cx="0" cy="0"/>
         </a:xfrm>
       </p:grpSpPr>
+      <p:sp>
+        <p:nvSpPr>
+          <p:cNvPr id="3" name="TextBox 2">
+            <a:extLst>
+              <a:ext uri="{FF2B5EF4-FFF2-40B4-BE49-F238E27FC236}">
+                <a16:creationId xmlns:a16="http://schemas.microsoft.com/office/drawing/2014/main" id="{772877E2-FD2E-5B4A-8357-859529CFCA16}"/>
+              </a:ext>
+            </a:extLst>
+          </p:cNvPr>
+          <p:cNvSpPr txBox="1"/>
+          <p:nvPr/>
+        </p:nvSpPr>
+        <p:spPr>
+          <a:xfrm>
+            <a:off x="0" y="0"/>
+            <a:ext cx="9730854" cy="1720984"/>
+          </a:xfrm>
+          <a:prstGeom prst="rect">
+            <a:avLst/>
+          </a:prstGeom>
+          <a:noFill/>
+        </p:spPr>
+        <p:txBody>
+          <a:bodyPr wrap="square">
+            <a:spAutoFit/>
+          </a:bodyPr>
+          <a:lstStyle/>
+          <a:p>
+            <a:pPr algn="l">
+              <a:lnSpc>
+                <a:spcPts val="2100"/>
+              </a:lnSpc>
+              <a:spcBef>
+                <a:spcPts val="2400"/>
+              </a:spcBef>
+              <a:spcAft>
+                <a:spcPts val="1800"/>
+              </a:spcAft>
+              <a:buNone/>
+            </a:pPr>
+            <a:r>
+              <a:rPr lang="en-US" b="0" i="0" dirty="0">
+                <a:solidFill>
+                  <a:srgbClr val="272C37"/>
+                </a:solidFill>
+                <a:effectLst/>
+                <a:latin typeface="Roboto" panose="02000000000000000000" pitchFamily="2" charset="0"/>
+              </a:rPr>
+              <a:t>105. Can we write multiple try-catch blocks in java? If yes, how?</a:t>
+            </a:r>
+          </a:p>
+          <a:p>
+            <a:pPr algn="just">
+              <a:lnSpc>
+                <a:spcPts val="2100"/>
+              </a:lnSpc>
+              <a:spcBef>
+                <a:spcPts val="1650"/>
+              </a:spcBef>
+              <a:buNone/>
+            </a:pPr>
+            <a:r>
+              <a:rPr lang="en-US" b="0" i="0" dirty="0">
+                <a:solidFill>
+                  <a:srgbClr val="3A3A3A"/>
+                </a:solidFill>
+                <a:effectLst/>
+                <a:latin typeface="Roboto" panose="02000000000000000000" pitchFamily="2" charset="0"/>
+              </a:rPr>
+              <a:t>In Java, we can include multiple catch statements for a single try block. This approach allows multiple exceptions to be handled separately within a single try block.</a:t>
+            </a:r>
+          </a:p>
+          <a:p>
+            <a:pPr algn="just">
+              <a:lnSpc>
+                <a:spcPts val="2100"/>
+              </a:lnSpc>
+              <a:spcBef>
+                <a:spcPts val="750"/>
+              </a:spcBef>
+              <a:buNone/>
+            </a:pPr>
+            <a:r>
+              <a:rPr lang="en-US" b="0" i="0" dirty="0">
+                <a:solidFill>
+                  <a:srgbClr val="3A3A3A"/>
+                </a:solidFill>
+                <a:effectLst/>
+                <a:latin typeface="Roboto" panose="02000000000000000000" pitchFamily="2" charset="0"/>
+              </a:rPr>
+              <a:t>Below is the program for multiple catch statements:</a:t>
+            </a:r>
+          </a:p>
+        </p:txBody>
+      </p:sp>
+      <p:sp>
+        <p:nvSpPr>
+          <p:cNvPr id="5" name="TextBox 4">
+            <a:extLst>
+              <a:ext uri="{FF2B5EF4-FFF2-40B4-BE49-F238E27FC236}">
+                <a16:creationId xmlns:a16="http://schemas.microsoft.com/office/drawing/2014/main" id="{F25E04AB-F393-6ABC-2459-4254956809D0}"/>
+              </a:ext>
+            </a:extLst>
+          </p:cNvPr>
+          <p:cNvSpPr txBox="1"/>
+          <p:nvPr/>
+        </p:nvSpPr>
+        <p:spPr>
+          <a:xfrm>
+            <a:off x="0" y="1919113"/>
+            <a:ext cx="4981432" cy="7571303"/>
+          </a:xfrm>
+          <a:prstGeom prst="rect">
+            <a:avLst/>
+          </a:prstGeom>
+          <a:noFill/>
+        </p:spPr>
+        <p:txBody>
+          <a:bodyPr wrap="square">
+            <a:spAutoFit/>
+          </a:bodyPr>
+          <a:lstStyle/>
+          <a:p>
+            <a:r>
+              <a:rPr lang="en-US" dirty="0"/>
+              <a:t>import </a:t>
+            </a:r>
+            <a:r>
+              <a:rPr lang="en-US" dirty="0" err="1"/>
+              <a:t>java.util</a:t>
+            </a:r>
+            <a:r>
+              <a:rPr lang="en-US" dirty="0"/>
+              <a:t>.*;</a:t>
+            </a:r>
+          </a:p>
+          <a:p>
+            <a:endParaRPr lang="en-US" dirty="0"/>
+          </a:p>
+          <a:p>
+            <a:r>
+              <a:rPr lang="en-US" dirty="0"/>
+              <a:t>class </a:t>
+            </a:r>
+            <a:r>
+              <a:rPr lang="en-US" dirty="0" err="1"/>
+              <a:t>multiple_catch</a:t>
+            </a:r>
+            <a:r>
+              <a:rPr lang="en-US" dirty="0"/>
+              <a:t> {</a:t>
+            </a:r>
+          </a:p>
+          <a:p>
+            <a:r>
+              <a:rPr lang="en-US" dirty="0"/>
+              <a:t>    public static void main(String </a:t>
+            </a:r>
+            <a:r>
+              <a:rPr lang="en-US" dirty="0" err="1"/>
+              <a:t>args</a:t>
+            </a:r>
+            <a:r>
+              <a:rPr lang="en-US" dirty="0"/>
+              <a:t>[]) {</a:t>
+            </a:r>
+          </a:p>
+          <a:p>
+            <a:r>
+              <a:rPr lang="en-US" dirty="0"/>
+              <a:t>        int x, y, z;</a:t>
+            </a:r>
+          </a:p>
+          <a:p>
+            <a:r>
+              <a:rPr lang="en-US" dirty="0"/>
+              <a:t>        try {</a:t>
+            </a:r>
+          </a:p>
+          <a:p>
+            <a:r>
+              <a:rPr lang="en-US" dirty="0"/>
+              <a:t>            x = 30;</a:t>
+            </a:r>
+          </a:p>
+          <a:p>
+            <a:r>
+              <a:rPr lang="en-US" dirty="0"/>
+              <a:t>            y = 0;</a:t>
+            </a:r>
+          </a:p>
+          <a:p>
+            <a:r>
+              <a:rPr lang="en-US" dirty="0"/>
+              <a:t>            // Division operation that may cause </a:t>
+            </a:r>
+            <a:r>
+              <a:rPr lang="en-US" dirty="0" err="1"/>
+              <a:t>ArithmeticException</a:t>
+            </a:r>
+            <a:endParaRPr lang="en-US" dirty="0"/>
+          </a:p>
+          <a:p>
+            <a:r>
+              <a:rPr lang="en-US" dirty="0"/>
+              <a:t>            z = x / y;</a:t>
+            </a:r>
+          </a:p>
+          <a:p>
+            <a:r>
+              <a:rPr lang="en-US" dirty="0"/>
+              <a:t>            </a:t>
+            </a:r>
+            <a:r>
+              <a:rPr lang="en-US" dirty="0" err="1"/>
+              <a:t>System.out.println</a:t>
+            </a:r>
+            <a:r>
+              <a:rPr lang="en-US" dirty="0"/>
+              <a:t>("Value of z: " + z);</a:t>
+            </a:r>
+          </a:p>
+          <a:p>
+            <a:r>
+              <a:rPr lang="en-US" dirty="0"/>
+              <a:t>        } catch (</a:t>
+            </a:r>
+            <a:r>
+              <a:rPr lang="en-US" dirty="0" err="1"/>
+              <a:t>ArithmeticException</a:t>
+            </a:r>
+            <a:r>
+              <a:rPr lang="en-US" dirty="0"/>
+              <a:t> e) {</a:t>
+            </a:r>
+          </a:p>
+          <a:p>
+            <a:r>
+              <a:rPr lang="en-US" dirty="0"/>
+              <a:t>            // Handles division by zero error</a:t>
+            </a:r>
+          </a:p>
+          <a:p>
+            <a:r>
+              <a:rPr lang="en-US" dirty="0"/>
+              <a:t>            </a:t>
+            </a:r>
+            <a:r>
+              <a:rPr lang="en-US" dirty="0" err="1"/>
+              <a:t>System.out.println</a:t>
+            </a:r>
+            <a:r>
+              <a:rPr lang="en-US" dirty="0"/>
+              <a:t>("Arithmetic Exception occurred");</a:t>
+            </a:r>
+          </a:p>
+          <a:p>
+            <a:r>
+              <a:rPr lang="en-US" dirty="0"/>
+              <a:t>        } catch (</a:t>
+            </a:r>
+            <a:r>
+              <a:rPr lang="en-US" dirty="0" err="1"/>
+              <a:t>IllegalArgumentException</a:t>
+            </a:r>
+            <a:r>
+              <a:rPr lang="en-US" dirty="0"/>
+              <a:t> e) {</a:t>
+            </a:r>
+          </a:p>
+          <a:p>
+            <a:r>
+              <a:rPr lang="en-US" dirty="0"/>
+              <a:t>            // Handles any illegal argument usage</a:t>
+            </a:r>
+          </a:p>
+          <a:p>
+            <a:r>
+              <a:rPr lang="en-US" dirty="0"/>
+              <a:t>            </a:t>
+            </a:r>
+            <a:r>
+              <a:rPr lang="en-US" dirty="0" err="1"/>
+              <a:t>System.out.println</a:t>
+            </a:r>
+            <a:r>
+              <a:rPr lang="en-US" dirty="0"/>
+              <a:t>("Illegal argument");</a:t>
+            </a:r>
+          </a:p>
+          <a:p>
+            <a:r>
+              <a:rPr lang="en-US" dirty="0"/>
+              <a:t>        } catch (Exception e) {</a:t>
+            </a:r>
+          </a:p>
+          <a:p>
+            <a:r>
+              <a:rPr lang="en-US" dirty="0"/>
+              <a:t>            // Catches any other type of exception</a:t>
+            </a:r>
+          </a:p>
+          <a:p>
+            <a:r>
+              <a:rPr lang="en-US" dirty="0"/>
+              <a:t>            </a:t>
+            </a:r>
+            <a:r>
+              <a:rPr lang="en-US" dirty="0" err="1"/>
+              <a:t>System.out.println</a:t>
+            </a:r>
+            <a:r>
+              <a:rPr lang="en-US" dirty="0"/>
+              <a:t>("An Exception in the try block");</a:t>
+            </a:r>
+          </a:p>
+          <a:p>
+            <a:r>
+              <a:rPr lang="en-US" dirty="0"/>
+              <a:t>        }</a:t>
+            </a:r>
+          </a:p>
+          <a:p>
+            <a:r>
+              <a:rPr lang="en-US" dirty="0"/>
+              <a:t>        </a:t>
+            </a:r>
+            <a:r>
+              <a:rPr lang="en-US" dirty="0" err="1"/>
+              <a:t>System.out.println</a:t>
+            </a:r>
+            <a:r>
+              <a:rPr lang="en-US" dirty="0"/>
+              <a:t>("End of the program");</a:t>
+            </a:r>
+          </a:p>
+          <a:p>
+            <a:r>
+              <a:rPr lang="en-US" dirty="0"/>
+              <a:t>    }</a:t>
+            </a:r>
+          </a:p>
+          <a:p>
+            <a:r>
+              <a:rPr lang="en-US" dirty="0"/>
+              <a:t>}</a:t>
+            </a:r>
+          </a:p>
+        </p:txBody>
+      </p:sp>
     </p:spTree>
     <p:extLst>
       <p:ext uri="{BB962C8B-B14F-4D97-AF65-F5344CB8AC3E}">
@@ -3594,6 +3944,151 @@
           <a:chExt cx="0" cy="0"/>
         </a:xfrm>
       </p:grpSpPr>
+      <p:sp>
+        <p:nvSpPr>
+          <p:cNvPr id="3" name="TextBox 2">
+            <a:extLst>
+              <a:ext uri="{FF2B5EF4-FFF2-40B4-BE49-F238E27FC236}">
+                <a16:creationId xmlns:a16="http://schemas.microsoft.com/office/drawing/2014/main" id="{546B3AE0-F157-6009-2F6C-309E98ABA07D}"/>
+              </a:ext>
+            </a:extLst>
+          </p:cNvPr>
+          <p:cNvSpPr txBox="1"/>
+          <p:nvPr/>
+        </p:nvSpPr>
+        <p:spPr>
+          <a:xfrm>
+            <a:off x="150125" y="239998"/>
+            <a:ext cx="9635320" cy="3618939"/>
+          </a:xfrm>
+          <a:prstGeom prst="rect">
+            <a:avLst/>
+          </a:prstGeom>
+          <a:noFill/>
+        </p:spPr>
+        <p:txBody>
+          <a:bodyPr wrap="square">
+            <a:spAutoFit/>
+          </a:bodyPr>
+          <a:lstStyle/>
+          <a:p>
+            <a:pPr algn="l">
+              <a:lnSpc>
+                <a:spcPts val="2100"/>
+              </a:lnSpc>
+              <a:spcBef>
+                <a:spcPts val="2400"/>
+              </a:spcBef>
+              <a:spcAft>
+                <a:spcPts val="1800"/>
+              </a:spcAft>
+              <a:buNone/>
+            </a:pPr>
+            <a:r>
+              <a:rPr lang="en-US" b="0" i="0" dirty="0">
+                <a:solidFill>
+                  <a:srgbClr val="272C37"/>
+                </a:solidFill>
+                <a:effectLst/>
+                <a:latin typeface="Roboto" panose="02000000000000000000" pitchFamily="2" charset="0"/>
+              </a:rPr>
+              <a:t>106. What is HTTP Tunneling?</a:t>
+            </a:r>
+          </a:p>
+          <a:p>
+            <a:pPr algn="just">
+              <a:lnSpc>
+                <a:spcPts val="2100"/>
+              </a:lnSpc>
+              <a:spcBef>
+                <a:spcPts val="1650"/>
+              </a:spcBef>
+              <a:buNone/>
+            </a:pPr>
+            <a:r>
+              <a:rPr lang="en-US" b="0" i="0" dirty="0">
+                <a:solidFill>
+                  <a:srgbClr val="3A3A3A"/>
+                </a:solidFill>
+                <a:effectLst/>
+                <a:latin typeface="Roboto" panose="02000000000000000000" pitchFamily="2" charset="0"/>
+              </a:rPr>
+              <a:t>HTTP tunneling refers to encapsulating non HTTP data into HTTP/HTTPS. This is generally done to bypass firewalls, network restrictions or proxies where only HTTP or HTTPS traffic is allowed.</a:t>
+            </a:r>
+          </a:p>
+          <a:p>
+            <a:pPr algn="just">
+              <a:lnSpc>
+                <a:spcPts val="2100"/>
+              </a:lnSpc>
+              <a:spcBef>
+                <a:spcPts val="750"/>
+              </a:spcBef>
+              <a:buNone/>
+            </a:pPr>
+            <a:r>
+              <a:rPr lang="en-US" b="0" i="0" dirty="0">
+                <a:solidFill>
+                  <a:srgbClr val="3A3A3A"/>
+                </a:solidFill>
+                <a:effectLst/>
+                <a:latin typeface="Roboto" panose="02000000000000000000" pitchFamily="2" charset="0"/>
+              </a:rPr>
+              <a:t>It works in a client-server setup like this:</a:t>
+            </a:r>
+          </a:p>
+          <a:p>
+            <a:pPr algn="just">
+              <a:lnSpc>
+                <a:spcPts val="2100"/>
+              </a:lnSpc>
+              <a:spcBef>
+                <a:spcPts val="750"/>
+              </a:spcBef>
+              <a:spcAft>
+                <a:spcPts val="600"/>
+              </a:spcAft>
+              <a:buFont typeface="+mj-lt"/>
+              <a:buAutoNum type="arabicPeriod"/>
+            </a:pPr>
+            <a:r>
+              <a:rPr lang="en-US" b="0" i="0" dirty="0">
+                <a:solidFill>
+                  <a:srgbClr val="3A3A3A"/>
+                </a:solidFill>
+                <a:effectLst/>
+                <a:latin typeface="Roboto" panose="02000000000000000000" pitchFamily="2" charset="0"/>
+              </a:rPr>
+              <a:t>The client encapsulates the non-HTTP data into HTTP/HTTPS data and sends it through the firewall to the server.</a:t>
+            </a:r>
+          </a:p>
+          <a:p>
+            <a:pPr algn="just">
+              <a:lnSpc>
+                <a:spcPts val="2100"/>
+              </a:lnSpc>
+              <a:spcBef>
+                <a:spcPts val="750"/>
+              </a:spcBef>
+              <a:spcAft>
+                <a:spcPts val="600"/>
+              </a:spcAft>
+              <a:buFont typeface="+mj-lt"/>
+              <a:buAutoNum type="arabicPeriod"/>
+            </a:pPr>
+            <a:r>
+              <a:rPr lang="en-US" b="0" i="0" dirty="0">
+                <a:solidFill>
+                  <a:srgbClr val="3A3A3A"/>
+                </a:solidFill>
+                <a:effectLst/>
+                <a:latin typeface="Roboto" panose="02000000000000000000" pitchFamily="2" charset="0"/>
+              </a:rPr>
+              <a:t>The server decrypts the encapsulated data, and forwards it to the destination. Once the response is received from the destination, the server again packs the data into HTTP/HTTPS and sends it to the client.</a:t>
+            </a:r>
+          </a:p>
+        </p:txBody>
+      </p:sp>
     </p:spTree>
     <p:extLst>
       <p:ext uri="{BB962C8B-B14F-4D97-AF65-F5344CB8AC3E}">
@@ -3630,6 +4125,201 @@
           <a:chExt cx="0" cy="0"/>
         </a:xfrm>
       </p:grpSpPr>
+      <p:sp>
+        <p:nvSpPr>
+          <p:cNvPr id="3" name="TextBox 2">
+            <a:extLst>
+              <a:ext uri="{FF2B5EF4-FFF2-40B4-BE49-F238E27FC236}">
+                <a16:creationId xmlns:a16="http://schemas.microsoft.com/office/drawing/2014/main" id="{FD40A5A0-7730-805D-4021-A07C2744483A}"/>
+              </a:ext>
+            </a:extLst>
+          </p:cNvPr>
+          <p:cNvSpPr txBox="1"/>
+          <p:nvPr/>
+        </p:nvSpPr>
+        <p:spPr>
+          <a:xfrm>
+            <a:off x="170597" y="135046"/>
+            <a:ext cx="9478369" cy="3439403"/>
+          </a:xfrm>
+          <a:prstGeom prst="rect">
+            <a:avLst/>
+          </a:prstGeom>
+          <a:noFill/>
+        </p:spPr>
+        <p:txBody>
+          <a:bodyPr wrap="square">
+            <a:spAutoFit/>
+          </a:bodyPr>
+          <a:lstStyle/>
+          <a:p>
+            <a:pPr algn="l">
+              <a:lnSpc>
+                <a:spcPts val="2100"/>
+              </a:lnSpc>
+              <a:spcBef>
+                <a:spcPts val="2400"/>
+              </a:spcBef>
+              <a:spcAft>
+                <a:spcPts val="1800"/>
+              </a:spcAft>
+              <a:buNone/>
+            </a:pPr>
+            <a:r>
+              <a:rPr lang="en-US" b="0" i="0" dirty="0">
+                <a:solidFill>
+                  <a:srgbClr val="272C37"/>
+                </a:solidFill>
+                <a:effectLst/>
+                <a:latin typeface="Roboto" panose="02000000000000000000" pitchFamily="2" charset="0"/>
+              </a:rPr>
+              <a:t>107. Explain the use of collections in Java.</a:t>
+            </a:r>
+          </a:p>
+          <a:p>
+            <a:pPr algn="just">
+              <a:lnSpc>
+                <a:spcPts val="2100"/>
+              </a:lnSpc>
+              <a:spcBef>
+                <a:spcPts val="1650"/>
+              </a:spcBef>
+              <a:buNone/>
+            </a:pPr>
+            <a:r>
+              <a:rPr lang="en-US" b="0" i="0" dirty="0">
+                <a:solidFill>
+                  <a:srgbClr val="3A3A3A"/>
+                </a:solidFill>
+                <a:effectLst/>
+                <a:latin typeface="Roboto" panose="02000000000000000000" pitchFamily="2" charset="0"/>
+              </a:rPr>
+              <a:t>A collection is a framework that provides a set of classes and interfaces, which are used to manage, store and manipulate data for a group of objects in Java.</a:t>
+            </a:r>
+          </a:p>
+          <a:p>
+            <a:pPr algn="just">
+              <a:lnSpc>
+                <a:spcPts val="2100"/>
+              </a:lnSpc>
+              <a:spcBef>
+                <a:spcPts val="750"/>
+              </a:spcBef>
+              <a:buNone/>
+            </a:pPr>
+            <a:r>
+              <a:rPr lang="en-US" b="0" i="0" dirty="0">
+                <a:solidFill>
+                  <a:srgbClr val="3A3A3A"/>
+                </a:solidFill>
+                <a:effectLst/>
+                <a:latin typeface="Roboto" panose="02000000000000000000" pitchFamily="2" charset="0"/>
+              </a:rPr>
+              <a:t>Java Collections can be used for performing a variety of operations such as:</a:t>
+            </a:r>
+          </a:p>
+          <a:p>
+            <a:pPr algn="just">
+              <a:lnSpc>
+                <a:spcPts val="2100"/>
+              </a:lnSpc>
+              <a:spcBef>
+                <a:spcPts val="750"/>
+              </a:spcBef>
+              <a:spcAft>
+                <a:spcPts val="600"/>
+              </a:spcAft>
+              <a:buFont typeface="Arial" panose="020B0604020202020204" pitchFamily="34" charset="0"/>
+              <a:buChar char="•"/>
+            </a:pPr>
+            <a:r>
+              <a:rPr lang="en-US" b="0" i="0" dirty="0">
+                <a:solidFill>
+                  <a:srgbClr val="3A3A3A"/>
+                </a:solidFill>
+                <a:effectLst/>
+                <a:latin typeface="Roboto" panose="02000000000000000000" pitchFamily="2" charset="0"/>
+              </a:rPr>
+              <a:t>Search</a:t>
+            </a:r>
+          </a:p>
+          <a:p>
+            <a:pPr algn="just">
+              <a:lnSpc>
+                <a:spcPts val="2100"/>
+              </a:lnSpc>
+              <a:spcBef>
+                <a:spcPts val="750"/>
+              </a:spcBef>
+              <a:spcAft>
+                <a:spcPts val="600"/>
+              </a:spcAft>
+              <a:buFont typeface="Arial" panose="020B0604020202020204" pitchFamily="34" charset="0"/>
+              <a:buChar char="•"/>
+            </a:pPr>
+            <a:r>
+              <a:rPr lang="en-US" b="0" i="0" dirty="0">
+                <a:solidFill>
+                  <a:srgbClr val="3A3A3A"/>
+                </a:solidFill>
+                <a:effectLst/>
+                <a:latin typeface="Roboto" panose="02000000000000000000" pitchFamily="2" charset="0"/>
+              </a:rPr>
+              <a:t>Sort</a:t>
+            </a:r>
+          </a:p>
+          <a:p>
+            <a:pPr algn="just">
+              <a:lnSpc>
+                <a:spcPts val="2100"/>
+              </a:lnSpc>
+              <a:spcBef>
+                <a:spcPts val="750"/>
+              </a:spcBef>
+              <a:spcAft>
+                <a:spcPts val="600"/>
+              </a:spcAft>
+              <a:buFont typeface="Arial" panose="020B0604020202020204" pitchFamily="34" charset="0"/>
+              <a:buChar char="•"/>
+            </a:pPr>
+            <a:r>
+              <a:rPr lang="en-US" b="0" i="0" dirty="0">
+                <a:solidFill>
+                  <a:srgbClr val="3A3A3A"/>
+                </a:solidFill>
+                <a:effectLst/>
+                <a:latin typeface="Roboto" panose="02000000000000000000" pitchFamily="2" charset="0"/>
+              </a:rPr>
+              <a:t>Manipulate</a:t>
+            </a:r>
+          </a:p>
+          <a:p>
+            <a:pPr algn="just">
+              <a:lnSpc>
+                <a:spcPts val="2100"/>
+              </a:lnSpc>
+              <a:spcBef>
+                <a:spcPts val="750"/>
+              </a:spcBef>
+              <a:spcAft>
+                <a:spcPts val="600"/>
+              </a:spcAft>
+              <a:buFont typeface="Arial" panose="020B0604020202020204" pitchFamily="34" charset="0"/>
+              <a:buChar char="•"/>
+            </a:pPr>
+            <a:r>
+              <a:rPr lang="en-US" b="0" i="0" dirty="0">
+                <a:solidFill>
+                  <a:srgbClr val="3A3A3A"/>
+                </a:solidFill>
+                <a:effectLst/>
+                <a:latin typeface="Roboto" panose="02000000000000000000" pitchFamily="2" charset="0"/>
+              </a:rPr>
+              <a:t>Delete</a:t>
+            </a:r>
+          </a:p>
+        </p:txBody>
+      </p:sp>
     </p:spTree>
     <p:extLst>
       <p:ext uri="{BB962C8B-B14F-4D97-AF65-F5344CB8AC3E}">
@@ -3666,6 +4356,520 @@
           <a:chExt cx="0" cy="0"/>
         </a:xfrm>
       </p:grpSpPr>
+      <p:sp>
+        <p:nvSpPr>
+          <p:cNvPr id="3" name="TextBox 2">
+            <a:extLst>
+              <a:ext uri="{FF2B5EF4-FFF2-40B4-BE49-F238E27FC236}">
+                <a16:creationId xmlns:a16="http://schemas.microsoft.com/office/drawing/2014/main" id="{A17C0AAF-5D25-027D-FACD-B41031A787D1}"/>
+              </a:ext>
+            </a:extLst>
+          </p:cNvPr>
+          <p:cNvSpPr txBox="1"/>
+          <p:nvPr/>
+        </p:nvSpPr>
+        <p:spPr>
+          <a:xfrm>
+            <a:off x="225188" y="209988"/>
+            <a:ext cx="9492018" cy="2259593"/>
+          </a:xfrm>
+          <a:prstGeom prst="rect">
+            <a:avLst/>
+          </a:prstGeom>
+          <a:noFill/>
+        </p:spPr>
+        <p:txBody>
+          <a:bodyPr wrap="square">
+            <a:spAutoFit/>
+          </a:bodyPr>
+          <a:lstStyle/>
+          <a:p>
+            <a:pPr algn="l">
+              <a:lnSpc>
+                <a:spcPts val="2100"/>
+              </a:lnSpc>
+              <a:spcBef>
+                <a:spcPts val="2400"/>
+              </a:spcBef>
+              <a:spcAft>
+                <a:spcPts val="1800"/>
+              </a:spcAft>
+              <a:buNone/>
+            </a:pPr>
+            <a:r>
+              <a:rPr lang="en-US" b="0" i="0" dirty="0">
+                <a:solidFill>
+                  <a:srgbClr val="272C37"/>
+                </a:solidFill>
+                <a:effectLst/>
+                <a:latin typeface="Roboto" panose="02000000000000000000" pitchFamily="2" charset="0"/>
+              </a:rPr>
+              <a:t>108. How would you implement a custom collector?</a:t>
+            </a:r>
+          </a:p>
+          <a:p>
+            <a:pPr algn="just">
+              <a:lnSpc>
+                <a:spcPts val="2100"/>
+              </a:lnSpc>
+              <a:spcBef>
+                <a:spcPts val="1650"/>
+              </a:spcBef>
+              <a:buNone/>
+            </a:pPr>
+            <a:r>
+              <a:rPr lang="en-US" b="0" i="0" dirty="0">
+                <a:solidFill>
+                  <a:srgbClr val="3A3A3A"/>
+                </a:solidFill>
+                <a:effectLst/>
+                <a:latin typeface="Roboto" panose="02000000000000000000" pitchFamily="2" charset="0"/>
+              </a:rPr>
+              <a:t>One can write a custom collector in Java by using the </a:t>
+            </a:r>
+            <a:r>
+              <a:rPr lang="en-US" b="0" i="0" dirty="0" err="1">
+                <a:solidFill>
+                  <a:srgbClr val="3A3A3A"/>
+                </a:solidFill>
+                <a:effectLst/>
+                <a:latin typeface="Roboto" panose="02000000000000000000" pitchFamily="2" charset="0"/>
+              </a:rPr>
+              <a:t>Collector.of</a:t>
+            </a:r>
+            <a:r>
+              <a:rPr lang="en-US" b="0" i="0" dirty="0">
+                <a:solidFill>
+                  <a:srgbClr val="3A3A3A"/>
+                </a:solidFill>
+                <a:effectLst/>
+                <a:latin typeface="Roboto" panose="02000000000000000000" pitchFamily="2" charset="0"/>
+              </a:rPr>
+              <a:t>() factory method or by implementing the Collector interface. This is especially helpful when the built-in collectors are not enough to satisfy particular transformation or aggregation requirements.</a:t>
+            </a:r>
+          </a:p>
+          <a:p>
+            <a:pPr algn="just">
+              <a:lnSpc>
+                <a:spcPts val="2100"/>
+              </a:lnSpc>
+              <a:spcBef>
+                <a:spcPts val="750"/>
+              </a:spcBef>
+              <a:buNone/>
+            </a:pPr>
+            <a:r>
+              <a:rPr lang="en-US" b="0" i="0" dirty="0">
+                <a:solidFill>
+                  <a:srgbClr val="3A3A3A"/>
+                </a:solidFill>
+                <a:effectLst/>
+                <a:latin typeface="Roboto" panose="02000000000000000000" pitchFamily="2" charset="0"/>
+              </a:rPr>
+              <a:t>Example: Let us say you want to implement a collector that concatenates uppercase strings separated by commas.</a:t>
+            </a:r>
+          </a:p>
+        </p:txBody>
+      </p:sp>
+      <p:sp>
+        <p:nvSpPr>
+          <p:cNvPr id="5" name="TextBox 4">
+            <a:extLst>
+              <a:ext uri="{FF2B5EF4-FFF2-40B4-BE49-F238E27FC236}">
+                <a16:creationId xmlns:a16="http://schemas.microsoft.com/office/drawing/2014/main" id="{410DDB60-6B4B-D599-C4AE-7350E6A04C58}"/>
+              </a:ext>
+            </a:extLst>
+          </p:cNvPr>
+          <p:cNvSpPr txBox="1"/>
+          <p:nvPr/>
+        </p:nvSpPr>
+        <p:spPr>
+          <a:xfrm>
+            <a:off x="225188" y="2610683"/>
+            <a:ext cx="4954136" cy="4247317"/>
+          </a:xfrm>
+          <a:prstGeom prst="rect">
+            <a:avLst/>
+          </a:prstGeom>
+          <a:noFill/>
+        </p:spPr>
+        <p:txBody>
+          <a:bodyPr wrap="square">
+            <a:spAutoFit/>
+          </a:bodyPr>
+          <a:lstStyle/>
+          <a:p>
+            <a:r>
+              <a:rPr lang="en-US" dirty="0"/>
+              <a:t>import </a:t>
+            </a:r>
+            <a:r>
+              <a:rPr lang="en-US" dirty="0" err="1"/>
+              <a:t>java.util</a:t>
+            </a:r>
+            <a:r>
+              <a:rPr lang="en-US" dirty="0"/>
+              <a:t>.*;import </a:t>
+            </a:r>
+            <a:r>
+              <a:rPr lang="en-US" dirty="0" err="1"/>
+              <a:t>java.util.stream.Collector;import</a:t>
+            </a:r>
+            <a:r>
+              <a:rPr lang="en-US" dirty="0"/>
+              <a:t> </a:t>
+            </a:r>
+            <a:r>
+              <a:rPr lang="en-US" dirty="0" err="1"/>
+              <a:t>java.util.stream.Collectors;import</a:t>
+            </a:r>
+            <a:r>
+              <a:rPr lang="en-US" dirty="0"/>
+              <a:t> </a:t>
+            </a:r>
+            <a:r>
+              <a:rPr lang="en-US" dirty="0" err="1"/>
+              <a:t>java.util.stream.Stream;public</a:t>
+            </a:r>
+            <a:r>
+              <a:rPr lang="en-US" dirty="0"/>
+              <a:t> class </a:t>
+            </a:r>
+            <a:r>
+              <a:rPr lang="en-US" dirty="0" err="1"/>
+              <a:t>CustomCollectorExample</a:t>
+            </a:r>
+            <a:r>
+              <a:rPr lang="en-US" dirty="0"/>
+              <a:t> {    public static void main(String[] </a:t>
+            </a:r>
+            <a:r>
+              <a:rPr lang="en-US" dirty="0" err="1"/>
+              <a:t>args</a:t>
+            </a:r>
+            <a:r>
+              <a:rPr lang="en-US" dirty="0"/>
+              <a:t>) {        List&lt;String&gt; names = </a:t>
+            </a:r>
+            <a:r>
+              <a:rPr lang="en-US" dirty="0" err="1"/>
+              <a:t>Arrays.asList</a:t>
+            </a:r>
+            <a:r>
+              <a:rPr lang="en-US" dirty="0"/>
+              <a:t>("</a:t>
+            </a:r>
+            <a:r>
+              <a:rPr lang="en-US" dirty="0" err="1"/>
+              <a:t>ayaan</a:t>
+            </a:r>
+            <a:r>
+              <a:rPr lang="en-US" dirty="0"/>
+              <a:t>", "</a:t>
+            </a:r>
+            <a:r>
+              <a:rPr lang="en-US" dirty="0" err="1"/>
+              <a:t>alam</a:t>
+            </a:r>
+            <a:r>
+              <a:rPr lang="en-US" dirty="0"/>
+              <a:t>", "</a:t>
+            </a:r>
+            <a:r>
+              <a:rPr lang="en-US" dirty="0" err="1"/>
+              <a:t>intellipaat</a:t>
+            </a:r>
+            <a:r>
+              <a:rPr lang="en-US" dirty="0"/>
+              <a:t>");        Collector&lt;String, </a:t>
+            </a:r>
+            <a:r>
+              <a:rPr lang="en-US" dirty="0" err="1"/>
+              <a:t>StringJoiner</a:t>
+            </a:r>
+            <a:r>
+              <a:rPr lang="en-US" dirty="0"/>
+              <a:t>, String&gt; </a:t>
+            </a:r>
+            <a:r>
+              <a:rPr lang="en-US" dirty="0" err="1"/>
+              <a:t>customCollector</a:t>
+            </a:r>
+            <a:r>
+              <a:rPr lang="en-US" dirty="0"/>
+              <a:t> = </a:t>
+            </a:r>
+            <a:r>
+              <a:rPr lang="en-US" dirty="0" err="1"/>
+              <a:t>Collector.of</a:t>
+            </a:r>
+            <a:r>
+              <a:rPr lang="en-US" dirty="0"/>
+              <a:t>(            () -&gt; new </a:t>
+            </a:r>
+            <a:r>
+              <a:rPr lang="en-US" dirty="0" err="1"/>
+              <a:t>StringJoiner</a:t>
+            </a:r>
+            <a:r>
+              <a:rPr lang="en-US" dirty="0"/>
+              <a:t>(", "),            (joiner, str) -&gt; </a:t>
+            </a:r>
+            <a:r>
+              <a:rPr lang="en-US" dirty="0" err="1"/>
+              <a:t>joiner.add</a:t>
+            </a:r>
+            <a:r>
+              <a:rPr lang="en-US" dirty="0"/>
+              <a:t>(</a:t>
+            </a:r>
+            <a:r>
+              <a:rPr lang="en-US" dirty="0" err="1"/>
+              <a:t>str.toUpperCase</a:t>
+            </a:r>
+            <a:r>
+              <a:rPr lang="en-US" dirty="0"/>
+              <a:t>()),            </a:t>
+            </a:r>
+            <a:r>
+              <a:rPr lang="en-US" dirty="0" err="1"/>
+              <a:t>StringJoiner</a:t>
+            </a:r>
+            <a:r>
+              <a:rPr lang="en-US" dirty="0"/>
+              <a:t>::merge,            </a:t>
+            </a:r>
+            <a:r>
+              <a:rPr lang="en-US" dirty="0" err="1"/>
+              <a:t>StringJoiner</a:t>
+            </a:r>
+            <a:r>
+              <a:rPr lang="en-US" dirty="0"/>
+              <a:t>::</a:t>
+            </a:r>
+            <a:r>
+              <a:rPr lang="en-US" dirty="0" err="1"/>
+              <a:t>toString</a:t>
+            </a:r>
+            <a:r>
+              <a:rPr lang="en-US" dirty="0"/>
+              <a:t>        );        String result = </a:t>
+            </a:r>
+            <a:r>
+              <a:rPr lang="en-US" dirty="0" err="1"/>
+              <a:t>names.stream</a:t>
+            </a:r>
+            <a:r>
+              <a:rPr lang="en-US" dirty="0"/>
+              <a:t>().collect(</a:t>
+            </a:r>
+            <a:r>
+              <a:rPr lang="en-US" dirty="0" err="1"/>
+              <a:t>customCollector</a:t>
+            </a:r>
+            <a:r>
+              <a:rPr lang="en-US" dirty="0"/>
+              <a:t>);        </a:t>
+            </a:r>
+            <a:r>
+              <a:rPr lang="en-US" dirty="0" err="1"/>
+              <a:t>System.out.println</a:t>
+            </a:r>
+            <a:r>
+              <a:rPr lang="en-US" dirty="0"/>
+              <a:t>(result);    }}</a:t>
+            </a:r>
+          </a:p>
+        </p:txBody>
+      </p:sp>
+      <p:sp>
+        <p:nvSpPr>
+          <p:cNvPr id="7" name="TextBox 6">
+            <a:extLst>
+              <a:ext uri="{FF2B5EF4-FFF2-40B4-BE49-F238E27FC236}">
+                <a16:creationId xmlns:a16="http://schemas.microsoft.com/office/drawing/2014/main" id="{09D5270E-1003-88DE-0C2D-1B5EAB57E3E5}"/>
+              </a:ext>
+            </a:extLst>
+          </p:cNvPr>
+          <p:cNvSpPr txBox="1"/>
+          <p:nvPr/>
+        </p:nvSpPr>
+        <p:spPr>
+          <a:xfrm>
+            <a:off x="5179324" y="2662306"/>
+            <a:ext cx="4305870" cy="3452227"/>
+          </a:xfrm>
+          <a:prstGeom prst="rect">
+            <a:avLst/>
+          </a:prstGeom>
+          <a:noFill/>
+        </p:spPr>
+        <p:txBody>
+          <a:bodyPr wrap="square">
+            <a:spAutoFit/>
+          </a:bodyPr>
+          <a:lstStyle/>
+          <a:p>
+            <a:pPr algn="just">
+              <a:lnSpc>
+                <a:spcPts val="2100"/>
+              </a:lnSpc>
+              <a:spcBef>
+                <a:spcPts val="1650"/>
+              </a:spcBef>
+              <a:buNone/>
+            </a:pPr>
+            <a:r>
+              <a:rPr lang="en-US" b="0" i="0" dirty="0">
+                <a:solidFill>
+                  <a:srgbClr val="3A3A3A"/>
+                </a:solidFill>
+                <a:effectLst/>
+                <a:latin typeface="Roboto" panose="02000000000000000000" pitchFamily="2" charset="0"/>
+              </a:rPr>
+              <a:t>This collector:</a:t>
+            </a:r>
+          </a:p>
+          <a:p>
+            <a:pPr algn="just">
+              <a:lnSpc>
+                <a:spcPts val="2100"/>
+              </a:lnSpc>
+              <a:spcBef>
+                <a:spcPts val="750"/>
+              </a:spcBef>
+              <a:spcAft>
+                <a:spcPts val="600"/>
+              </a:spcAft>
+              <a:buFont typeface="Arial" panose="020B0604020202020204" pitchFamily="34" charset="0"/>
+              <a:buChar char="•"/>
+            </a:pPr>
+            <a:r>
+              <a:rPr lang="en-US" b="0" i="0" dirty="0">
+                <a:solidFill>
+                  <a:srgbClr val="3A3A3A"/>
+                </a:solidFill>
+                <a:effectLst/>
+                <a:latin typeface="Roboto" panose="02000000000000000000" pitchFamily="2" charset="0"/>
+              </a:rPr>
+              <a:t>Creates a </a:t>
+            </a:r>
+            <a:r>
+              <a:rPr lang="en-US" b="0" i="0" dirty="0" err="1">
+                <a:solidFill>
+                  <a:srgbClr val="3A3A3A"/>
+                </a:solidFill>
+                <a:effectLst/>
+                <a:latin typeface="Roboto" panose="02000000000000000000" pitchFamily="2" charset="0"/>
+              </a:rPr>
+              <a:t>StringJoiner</a:t>
+            </a:r>
+            <a:endParaRPr lang="en-US" b="0" i="0" dirty="0">
+              <a:solidFill>
+                <a:srgbClr val="3A3A3A"/>
+              </a:solidFill>
+              <a:effectLst/>
+              <a:latin typeface="Roboto" panose="02000000000000000000" pitchFamily="2" charset="0"/>
+            </a:endParaRPr>
+          </a:p>
+          <a:p>
+            <a:pPr algn="just">
+              <a:lnSpc>
+                <a:spcPts val="2100"/>
+              </a:lnSpc>
+              <a:spcBef>
+                <a:spcPts val="750"/>
+              </a:spcBef>
+              <a:spcAft>
+                <a:spcPts val="600"/>
+              </a:spcAft>
+              <a:buFont typeface="Arial" panose="020B0604020202020204" pitchFamily="34" charset="0"/>
+              <a:buChar char="•"/>
+            </a:pPr>
+            <a:r>
+              <a:rPr lang="en-US" b="0" i="0" dirty="0">
+                <a:solidFill>
+                  <a:srgbClr val="3A3A3A"/>
+                </a:solidFill>
+                <a:effectLst/>
+                <a:latin typeface="Roboto" panose="02000000000000000000" pitchFamily="2" charset="0"/>
+              </a:rPr>
+              <a:t>Inserts uppercase strings</a:t>
+            </a:r>
+          </a:p>
+          <a:p>
+            <a:pPr algn="just">
+              <a:lnSpc>
+                <a:spcPts val="2100"/>
+              </a:lnSpc>
+              <a:spcBef>
+                <a:spcPts val="750"/>
+              </a:spcBef>
+              <a:spcAft>
+                <a:spcPts val="600"/>
+              </a:spcAft>
+              <a:buFont typeface="Arial" panose="020B0604020202020204" pitchFamily="34" charset="0"/>
+              <a:buChar char="•"/>
+            </a:pPr>
+            <a:r>
+              <a:rPr lang="en-US" b="0" i="0" dirty="0">
+                <a:solidFill>
+                  <a:srgbClr val="3A3A3A"/>
+                </a:solidFill>
+                <a:effectLst/>
+                <a:latin typeface="Roboto" panose="02000000000000000000" pitchFamily="2" charset="0"/>
+              </a:rPr>
+              <a:t>Combines results from parallel streams</a:t>
+            </a:r>
+          </a:p>
+          <a:p>
+            <a:pPr algn="just">
+              <a:lnSpc>
+                <a:spcPts val="2100"/>
+              </a:lnSpc>
+              <a:spcBef>
+                <a:spcPts val="750"/>
+              </a:spcBef>
+              <a:spcAft>
+                <a:spcPts val="600"/>
+              </a:spcAft>
+              <a:buFont typeface="Arial" panose="020B0604020202020204" pitchFamily="34" charset="0"/>
+              <a:buChar char="•"/>
+            </a:pPr>
+            <a:r>
+              <a:rPr lang="en-US" b="0" i="0" dirty="0">
+                <a:solidFill>
+                  <a:srgbClr val="3A3A3A"/>
+                </a:solidFill>
+                <a:effectLst/>
+                <a:latin typeface="Roboto" panose="02000000000000000000" pitchFamily="2" charset="0"/>
+              </a:rPr>
+              <a:t>Turns the result into a String</a:t>
+            </a:r>
+          </a:p>
+          <a:p>
+            <a:pPr algn="just">
+              <a:lnSpc>
+                <a:spcPts val="2100"/>
+              </a:lnSpc>
+              <a:spcBef>
+                <a:spcPts val="1650"/>
+              </a:spcBef>
+              <a:buNone/>
+            </a:pPr>
+            <a:r>
+              <a:rPr lang="en-US" b="0" i="0" dirty="0">
+                <a:solidFill>
+                  <a:srgbClr val="3A3A3A"/>
+                </a:solidFill>
+                <a:effectLst/>
+                <a:latin typeface="Roboto" panose="02000000000000000000" pitchFamily="2" charset="0"/>
+              </a:rPr>
+              <a:t>Use cases: Custom collectors can be used when dealing with formatting, summarizing, or reducing complicated objects in stream pipelines.</a:t>
+            </a:r>
+          </a:p>
+        </p:txBody>
+      </p:sp>
     </p:spTree>
     <p:extLst>
       <p:ext uri="{BB962C8B-B14F-4D97-AF65-F5344CB8AC3E}">
@@ -44789,7 +45993,7 @@
         </p:nvSpPr>
         <p:spPr>
           <a:xfrm>
-            <a:off x="2477069" y="1445971"/>
+            <a:off x="0" y="0"/>
             <a:ext cx="4954136" cy="3972882"/>
           </a:xfrm>
           <a:prstGeom prst="rect">
@@ -44953,6 +46157,226 @@
                 <a:latin typeface="Roboto" panose="02000000000000000000" pitchFamily="2" charset="0"/>
               </a:rPr>
               <a:t>Flattens the outcome into one Stream.</a:t>
+            </a:r>
+          </a:p>
+        </p:txBody>
+      </p:sp>
+      <p:sp>
+        <p:nvSpPr>
+          <p:cNvPr id="4" name="TextBox 3">
+            <a:extLst>
+              <a:ext uri="{FF2B5EF4-FFF2-40B4-BE49-F238E27FC236}">
+                <a16:creationId xmlns:a16="http://schemas.microsoft.com/office/drawing/2014/main" id="{1BD679E3-09A5-555B-FF90-4686AB0D1AB1}"/>
+              </a:ext>
+            </a:extLst>
+          </p:cNvPr>
+          <p:cNvSpPr txBox="1"/>
+          <p:nvPr/>
+        </p:nvSpPr>
+        <p:spPr>
+          <a:xfrm>
+            <a:off x="4924568" y="1325687"/>
+            <a:ext cx="4981432" cy="2862322"/>
+          </a:xfrm>
+          <a:prstGeom prst="rect">
+            <a:avLst/>
+          </a:prstGeom>
+          <a:noFill/>
+        </p:spPr>
+        <p:txBody>
+          <a:bodyPr wrap="square">
+            <a:spAutoFit/>
+          </a:bodyPr>
+          <a:lstStyle/>
+          <a:p>
+            <a:r>
+              <a:rPr lang="en-US" dirty="0"/>
+              <a:t>import </a:t>
+            </a:r>
+            <a:r>
+              <a:rPr lang="en-US" dirty="0" err="1"/>
+              <a:t>java.util</a:t>
+            </a:r>
+            <a:r>
+              <a:rPr lang="en-US" dirty="0"/>
+              <a:t>.*;import </a:t>
+            </a:r>
+            <a:r>
+              <a:rPr lang="en-US" dirty="0" err="1"/>
+              <a:t>java.util.stream.Collectors;public</a:t>
+            </a:r>
+            <a:r>
+              <a:rPr lang="en-US" dirty="0"/>
+              <a:t> class </a:t>
+            </a:r>
+            <a:r>
+              <a:rPr lang="en-US" dirty="0" err="1"/>
+              <a:t>FlatMapExample</a:t>
+            </a:r>
+            <a:r>
+              <a:rPr lang="en-US" dirty="0"/>
+              <a:t> {    public static void main(String[] </a:t>
+            </a:r>
+            <a:r>
+              <a:rPr lang="en-US" dirty="0" err="1"/>
+              <a:t>args</a:t>
+            </a:r>
+            <a:r>
+              <a:rPr lang="en-US" dirty="0"/>
+              <a:t>) {        List&lt;List&lt;String&gt;&gt; nested = </a:t>
+            </a:r>
+            <a:r>
+              <a:rPr lang="en-US" dirty="0" err="1"/>
+              <a:t>Arrays.asList</a:t>
+            </a:r>
+            <a:r>
+              <a:rPr lang="en-US" dirty="0"/>
+              <a:t>(            </a:t>
+            </a:r>
+            <a:r>
+              <a:rPr lang="en-US" dirty="0" err="1"/>
+              <a:t>Arrays.asList</a:t>
+            </a:r>
+            <a:r>
+              <a:rPr lang="en-US" dirty="0"/>
+              <a:t>("A", "B"),            </a:t>
+            </a:r>
+            <a:r>
+              <a:rPr lang="en-US" dirty="0" err="1"/>
+              <a:t>Arrays.asList</a:t>
+            </a:r>
+            <a:r>
+              <a:rPr lang="en-US" dirty="0"/>
+              <a:t>("C", "D")        );        List&lt;String&gt; flat = </a:t>
+            </a:r>
+            <a:r>
+              <a:rPr lang="en-US" dirty="0" err="1"/>
+              <a:t>nested.stream</a:t>
+            </a:r>
+            <a:r>
+              <a:rPr lang="en-US" dirty="0"/>
+              <a:t>()              // Stream&lt;List&lt;String&gt;&gt;                                   .</a:t>
+            </a:r>
+            <a:r>
+              <a:rPr lang="en-US" dirty="0" err="1"/>
+              <a:t>flatMap</a:t>
+            </a:r>
+            <a:r>
+              <a:rPr lang="en-US" dirty="0"/>
+              <a:t>(List::stream) // Stream&lt;String&gt;                                   .collect(</a:t>
+            </a:r>
+            <a:r>
+              <a:rPr lang="en-US" dirty="0" err="1"/>
+              <a:t>Collectors.toList</a:t>
+            </a:r>
+            <a:r>
+              <a:rPr lang="en-US" dirty="0"/>
+              <a:t>());        </a:t>
+            </a:r>
+            <a:r>
+              <a:rPr lang="en-US" dirty="0" err="1"/>
+              <a:t>System.out.println</a:t>
+            </a:r>
+            <a:r>
+              <a:rPr lang="en-US" dirty="0"/>
+              <a:t>(flat); // Output: [A, B, C, D]    }}</a:t>
+            </a:r>
+          </a:p>
+        </p:txBody>
+      </p:sp>
+      <p:sp>
+        <p:nvSpPr>
+          <p:cNvPr id="6" name="TextBox 5">
+            <a:extLst>
+              <a:ext uri="{FF2B5EF4-FFF2-40B4-BE49-F238E27FC236}">
+                <a16:creationId xmlns:a16="http://schemas.microsoft.com/office/drawing/2014/main" id="{C68B2C7A-9BE9-298D-D5B5-446C21E61488}"/>
+              </a:ext>
+            </a:extLst>
+          </p:cNvPr>
+          <p:cNvSpPr txBox="1"/>
+          <p:nvPr/>
+        </p:nvSpPr>
+        <p:spPr>
+          <a:xfrm>
+            <a:off x="0" y="5103495"/>
+            <a:ext cx="5684292" cy="1420902"/>
+          </a:xfrm>
+          <a:prstGeom prst="rect">
+            <a:avLst/>
+          </a:prstGeom>
+          <a:noFill/>
+        </p:spPr>
+        <p:txBody>
+          <a:bodyPr wrap="square">
+            <a:spAutoFit/>
+          </a:bodyPr>
+          <a:lstStyle/>
+          <a:p>
+            <a:pPr algn="l">
+              <a:spcBef>
+                <a:spcPts val="1650"/>
+              </a:spcBef>
+              <a:buNone/>
+            </a:pPr>
+            <a:r>
+              <a:rPr lang="en-US" b="0" i="0" dirty="0">
+                <a:solidFill>
+                  <a:srgbClr val="3A3A3A"/>
+                </a:solidFill>
+                <a:effectLst/>
+                <a:latin typeface="Roboto" panose="02000000000000000000" pitchFamily="2" charset="0"/>
+              </a:rPr>
+              <a:t>When to Use:</a:t>
+            </a:r>
+          </a:p>
+          <a:p>
+            <a:pPr algn="just">
+              <a:lnSpc>
+                <a:spcPts val="2100"/>
+              </a:lnSpc>
+              <a:spcBef>
+                <a:spcPts val="1650"/>
+              </a:spcBef>
+              <a:spcAft>
+                <a:spcPts val="600"/>
+              </a:spcAft>
+              <a:buFont typeface="Arial" panose="020B0604020202020204" pitchFamily="34" charset="0"/>
+              <a:buChar char="•"/>
+            </a:pPr>
+            <a:r>
+              <a:rPr lang="en-US" b="0" i="0" dirty="0">
+                <a:solidFill>
+                  <a:srgbClr val="3A3A3A"/>
+                </a:solidFill>
+                <a:effectLst/>
+                <a:latin typeface="Roboto" panose="02000000000000000000" pitchFamily="2" charset="0"/>
+              </a:rPr>
+              <a:t>When dealing with nested collections.</a:t>
+            </a:r>
+          </a:p>
+          <a:p>
+            <a:pPr algn="just">
+              <a:lnSpc>
+                <a:spcPts val="2100"/>
+              </a:lnSpc>
+              <a:spcBef>
+                <a:spcPts val="1650"/>
+              </a:spcBef>
+              <a:spcAft>
+                <a:spcPts val="600"/>
+              </a:spcAft>
+              <a:buFont typeface="Arial" panose="020B0604020202020204" pitchFamily="34" charset="0"/>
+              <a:buChar char="•"/>
+            </a:pPr>
+            <a:r>
+              <a:rPr lang="en-US" b="0" i="0" dirty="0">
+                <a:solidFill>
+                  <a:srgbClr val="3A3A3A"/>
+                </a:solidFill>
+                <a:effectLst/>
+                <a:latin typeface="Roboto" panose="02000000000000000000" pitchFamily="2" charset="0"/>
+              </a:rPr>
+              <a:t>To prevent Stream&lt;Stream&lt;T&gt;&gt; nesting.</a:t>
             </a:r>
           </a:p>
         </p:txBody>
@@ -44993,6 +46417,313 @@
           <a:chExt cx="0" cy="0"/>
         </a:xfrm>
       </p:grpSpPr>
+      <p:sp>
+        <p:nvSpPr>
+          <p:cNvPr id="3" name="TextBox 2">
+            <a:extLst>
+              <a:ext uri="{FF2B5EF4-FFF2-40B4-BE49-F238E27FC236}">
+                <a16:creationId xmlns:a16="http://schemas.microsoft.com/office/drawing/2014/main" id="{E9E6322A-4A4A-A3D0-844B-8501E0750475}"/>
+              </a:ext>
+            </a:extLst>
+          </p:cNvPr>
+          <p:cNvSpPr txBox="1"/>
+          <p:nvPr/>
+        </p:nvSpPr>
+        <p:spPr>
+          <a:xfrm>
+            <a:off x="-1136" y="0"/>
+            <a:ext cx="4040873" cy="5083443"/>
+          </a:xfrm>
+          <a:prstGeom prst="rect">
+            <a:avLst/>
+          </a:prstGeom>
+          <a:noFill/>
+        </p:spPr>
+        <p:txBody>
+          <a:bodyPr wrap="square">
+            <a:spAutoFit/>
+          </a:bodyPr>
+          <a:lstStyle/>
+          <a:p>
+            <a:pPr algn="l">
+              <a:lnSpc>
+                <a:spcPts val="2100"/>
+              </a:lnSpc>
+              <a:spcBef>
+                <a:spcPts val="2400"/>
+              </a:spcBef>
+              <a:spcAft>
+                <a:spcPts val="1800"/>
+              </a:spcAft>
+              <a:buNone/>
+            </a:pPr>
+            <a:r>
+              <a:rPr lang="en-US" b="0" i="0">
+                <a:solidFill>
+                  <a:srgbClr val="272C37"/>
+                </a:solidFill>
+                <a:effectLst/>
+                <a:latin typeface="Roboto" panose="02000000000000000000" pitchFamily="2" charset="0"/>
+              </a:rPr>
+              <a:t>83. What is the @FunctionalInterface annotation?</a:t>
+            </a:r>
+          </a:p>
+          <a:p>
+            <a:pPr algn="just">
+              <a:lnSpc>
+                <a:spcPts val="2100"/>
+              </a:lnSpc>
+              <a:spcBef>
+                <a:spcPts val="1650"/>
+              </a:spcBef>
+              <a:buNone/>
+            </a:pPr>
+            <a:r>
+              <a:rPr lang="en-US" b="0" i="0">
+                <a:solidFill>
+                  <a:srgbClr val="3A3A3A"/>
+                </a:solidFill>
+                <a:effectLst/>
+                <a:latin typeface="Roboto" panose="02000000000000000000" pitchFamily="2" charset="0"/>
+              </a:rPr>
+              <a:t>@FunctionalInterface is an annotation that is used to specify that an interface is meant to be a functional interface (an interface with only one abstract method).</a:t>
+            </a:r>
+          </a:p>
+          <a:p>
+            <a:pPr algn="l">
+              <a:spcBef>
+                <a:spcPts val="1650"/>
+              </a:spcBef>
+              <a:buNone/>
+            </a:pPr>
+            <a:r>
+              <a:rPr lang="en-US" b="0" i="0">
+                <a:solidFill>
+                  <a:srgbClr val="3A3A3A"/>
+                </a:solidFill>
+                <a:effectLst/>
+                <a:latin typeface="Roboto" panose="02000000000000000000" pitchFamily="2" charset="0"/>
+              </a:rPr>
+              <a:t>Purpose:</a:t>
+            </a:r>
+          </a:p>
+          <a:p>
+            <a:pPr algn="just">
+              <a:lnSpc>
+                <a:spcPts val="2100"/>
+              </a:lnSpc>
+              <a:spcBef>
+                <a:spcPts val="1650"/>
+              </a:spcBef>
+              <a:spcAft>
+                <a:spcPts val="600"/>
+              </a:spcAft>
+              <a:buFont typeface="Arial" panose="020B0604020202020204" pitchFamily="34" charset="0"/>
+              <a:buChar char="•"/>
+            </a:pPr>
+            <a:r>
+              <a:rPr lang="en-US" b="0" i="0">
+                <a:solidFill>
+                  <a:srgbClr val="3A3A3A"/>
+                </a:solidFill>
+                <a:effectLst/>
+                <a:latin typeface="Roboto" panose="02000000000000000000" pitchFamily="2" charset="0"/>
+              </a:rPr>
+              <a:t>Tells the compiler to implement a functional interface contract.</a:t>
+            </a:r>
+          </a:p>
+          <a:p>
+            <a:pPr algn="just">
+              <a:lnSpc>
+                <a:spcPts val="2100"/>
+              </a:lnSpc>
+              <a:spcBef>
+                <a:spcPts val="1650"/>
+              </a:spcBef>
+              <a:spcAft>
+                <a:spcPts val="600"/>
+              </a:spcAft>
+              <a:buFont typeface="Arial" panose="020B0604020202020204" pitchFamily="34" charset="0"/>
+              <a:buChar char="•"/>
+            </a:pPr>
+            <a:r>
+              <a:rPr lang="en-US" b="0" i="0">
+                <a:solidFill>
+                  <a:srgbClr val="3A3A3A"/>
+                </a:solidFill>
+                <a:effectLst/>
+                <a:latin typeface="Roboto" panose="02000000000000000000" pitchFamily="2" charset="0"/>
+              </a:rPr>
+              <a:t>Facilitates use with lambda expressions and method references.</a:t>
+            </a:r>
+          </a:p>
+          <a:p>
+            <a:pPr algn="l">
+              <a:spcBef>
+                <a:spcPts val="1650"/>
+              </a:spcBef>
+              <a:buNone/>
+            </a:pPr>
+            <a:r>
+              <a:rPr lang="en-US" b="0" i="0">
+                <a:solidFill>
+                  <a:srgbClr val="3A3A3A"/>
+                </a:solidFill>
+                <a:effectLst/>
+                <a:latin typeface="Roboto" panose="02000000000000000000" pitchFamily="2" charset="0"/>
+              </a:rPr>
+              <a:t>Example:</a:t>
+            </a:r>
+            <a:endParaRPr lang="en-US" b="0" i="0" dirty="0">
+              <a:solidFill>
+                <a:srgbClr val="3A3A3A"/>
+              </a:solidFill>
+              <a:effectLst/>
+              <a:latin typeface="Roboto" panose="02000000000000000000" pitchFamily="2" charset="0"/>
+            </a:endParaRPr>
+          </a:p>
+        </p:txBody>
+      </p:sp>
+      <p:sp>
+        <p:nvSpPr>
+          <p:cNvPr id="5" name="TextBox 4">
+            <a:extLst>
+              <a:ext uri="{FF2B5EF4-FFF2-40B4-BE49-F238E27FC236}">
+                <a16:creationId xmlns:a16="http://schemas.microsoft.com/office/drawing/2014/main" id="{70AD69E3-BF48-18E8-796C-A3CEEC5E537B}"/>
+              </a:ext>
+            </a:extLst>
+          </p:cNvPr>
+          <p:cNvSpPr txBox="1"/>
+          <p:nvPr/>
+        </p:nvSpPr>
+        <p:spPr>
+          <a:xfrm>
+            <a:off x="4619768" y="316257"/>
+            <a:ext cx="4981432" cy="923330"/>
+          </a:xfrm>
+          <a:prstGeom prst="rect">
+            <a:avLst/>
+          </a:prstGeom>
+          <a:noFill/>
+        </p:spPr>
+        <p:txBody>
+          <a:bodyPr wrap="square">
+            <a:spAutoFit/>
+          </a:bodyPr>
+          <a:lstStyle/>
+          <a:p>
+            <a:r>
+              <a:rPr lang="en-US" dirty="0"/>
+              <a:t>@FunctionalInterfaceinterface </a:t>
+            </a:r>
+            <a:r>
+              <a:rPr lang="en-US" dirty="0" err="1"/>
+              <a:t>MyFunction</a:t>
+            </a:r>
+            <a:r>
+              <a:rPr lang="en-US" dirty="0"/>
+              <a:t> {    void execute(); // Only one abstract method allowed}</a:t>
+            </a:r>
+          </a:p>
+        </p:txBody>
+      </p:sp>
+      <p:sp>
+        <p:nvSpPr>
+          <p:cNvPr id="7" name="TextBox 6">
+            <a:extLst>
+              <a:ext uri="{FF2B5EF4-FFF2-40B4-BE49-F238E27FC236}">
+                <a16:creationId xmlns:a16="http://schemas.microsoft.com/office/drawing/2014/main" id="{3B225ADF-61EC-8693-E87A-A7981B333C56}"/>
+              </a:ext>
+            </a:extLst>
+          </p:cNvPr>
+          <p:cNvSpPr txBox="1"/>
+          <p:nvPr/>
+        </p:nvSpPr>
+        <p:spPr>
+          <a:xfrm>
+            <a:off x="4619768" y="1738794"/>
+            <a:ext cx="4981432" cy="1690206"/>
+          </a:xfrm>
+          <a:prstGeom prst="rect">
+            <a:avLst/>
+          </a:prstGeom>
+          <a:noFill/>
+        </p:spPr>
+        <p:txBody>
+          <a:bodyPr wrap="square">
+            <a:spAutoFit/>
+          </a:bodyPr>
+          <a:lstStyle/>
+          <a:p>
+            <a:pPr algn="l">
+              <a:spcBef>
+                <a:spcPts val="1650"/>
+              </a:spcBef>
+              <a:buNone/>
+            </a:pPr>
+            <a:r>
+              <a:rPr lang="en-US" b="0" i="0" dirty="0">
+                <a:solidFill>
+                  <a:srgbClr val="3A3A3A"/>
+                </a:solidFill>
+                <a:effectLst/>
+                <a:latin typeface="Roboto" panose="02000000000000000000" pitchFamily="2" charset="0"/>
+              </a:rPr>
+              <a:t>Benefits:</a:t>
+            </a:r>
+          </a:p>
+          <a:p>
+            <a:pPr algn="just">
+              <a:lnSpc>
+                <a:spcPts val="2100"/>
+              </a:lnSpc>
+              <a:spcBef>
+                <a:spcPts val="1650"/>
+              </a:spcBef>
+              <a:spcAft>
+                <a:spcPts val="600"/>
+              </a:spcAft>
+              <a:buFont typeface="Arial" panose="020B0604020202020204" pitchFamily="34" charset="0"/>
+              <a:buChar char="•"/>
+            </a:pPr>
+            <a:r>
+              <a:rPr lang="en-US" b="0" i="0" dirty="0">
+                <a:solidFill>
+                  <a:srgbClr val="3A3A3A"/>
+                </a:solidFill>
+                <a:effectLst/>
+                <a:latin typeface="Roboto" panose="02000000000000000000" pitchFamily="2" charset="0"/>
+              </a:rPr>
+              <a:t>Improves code clarity.</a:t>
+            </a:r>
+          </a:p>
+          <a:p>
+            <a:pPr algn="just">
+              <a:lnSpc>
+                <a:spcPts val="2100"/>
+              </a:lnSpc>
+              <a:spcBef>
+                <a:spcPts val="1650"/>
+              </a:spcBef>
+              <a:spcAft>
+                <a:spcPts val="600"/>
+              </a:spcAft>
+              <a:buFont typeface="Arial" panose="020B0604020202020204" pitchFamily="34" charset="0"/>
+              <a:buChar char="•"/>
+            </a:pPr>
+            <a:r>
+              <a:rPr lang="en-US" b="0" i="0" dirty="0">
+                <a:solidFill>
+                  <a:srgbClr val="3A3A3A"/>
+                </a:solidFill>
+                <a:effectLst/>
+                <a:latin typeface="Roboto" panose="02000000000000000000" pitchFamily="2" charset="0"/>
+              </a:rPr>
+              <a:t>Prevents accidental addition of multiple abstract methods.</a:t>
+            </a:r>
+          </a:p>
+        </p:txBody>
+      </p:sp>
     </p:spTree>
     <p:extLst>
       <p:ext uri="{BB962C8B-B14F-4D97-AF65-F5344CB8AC3E}">
@@ -45029,6 +46760,591 @@
           <a:chExt cx="0" cy="0"/>
         </a:xfrm>
       </p:grpSpPr>
+      <p:sp>
+        <p:nvSpPr>
+          <p:cNvPr id="3" name="TextBox 2">
+            <a:extLst>
+              <a:ext uri="{FF2B5EF4-FFF2-40B4-BE49-F238E27FC236}">
+                <a16:creationId xmlns:a16="http://schemas.microsoft.com/office/drawing/2014/main" id="{4E933C84-B8AC-AAA1-5F4F-72F822C476EF}"/>
+              </a:ext>
+            </a:extLst>
+          </p:cNvPr>
+          <p:cNvSpPr txBox="1"/>
+          <p:nvPr/>
+        </p:nvSpPr>
+        <p:spPr>
+          <a:xfrm>
+            <a:off x="0" y="0"/>
+            <a:ext cx="4954136" cy="2652008"/>
+          </a:xfrm>
+          <a:prstGeom prst="rect">
+            <a:avLst/>
+          </a:prstGeom>
+          <a:noFill/>
+        </p:spPr>
+        <p:txBody>
+          <a:bodyPr wrap="square">
+            <a:spAutoFit/>
+          </a:bodyPr>
+          <a:lstStyle/>
+          <a:p>
+            <a:pPr algn="l">
+              <a:lnSpc>
+                <a:spcPts val="2100"/>
+              </a:lnSpc>
+              <a:spcBef>
+                <a:spcPts val="2400"/>
+              </a:spcBef>
+              <a:spcAft>
+                <a:spcPts val="1800"/>
+              </a:spcAft>
+              <a:buNone/>
+            </a:pPr>
+            <a:r>
+              <a:rPr lang="en-US" b="0" i="0" dirty="0">
+                <a:solidFill>
+                  <a:srgbClr val="272C37"/>
+                </a:solidFill>
+                <a:effectLst/>
+                <a:latin typeface="Roboto" panose="02000000000000000000" pitchFamily="2" charset="0"/>
+              </a:rPr>
+              <a:t>84. How do you handle time zones using the </a:t>
+            </a:r>
+            <a:r>
+              <a:rPr lang="en-US" b="0" i="0" dirty="0" err="1">
+                <a:solidFill>
+                  <a:srgbClr val="272C37"/>
+                </a:solidFill>
+                <a:effectLst/>
+                <a:latin typeface="Roboto" panose="02000000000000000000" pitchFamily="2" charset="0"/>
+              </a:rPr>
+              <a:t>java.time</a:t>
+            </a:r>
+            <a:r>
+              <a:rPr lang="en-US" b="0" i="0" dirty="0">
+                <a:solidFill>
+                  <a:srgbClr val="272C37"/>
+                </a:solidFill>
+                <a:effectLst/>
+                <a:latin typeface="Roboto" panose="02000000000000000000" pitchFamily="2" charset="0"/>
+              </a:rPr>
+              <a:t> API?</a:t>
+            </a:r>
+          </a:p>
+          <a:p>
+            <a:pPr algn="just">
+              <a:lnSpc>
+                <a:spcPts val="2100"/>
+              </a:lnSpc>
+              <a:spcBef>
+                <a:spcPts val="1650"/>
+              </a:spcBef>
+              <a:buNone/>
+            </a:pPr>
+            <a:r>
+              <a:rPr lang="en-US" b="0" i="0" dirty="0">
+                <a:solidFill>
+                  <a:srgbClr val="3A3A3A"/>
+                </a:solidFill>
+                <a:effectLst/>
+                <a:latin typeface="Roboto" panose="02000000000000000000" pitchFamily="2" charset="0"/>
+              </a:rPr>
+              <a:t>The </a:t>
+            </a:r>
+            <a:r>
+              <a:rPr lang="en-US" b="0" i="0" dirty="0" err="1">
+                <a:solidFill>
+                  <a:srgbClr val="3A3A3A"/>
+                </a:solidFill>
+                <a:effectLst/>
+                <a:latin typeface="Roboto" panose="02000000000000000000" pitchFamily="2" charset="0"/>
+              </a:rPr>
+              <a:t>Java.time</a:t>
+            </a:r>
+            <a:r>
+              <a:rPr lang="en-US" b="0" i="0" dirty="0">
+                <a:solidFill>
+                  <a:srgbClr val="3A3A3A"/>
+                </a:solidFill>
+                <a:effectLst/>
+                <a:latin typeface="Roboto" panose="02000000000000000000" pitchFamily="2" charset="0"/>
+              </a:rPr>
+              <a:t> API introduces classes such as </a:t>
+            </a:r>
+            <a:r>
+              <a:rPr lang="en-US" b="0" i="0" dirty="0" err="1">
+                <a:solidFill>
+                  <a:srgbClr val="3A3A3A"/>
+                </a:solidFill>
+                <a:effectLst/>
+                <a:latin typeface="Roboto" panose="02000000000000000000" pitchFamily="2" charset="0"/>
+              </a:rPr>
+              <a:t>ZonedDateTime</a:t>
+            </a:r>
+            <a:r>
+              <a:rPr lang="en-US" b="0" i="0" dirty="0">
+                <a:solidFill>
+                  <a:srgbClr val="3A3A3A"/>
+                </a:solidFill>
+                <a:effectLst/>
+                <a:latin typeface="Roboto" panose="02000000000000000000" pitchFamily="2" charset="0"/>
+              </a:rPr>
+              <a:t>, </a:t>
+            </a:r>
+            <a:r>
+              <a:rPr lang="en-US" b="0" i="0" dirty="0" err="1">
+                <a:solidFill>
+                  <a:srgbClr val="3A3A3A"/>
+                </a:solidFill>
+                <a:effectLst/>
+                <a:latin typeface="Roboto" panose="02000000000000000000" pitchFamily="2" charset="0"/>
+              </a:rPr>
+              <a:t>ZoneId</a:t>
+            </a:r>
+            <a:r>
+              <a:rPr lang="en-US" b="0" i="0" dirty="0">
+                <a:solidFill>
+                  <a:srgbClr val="3A3A3A"/>
+                </a:solidFill>
+                <a:effectLst/>
+                <a:latin typeface="Roboto" panose="02000000000000000000" pitchFamily="2" charset="0"/>
+              </a:rPr>
+              <a:t>, and </a:t>
+            </a:r>
+            <a:r>
+              <a:rPr lang="en-US" b="0" i="0" dirty="0" err="1">
+                <a:solidFill>
+                  <a:srgbClr val="3A3A3A"/>
+                </a:solidFill>
+                <a:effectLst/>
+                <a:latin typeface="Roboto" panose="02000000000000000000" pitchFamily="2" charset="0"/>
+              </a:rPr>
+              <a:t>OffsetDateTime</a:t>
+            </a:r>
+            <a:r>
+              <a:rPr lang="en-US" b="0" i="0" dirty="0">
+                <a:solidFill>
+                  <a:srgbClr val="3A3A3A"/>
+                </a:solidFill>
+                <a:effectLst/>
+                <a:latin typeface="Roboto" panose="02000000000000000000" pitchFamily="2" charset="0"/>
+              </a:rPr>
+              <a:t> to manage date and time with zone information support.</a:t>
+            </a:r>
+          </a:p>
+          <a:p>
+            <a:pPr algn="l">
+              <a:spcBef>
+                <a:spcPts val="1650"/>
+              </a:spcBef>
+              <a:buNone/>
+            </a:pPr>
+            <a:r>
+              <a:rPr lang="en-US" b="0" i="0" dirty="0">
+                <a:solidFill>
+                  <a:srgbClr val="3A3A3A"/>
+                </a:solidFill>
+                <a:effectLst/>
+                <a:latin typeface="Roboto" panose="02000000000000000000" pitchFamily="2" charset="0"/>
+              </a:rPr>
+              <a:t>Example:</a:t>
+            </a:r>
+          </a:p>
+        </p:txBody>
+      </p:sp>
+      <p:sp>
+        <p:nvSpPr>
+          <p:cNvPr id="5" name="TextBox 4">
+            <a:extLst>
+              <a:ext uri="{FF2B5EF4-FFF2-40B4-BE49-F238E27FC236}">
+                <a16:creationId xmlns:a16="http://schemas.microsoft.com/office/drawing/2014/main" id="{52152590-CA3A-9FBD-B266-5BAB992F775D}"/>
+              </a:ext>
+            </a:extLst>
+          </p:cNvPr>
+          <p:cNvSpPr txBox="1"/>
+          <p:nvPr/>
+        </p:nvSpPr>
+        <p:spPr>
+          <a:xfrm>
+            <a:off x="0" y="2652008"/>
+            <a:ext cx="4981432" cy="1477328"/>
+          </a:xfrm>
+          <a:prstGeom prst="rect">
+            <a:avLst/>
+          </a:prstGeom>
+          <a:noFill/>
+        </p:spPr>
+        <p:txBody>
+          <a:bodyPr wrap="square">
+            <a:spAutoFit/>
+          </a:bodyPr>
+          <a:lstStyle/>
+          <a:p>
+            <a:r>
+              <a:rPr lang="en-US" dirty="0"/>
+              <a:t>// Get current date and time in Asia/Kolkata </a:t>
+            </a:r>
+            <a:r>
+              <a:rPr lang="en-US" dirty="0" err="1"/>
+              <a:t>timezone</a:t>
+            </a:r>
+            <a:endParaRPr lang="en-US" dirty="0"/>
+          </a:p>
+          <a:p>
+            <a:r>
+              <a:rPr lang="en-US" dirty="0" err="1"/>
+              <a:t>ZonedDateTime</a:t>
+            </a:r>
+            <a:r>
+              <a:rPr lang="en-US" dirty="0"/>
+              <a:t> </a:t>
+            </a:r>
+            <a:r>
+              <a:rPr lang="en-US" dirty="0" err="1"/>
+              <a:t>zonedTime</a:t>
+            </a:r>
+            <a:r>
+              <a:rPr lang="en-US" dirty="0"/>
+              <a:t> = </a:t>
+            </a:r>
+            <a:r>
+              <a:rPr lang="en-US" dirty="0" err="1"/>
+              <a:t>ZonedDateTime.now</a:t>
+            </a:r>
+            <a:r>
+              <a:rPr lang="en-US" dirty="0"/>
+              <a:t>(</a:t>
+            </a:r>
+            <a:r>
+              <a:rPr lang="en-US" dirty="0" err="1"/>
+              <a:t>ZoneId.of</a:t>
+            </a:r>
+            <a:r>
+              <a:rPr lang="en-US" dirty="0"/>
+              <a:t>("Asia/Kolkata"));</a:t>
+            </a:r>
+          </a:p>
+          <a:p>
+            <a:r>
+              <a:rPr lang="en-US" dirty="0" err="1"/>
+              <a:t>System.out.println</a:t>
+            </a:r>
+            <a:r>
+              <a:rPr lang="en-US" dirty="0"/>
+              <a:t>(</a:t>
+            </a:r>
+            <a:r>
+              <a:rPr lang="en-US" dirty="0" err="1"/>
+              <a:t>zonedTime</a:t>
+            </a:r>
+            <a:r>
+              <a:rPr lang="en-US" dirty="0"/>
+              <a:t>);</a:t>
+            </a:r>
+          </a:p>
+        </p:txBody>
+      </p:sp>
+      <p:sp>
+        <p:nvSpPr>
+          <p:cNvPr id="7" name="TextBox 6">
+            <a:extLst>
+              <a:ext uri="{FF2B5EF4-FFF2-40B4-BE49-F238E27FC236}">
+                <a16:creationId xmlns:a16="http://schemas.microsoft.com/office/drawing/2014/main" id="{24B6E146-82C0-C63D-29FC-6784F7D0C25E}"/>
+              </a:ext>
+            </a:extLst>
+          </p:cNvPr>
+          <p:cNvSpPr txBox="1"/>
+          <p:nvPr/>
+        </p:nvSpPr>
+        <p:spPr>
+          <a:xfrm>
+            <a:off x="0" y="4129336"/>
+            <a:ext cx="4981432" cy="369332"/>
+          </a:xfrm>
+          <a:prstGeom prst="rect">
+            <a:avLst/>
+          </a:prstGeom>
+          <a:noFill/>
+        </p:spPr>
+        <p:txBody>
+          <a:bodyPr wrap="square">
+            <a:spAutoFit/>
+          </a:bodyPr>
+          <a:lstStyle/>
+          <a:p>
+            <a:r>
+              <a:rPr lang="en-US" b="0" i="0" dirty="0">
+                <a:solidFill>
+                  <a:srgbClr val="3A3A3A"/>
+                </a:solidFill>
+                <a:effectLst/>
+                <a:latin typeface="Roboto" panose="02000000000000000000" pitchFamily="2" charset="0"/>
+              </a:rPr>
+              <a:t>Convert Between Time Zones:</a:t>
+            </a:r>
+            <a:endParaRPr lang="en-US" dirty="0"/>
+          </a:p>
+        </p:txBody>
+      </p:sp>
+      <p:sp>
+        <p:nvSpPr>
+          <p:cNvPr id="9" name="TextBox 8">
+            <a:extLst>
+              <a:ext uri="{FF2B5EF4-FFF2-40B4-BE49-F238E27FC236}">
+                <a16:creationId xmlns:a16="http://schemas.microsoft.com/office/drawing/2014/main" id="{CCA07644-0CAE-42E0-2826-9A8B56108784}"/>
+              </a:ext>
+            </a:extLst>
+          </p:cNvPr>
+          <p:cNvSpPr txBox="1"/>
+          <p:nvPr/>
+        </p:nvSpPr>
+        <p:spPr>
+          <a:xfrm>
+            <a:off x="0" y="4584897"/>
+            <a:ext cx="4981432" cy="1477328"/>
+          </a:xfrm>
+          <a:prstGeom prst="rect">
+            <a:avLst/>
+          </a:prstGeom>
+          <a:noFill/>
+        </p:spPr>
+        <p:txBody>
+          <a:bodyPr wrap="square">
+            <a:spAutoFit/>
+          </a:bodyPr>
+          <a:lstStyle/>
+          <a:p>
+            <a:r>
+              <a:rPr lang="en-US" dirty="0"/>
+              <a:t>// Convert to UTC</a:t>
+            </a:r>
+          </a:p>
+          <a:p>
+            <a:r>
+              <a:rPr lang="en-US" dirty="0" err="1"/>
+              <a:t>ZonedDateTime</a:t>
+            </a:r>
+            <a:r>
+              <a:rPr lang="en-US" dirty="0"/>
+              <a:t> </a:t>
+            </a:r>
+            <a:r>
+              <a:rPr lang="en-US" dirty="0" err="1"/>
+              <a:t>utcTime</a:t>
+            </a:r>
+            <a:r>
+              <a:rPr lang="en-US" dirty="0"/>
+              <a:t> = </a:t>
+            </a:r>
+            <a:r>
+              <a:rPr lang="en-US" dirty="0" err="1"/>
+              <a:t>zonedTime.withZoneSameInstant</a:t>
+            </a:r>
+            <a:r>
+              <a:rPr lang="en-US" dirty="0"/>
+              <a:t>(</a:t>
+            </a:r>
+            <a:r>
+              <a:rPr lang="en-US" dirty="0" err="1"/>
+              <a:t>ZoneId.of</a:t>
+            </a:r>
+            <a:r>
+              <a:rPr lang="en-US" dirty="0"/>
+              <a:t>("UTC"));</a:t>
+            </a:r>
+          </a:p>
+          <a:p>
+            <a:r>
+              <a:rPr lang="en-US" dirty="0" err="1"/>
+              <a:t>System.out.println</a:t>
+            </a:r>
+            <a:r>
+              <a:rPr lang="en-US" dirty="0"/>
+              <a:t>(</a:t>
+            </a:r>
+            <a:r>
+              <a:rPr lang="en-US" dirty="0" err="1"/>
+              <a:t>utcTime</a:t>
+            </a:r>
+            <a:r>
+              <a:rPr lang="en-US" dirty="0"/>
+              <a:t>);</a:t>
+            </a:r>
+          </a:p>
+        </p:txBody>
+      </p:sp>
+      <p:sp>
+        <p:nvSpPr>
+          <p:cNvPr id="11" name="TextBox 10">
+            <a:extLst>
+              <a:ext uri="{FF2B5EF4-FFF2-40B4-BE49-F238E27FC236}">
+                <a16:creationId xmlns:a16="http://schemas.microsoft.com/office/drawing/2014/main" id="{0ADC7916-AAFF-617D-048B-1E31468DE344}"/>
+              </a:ext>
+            </a:extLst>
+          </p:cNvPr>
+          <p:cNvSpPr txBox="1"/>
+          <p:nvPr/>
+        </p:nvSpPr>
+        <p:spPr>
+          <a:xfrm>
+            <a:off x="5165678" y="239369"/>
+            <a:ext cx="4981432" cy="2523768"/>
+          </a:xfrm>
+          <a:prstGeom prst="rect">
+            <a:avLst/>
+          </a:prstGeom>
+          <a:noFill/>
+        </p:spPr>
+        <p:txBody>
+          <a:bodyPr wrap="square">
+            <a:spAutoFit/>
+          </a:bodyPr>
+          <a:lstStyle/>
+          <a:p>
+            <a:pPr algn="l">
+              <a:spcBef>
+                <a:spcPts val="1650"/>
+              </a:spcBef>
+              <a:buNone/>
+            </a:pPr>
+            <a:r>
+              <a:rPr lang="en-US" b="0" i="0" dirty="0">
+                <a:solidFill>
+                  <a:srgbClr val="3A3A3A"/>
+                </a:solidFill>
+                <a:effectLst/>
+                <a:latin typeface="Roboto" panose="02000000000000000000" pitchFamily="2" charset="0"/>
+              </a:rPr>
+              <a:t>Key Classes:</a:t>
+            </a:r>
+          </a:p>
+          <a:p>
+            <a:pPr algn="just">
+              <a:lnSpc>
+                <a:spcPts val="2100"/>
+              </a:lnSpc>
+              <a:spcBef>
+                <a:spcPts val="1650"/>
+              </a:spcBef>
+              <a:spcAft>
+                <a:spcPts val="600"/>
+              </a:spcAft>
+              <a:buFont typeface="Arial" panose="020B0604020202020204" pitchFamily="34" charset="0"/>
+              <a:buChar char="•"/>
+            </a:pPr>
+            <a:r>
+              <a:rPr lang="en-US" b="0" i="0" dirty="0" err="1">
+                <a:solidFill>
+                  <a:srgbClr val="3A3A3A"/>
+                </a:solidFill>
+                <a:effectLst/>
+                <a:latin typeface="Roboto" panose="02000000000000000000" pitchFamily="2" charset="0"/>
+              </a:rPr>
+              <a:t>ZoneId</a:t>
+            </a:r>
+            <a:r>
+              <a:rPr lang="en-US" b="0" i="0" dirty="0">
+                <a:solidFill>
+                  <a:srgbClr val="3A3A3A"/>
+                </a:solidFill>
+                <a:effectLst/>
+                <a:latin typeface="Roboto" panose="02000000000000000000" pitchFamily="2" charset="0"/>
+              </a:rPr>
+              <a:t> – Represents a time zone (e.g., “America/</a:t>
+            </a:r>
+            <a:r>
+              <a:rPr lang="en-US" b="0" i="0" dirty="0" err="1">
+                <a:solidFill>
+                  <a:srgbClr val="3A3A3A"/>
+                </a:solidFill>
+                <a:effectLst/>
+                <a:latin typeface="Roboto" panose="02000000000000000000" pitchFamily="2" charset="0"/>
+              </a:rPr>
+              <a:t>New_York</a:t>
+            </a:r>
+            <a:r>
+              <a:rPr lang="en-US" b="0" i="0" dirty="0">
+                <a:solidFill>
+                  <a:srgbClr val="3A3A3A"/>
+                </a:solidFill>
+                <a:effectLst/>
+                <a:latin typeface="Roboto" panose="02000000000000000000" pitchFamily="2" charset="0"/>
+              </a:rPr>
+              <a:t>”)</a:t>
+            </a:r>
+          </a:p>
+          <a:p>
+            <a:pPr algn="just">
+              <a:lnSpc>
+                <a:spcPts val="2100"/>
+              </a:lnSpc>
+              <a:spcBef>
+                <a:spcPts val="1650"/>
+              </a:spcBef>
+              <a:spcAft>
+                <a:spcPts val="600"/>
+              </a:spcAft>
+              <a:buFont typeface="Arial" panose="020B0604020202020204" pitchFamily="34" charset="0"/>
+              <a:buChar char="•"/>
+            </a:pPr>
+            <a:r>
+              <a:rPr lang="en-US" b="0" i="0" dirty="0" err="1">
+                <a:solidFill>
+                  <a:srgbClr val="3A3A3A"/>
+                </a:solidFill>
+                <a:effectLst/>
+                <a:latin typeface="Roboto" panose="02000000000000000000" pitchFamily="2" charset="0"/>
+              </a:rPr>
+              <a:t>ZonedDateTime</a:t>
+            </a:r>
+            <a:r>
+              <a:rPr lang="en-US" b="0" i="0" dirty="0">
+                <a:solidFill>
+                  <a:srgbClr val="3A3A3A"/>
+                </a:solidFill>
+                <a:effectLst/>
+                <a:latin typeface="Roboto" panose="02000000000000000000" pitchFamily="2" charset="0"/>
+              </a:rPr>
+              <a:t> – Date/time with a time zone</a:t>
+            </a:r>
+          </a:p>
+          <a:p>
+            <a:pPr algn="just">
+              <a:lnSpc>
+                <a:spcPts val="2100"/>
+              </a:lnSpc>
+              <a:spcBef>
+                <a:spcPts val="1650"/>
+              </a:spcBef>
+              <a:spcAft>
+                <a:spcPts val="600"/>
+              </a:spcAft>
+              <a:buFont typeface="Arial" panose="020B0604020202020204" pitchFamily="34" charset="0"/>
+              <a:buChar char="•"/>
+            </a:pPr>
+            <a:r>
+              <a:rPr lang="en-US" b="0" i="0" dirty="0" err="1">
+                <a:solidFill>
+                  <a:srgbClr val="3A3A3A"/>
+                </a:solidFill>
+                <a:effectLst/>
+                <a:latin typeface="Roboto" panose="02000000000000000000" pitchFamily="2" charset="0"/>
+              </a:rPr>
+              <a:t>OffsetDateTime</a:t>
+            </a:r>
+            <a:r>
+              <a:rPr lang="en-US" b="0" i="0" dirty="0">
+                <a:solidFill>
+                  <a:srgbClr val="3A3A3A"/>
+                </a:solidFill>
+                <a:effectLst/>
+                <a:latin typeface="Roboto" panose="02000000000000000000" pitchFamily="2" charset="0"/>
+              </a:rPr>
+              <a:t> – Date/time with an offset from UTC</a:t>
+            </a:r>
+          </a:p>
+        </p:txBody>
+      </p:sp>
     </p:spTree>
     <p:extLst>
       <p:ext uri="{BB962C8B-B14F-4D97-AF65-F5344CB8AC3E}">
@@ -45452,6 +47768,151 @@
           <a:chExt cx="0" cy="0"/>
         </a:xfrm>
       </p:grpSpPr>
+      <p:sp>
+        <p:nvSpPr>
+          <p:cNvPr id="3" name="TextBox 2">
+            <a:extLst>
+              <a:ext uri="{FF2B5EF4-FFF2-40B4-BE49-F238E27FC236}">
+                <a16:creationId xmlns:a16="http://schemas.microsoft.com/office/drawing/2014/main" id="{3EB54671-81AE-43FD-0B91-94C4F0CC3413}"/>
+              </a:ext>
+            </a:extLst>
+          </p:cNvPr>
+          <p:cNvSpPr txBox="1"/>
+          <p:nvPr/>
+        </p:nvSpPr>
+        <p:spPr>
+          <a:xfrm>
+            <a:off x="2477069" y="1090746"/>
+            <a:ext cx="4954136" cy="4683333"/>
+          </a:xfrm>
+          <a:prstGeom prst="rect">
+            <a:avLst/>
+          </a:prstGeom>
+          <a:noFill/>
+        </p:spPr>
+        <p:txBody>
+          <a:bodyPr wrap="square">
+            <a:spAutoFit/>
+          </a:bodyPr>
+          <a:lstStyle/>
+          <a:p>
+            <a:pPr algn="l">
+              <a:lnSpc>
+                <a:spcPts val="2100"/>
+              </a:lnSpc>
+              <a:spcBef>
+                <a:spcPts val="2400"/>
+              </a:spcBef>
+              <a:spcAft>
+                <a:spcPts val="1800"/>
+              </a:spcAft>
+              <a:buNone/>
+            </a:pPr>
+            <a:r>
+              <a:rPr lang="en-US" b="0" i="0" dirty="0">
+                <a:solidFill>
+                  <a:srgbClr val="272C37"/>
+                </a:solidFill>
+                <a:effectLst/>
+                <a:latin typeface="Roboto" panose="02000000000000000000" pitchFamily="2" charset="0"/>
+              </a:rPr>
+              <a:t>85. List the differences between </a:t>
+            </a:r>
+            <a:r>
+              <a:rPr lang="en-US" b="0" i="0" dirty="0" err="1">
+                <a:solidFill>
+                  <a:srgbClr val="272C37"/>
+                </a:solidFill>
+                <a:effectLst/>
+                <a:latin typeface="Roboto" panose="02000000000000000000" pitchFamily="2" charset="0"/>
+              </a:rPr>
+              <a:t>ArrayList</a:t>
+            </a:r>
+            <a:r>
+              <a:rPr lang="en-US" b="0" i="0" dirty="0">
+                <a:solidFill>
+                  <a:srgbClr val="272C37"/>
+                </a:solidFill>
+                <a:effectLst/>
+                <a:latin typeface="Roboto" panose="02000000000000000000" pitchFamily="2" charset="0"/>
+              </a:rPr>
+              <a:t> and LinkedList in Java?</a:t>
+            </a:r>
+          </a:p>
+          <a:p>
+            <a:pPr algn="just">
+              <a:lnSpc>
+                <a:spcPts val="2100"/>
+              </a:lnSpc>
+              <a:spcBef>
+                <a:spcPts val="1650"/>
+              </a:spcBef>
+              <a:buNone/>
+            </a:pPr>
+            <a:r>
+              <a:rPr lang="en-US" b="0" i="0" dirty="0" err="1">
+                <a:solidFill>
+                  <a:srgbClr val="3A3A3A"/>
+                </a:solidFill>
+                <a:effectLst/>
+                <a:latin typeface="Roboto" panose="02000000000000000000" pitchFamily="2" charset="0"/>
+              </a:rPr>
+              <a:t>ArrayList</a:t>
+            </a:r>
+            <a:r>
+              <a:rPr lang="en-US" b="0" i="0" dirty="0">
+                <a:solidFill>
+                  <a:srgbClr val="3A3A3A"/>
+                </a:solidFill>
+                <a:effectLst/>
+                <a:latin typeface="Roboto" panose="02000000000000000000" pitchFamily="2" charset="0"/>
+              </a:rPr>
+              <a:t> is a dynamic array that stores elements and supports fast random access. It is better suited for element traversal and frequent access. Conversely, LinkedList is a linked list that stores its elements in the form of nodes, making it very suitable for high-speed insertion and deletion operations. Therefore, it can be useful where there are many additions or removals.</a:t>
+            </a:r>
+          </a:p>
+          <a:p>
+            <a:pPr algn="just">
+              <a:lnSpc>
+                <a:spcPts val="2100"/>
+              </a:lnSpc>
+              <a:spcBef>
+                <a:spcPts val="750"/>
+              </a:spcBef>
+              <a:buNone/>
+            </a:pPr>
+            <a:r>
+              <a:rPr lang="en-US" b="0" i="0" dirty="0">
+                <a:solidFill>
+                  <a:srgbClr val="3A3A3A"/>
+                </a:solidFill>
+                <a:effectLst/>
+                <a:latin typeface="Roboto" panose="02000000000000000000" pitchFamily="2" charset="0"/>
+              </a:rPr>
+              <a:t>If you want fast access and traversal through elements, then use an </a:t>
+            </a:r>
+            <a:r>
+              <a:rPr lang="en-US" b="0" i="0" dirty="0" err="1">
+                <a:solidFill>
+                  <a:srgbClr val="3A3A3A"/>
+                </a:solidFill>
+                <a:effectLst/>
+                <a:latin typeface="Roboto" panose="02000000000000000000" pitchFamily="2" charset="0"/>
+              </a:rPr>
+              <a:t>ArrayList</a:t>
+            </a:r>
+            <a:r>
+              <a:rPr lang="en-US" b="0" i="0" dirty="0">
+                <a:solidFill>
+                  <a:srgbClr val="3A3A3A"/>
+                </a:solidFill>
+                <a:effectLst/>
+                <a:latin typeface="Roboto" panose="02000000000000000000" pitchFamily="2" charset="0"/>
+              </a:rPr>
+              <a:t>; otherwise, for fast insertion or deletion of elements, use LinkedList.</a:t>
+            </a:r>
+          </a:p>
+        </p:txBody>
+      </p:sp>
     </p:spTree>
     <p:extLst>
       <p:ext uri="{BB962C8B-B14F-4D97-AF65-F5344CB8AC3E}">
@@ -45488,6 +47949,406 @@
           <a:chExt cx="0" cy="0"/>
         </a:xfrm>
       </p:grpSpPr>
+      <p:sp>
+        <p:nvSpPr>
+          <p:cNvPr id="3" name="TextBox 2">
+            <a:extLst>
+              <a:ext uri="{FF2B5EF4-FFF2-40B4-BE49-F238E27FC236}">
+                <a16:creationId xmlns:a16="http://schemas.microsoft.com/office/drawing/2014/main" id="{07DF110B-4DBE-0D10-95CF-551A6ED04DD6}"/>
+              </a:ext>
+            </a:extLst>
+          </p:cNvPr>
+          <p:cNvSpPr txBox="1"/>
+          <p:nvPr/>
+        </p:nvSpPr>
+        <p:spPr>
+          <a:xfrm>
+            <a:off x="116007" y="103857"/>
+            <a:ext cx="9683086" cy="1618392"/>
+          </a:xfrm>
+          <a:prstGeom prst="rect">
+            <a:avLst/>
+          </a:prstGeom>
+          <a:noFill/>
+        </p:spPr>
+        <p:txBody>
+          <a:bodyPr wrap="square">
+            <a:spAutoFit/>
+          </a:bodyPr>
+          <a:lstStyle/>
+          <a:p>
+            <a:pPr algn="l">
+              <a:lnSpc>
+                <a:spcPts val="2100"/>
+              </a:lnSpc>
+              <a:spcBef>
+                <a:spcPts val="2400"/>
+              </a:spcBef>
+              <a:spcAft>
+                <a:spcPts val="1800"/>
+              </a:spcAft>
+              <a:buNone/>
+            </a:pPr>
+            <a:r>
+              <a:rPr lang="en-US" b="0" i="0" dirty="0">
+                <a:solidFill>
+                  <a:srgbClr val="272C37"/>
+                </a:solidFill>
+                <a:effectLst/>
+                <a:latin typeface="Roboto" panose="02000000000000000000" pitchFamily="2" charset="0"/>
+              </a:rPr>
+              <a:t>86. Explain the use of copy constructors in Java.</a:t>
+            </a:r>
+          </a:p>
+          <a:p>
+            <a:pPr algn="just">
+              <a:lnSpc>
+                <a:spcPts val="2100"/>
+              </a:lnSpc>
+              <a:spcBef>
+                <a:spcPts val="1650"/>
+              </a:spcBef>
+              <a:buNone/>
+            </a:pPr>
+            <a:r>
+              <a:rPr lang="en-US" b="0" i="0" dirty="0">
+                <a:solidFill>
+                  <a:srgbClr val="3A3A3A"/>
+                </a:solidFill>
+                <a:effectLst/>
+                <a:latin typeface="Roboto" panose="02000000000000000000" pitchFamily="2" charset="0"/>
+              </a:rPr>
+              <a:t>Java does not support a copy constructor. However, you can manually create a copy by assigning the instance variables of one object to another. Below is an example of such a method:</a:t>
+            </a:r>
+          </a:p>
+        </p:txBody>
+      </p:sp>
+      <p:sp>
+        <p:nvSpPr>
+          <p:cNvPr id="5" name="TextBox 4">
+            <a:extLst>
+              <a:ext uri="{FF2B5EF4-FFF2-40B4-BE49-F238E27FC236}">
+                <a16:creationId xmlns:a16="http://schemas.microsoft.com/office/drawing/2014/main" id="{73D3B7EE-FA1B-7862-BD99-EFAEFA7F9F1B}"/>
+              </a:ext>
+            </a:extLst>
+          </p:cNvPr>
+          <p:cNvSpPr txBox="1"/>
+          <p:nvPr/>
+        </p:nvSpPr>
+        <p:spPr>
+          <a:xfrm>
+            <a:off x="402609" y="1881962"/>
+            <a:ext cx="4954136" cy="11726287"/>
+          </a:xfrm>
+          <a:prstGeom prst="rect">
+            <a:avLst/>
+          </a:prstGeom>
+          <a:noFill/>
+        </p:spPr>
+        <p:txBody>
+          <a:bodyPr wrap="square">
+            <a:spAutoFit/>
+          </a:bodyPr>
+          <a:lstStyle/>
+          <a:p>
+            <a:r>
+              <a:rPr lang="en-US" dirty="0"/>
+              <a:t>import </a:t>
+            </a:r>
+            <a:r>
+              <a:rPr lang="en-US" dirty="0" err="1"/>
+              <a:t>java.util</a:t>
+            </a:r>
+            <a:r>
+              <a:rPr lang="en-US" dirty="0"/>
+              <a:t>.*;</a:t>
+            </a:r>
+          </a:p>
+          <a:p>
+            <a:endParaRPr lang="en-US" dirty="0"/>
+          </a:p>
+          <a:p>
+            <a:r>
+              <a:rPr lang="en-US" dirty="0"/>
+              <a:t>class </a:t>
+            </a:r>
+            <a:r>
+              <a:rPr lang="en-US" dirty="0" err="1"/>
+              <a:t>copy_constructor</a:t>
+            </a:r>
+            <a:r>
+              <a:rPr lang="en-US" dirty="0"/>
+              <a:t> {</a:t>
+            </a:r>
+          </a:p>
+          <a:p>
+            <a:r>
+              <a:rPr lang="en-US" dirty="0"/>
+              <a:t>    public static void main(String </a:t>
+            </a:r>
+            <a:r>
+              <a:rPr lang="en-US" dirty="0" err="1"/>
+              <a:t>args</a:t>
+            </a:r>
+            <a:r>
+              <a:rPr lang="en-US" dirty="0"/>
+              <a:t>[]) {</a:t>
+            </a:r>
+          </a:p>
+          <a:p>
+            <a:r>
+              <a:rPr lang="en-US" dirty="0"/>
+              <a:t>        // Creating the first object using parameterized constructor</a:t>
+            </a:r>
+          </a:p>
+          <a:p>
+            <a:r>
+              <a:rPr lang="en-US" dirty="0"/>
+              <a:t>        demo obj = new demo(10, "Ayaan Alam");</a:t>
+            </a:r>
+          </a:p>
+          <a:p>
+            <a:endParaRPr lang="en-US" dirty="0"/>
+          </a:p>
+          <a:p>
+            <a:r>
+              <a:rPr lang="en-US" dirty="0"/>
+              <a:t>        // Creating the second object using copy constructor</a:t>
+            </a:r>
+          </a:p>
+          <a:p>
+            <a:r>
+              <a:rPr lang="en-US" dirty="0"/>
+              <a:t>        demo obj2 = new demo(obj);</a:t>
+            </a:r>
+          </a:p>
+          <a:p>
+            <a:endParaRPr lang="en-US" dirty="0"/>
+          </a:p>
+          <a:p>
+            <a:r>
+              <a:rPr lang="en-US" dirty="0"/>
+              <a:t>        // Displaying both objects</a:t>
+            </a:r>
+          </a:p>
+          <a:p>
+            <a:r>
+              <a:rPr lang="en-US" dirty="0"/>
+              <a:t>        </a:t>
+            </a:r>
+            <a:r>
+              <a:rPr lang="en-US" dirty="0" err="1"/>
+              <a:t>obj.display</a:t>
+            </a:r>
+            <a:r>
+              <a:rPr lang="en-US" dirty="0"/>
+              <a:t>();</a:t>
+            </a:r>
+          </a:p>
+          <a:p>
+            <a:r>
+              <a:rPr lang="en-US" dirty="0"/>
+              <a:t>        obj2.display();</a:t>
+            </a:r>
+          </a:p>
+          <a:p>
+            <a:r>
+              <a:rPr lang="en-US" dirty="0"/>
+              <a:t>    }</a:t>
+            </a:r>
+          </a:p>
+          <a:p>
+            <a:r>
+              <a:rPr lang="en-US" dirty="0"/>
+              <a:t>}</a:t>
+            </a:r>
+          </a:p>
+          <a:p>
+            <a:endParaRPr lang="en-US" dirty="0"/>
+          </a:p>
+          <a:p>
+            <a:r>
+              <a:rPr lang="en-US" dirty="0"/>
+              <a:t>class demo {</a:t>
+            </a:r>
+          </a:p>
+          <a:p>
+            <a:r>
+              <a:rPr lang="en-US" dirty="0"/>
+              <a:t>    String name;</a:t>
+            </a:r>
+          </a:p>
+          <a:p>
+            <a:r>
+              <a:rPr lang="en-US" dirty="0"/>
+              <a:t>    int </a:t>
+            </a:r>
+            <a:r>
+              <a:rPr lang="en-US" dirty="0" err="1"/>
+              <a:t>roll_no</a:t>
+            </a:r>
+            <a:r>
+              <a:rPr lang="en-US" dirty="0"/>
+              <a:t>;</a:t>
+            </a:r>
+          </a:p>
+          <a:p>
+            <a:endParaRPr lang="en-US" dirty="0"/>
+          </a:p>
+          <a:p>
+            <a:r>
+              <a:rPr lang="en-US" dirty="0"/>
+              <a:t>    // Constructor to initialize the name and roll number</a:t>
+            </a:r>
+          </a:p>
+          <a:p>
+            <a:r>
+              <a:rPr lang="en-US" dirty="0"/>
+              <a:t>    demo(int x, String y) {</a:t>
+            </a:r>
+          </a:p>
+          <a:p>
+            <a:r>
+              <a:rPr lang="en-US" dirty="0"/>
+              <a:t>        name = y;</a:t>
+            </a:r>
+          </a:p>
+          <a:p>
+            <a:r>
+              <a:rPr lang="en-US" dirty="0"/>
+              <a:t>        </a:t>
+            </a:r>
+            <a:r>
+              <a:rPr lang="en-US" dirty="0" err="1"/>
+              <a:t>roll_no</a:t>
+            </a:r>
+            <a:r>
+              <a:rPr lang="en-US" dirty="0"/>
+              <a:t> = x;</a:t>
+            </a:r>
+          </a:p>
+          <a:p>
+            <a:r>
+              <a:rPr lang="en-US" dirty="0"/>
+              <a:t>    }</a:t>
+            </a:r>
+          </a:p>
+          <a:p>
+            <a:endParaRPr lang="en-US" dirty="0"/>
+          </a:p>
+          <a:p>
+            <a:r>
+              <a:rPr lang="en-US" dirty="0"/>
+              <a:t>    // Copy constructor to initialize another object's variables</a:t>
+            </a:r>
+          </a:p>
+          <a:p>
+            <a:r>
+              <a:rPr lang="en-US" dirty="0"/>
+              <a:t>    demo(demo </a:t>
+            </a:r>
+            <a:r>
+              <a:rPr lang="en-US" dirty="0" err="1"/>
+              <a:t>ob</a:t>
+            </a:r>
+            <a:r>
+              <a:rPr lang="en-US" dirty="0"/>
+              <a:t>) {</a:t>
+            </a:r>
+          </a:p>
+          <a:p>
+            <a:r>
+              <a:rPr lang="en-US" dirty="0"/>
+              <a:t>        </a:t>
+            </a:r>
+            <a:r>
+              <a:rPr lang="en-US" dirty="0" err="1"/>
+              <a:t>roll_no</a:t>
+            </a:r>
+            <a:r>
+              <a:rPr lang="en-US" dirty="0"/>
+              <a:t> = </a:t>
+            </a:r>
+            <a:r>
+              <a:rPr lang="en-US" dirty="0" err="1"/>
+              <a:t>ob.roll_no</a:t>
+            </a:r>
+            <a:r>
+              <a:rPr lang="en-US" dirty="0"/>
+              <a:t>;</a:t>
+            </a:r>
+          </a:p>
+          <a:p>
+            <a:r>
+              <a:rPr lang="en-US" dirty="0"/>
+              <a:t>        name = ob.name;</a:t>
+            </a:r>
+          </a:p>
+          <a:p>
+            <a:r>
+              <a:rPr lang="en-US" dirty="0"/>
+              <a:t>    }</a:t>
+            </a:r>
+          </a:p>
+          <a:p>
+            <a:endParaRPr lang="en-US" dirty="0"/>
+          </a:p>
+          <a:p>
+            <a:r>
+              <a:rPr lang="en-US" dirty="0"/>
+              <a:t>    void display() {</a:t>
+            </a:r>
+          </a:p>
+          <a:p>
+            <a:r>
+              <a:rPr lang="en-US" dirty="0"/>
+              <a:t>        </a:t>
+            </a:r>
+            <a:r>
+              <a:rPr lang="en-US" dirty="0" err="1"/>
+              <a:t>System.out.println</a:t>
+            </a:r>
+            <a:r>
+              <a:rPr lang="en-US" dirty="0"/>
+              <a:t>("Name: " + name);</a:t>
+            </a:r>
+          </a:p>
+          <a:p>
+            <a:r>
+              <a:rPr lang="en-US" dirty="0"/>
+              <a:t>        </a:t>
+            </a:r>
+            <a:r>
+              <a:rPr lang="en-US" dirty="0" err="1"/>
+              <a:t>System.out.println</a:t>
+            </a:r>
+            <a:r>
+              <a:rPr lang="en-US" dirty="0"/>
+              <a:t>("Roll Number: " + </a:t>
+            </a:r>
+            <a:r>
+              <a:rPr lang="en-US" dirty="0" err="1"/>
+              <a:t>roll_no</a:t>
+            </a:r>
+            <a:r>
+              <a:rPr lang="en-US" dirty="0"/>
+              <a:t>);</a:t>
+            </a:r>
+          </a:p>
+          <a:p>
+            <a:r>
+              <a:rPr lang="en-US" dirty="0"/>
+              <a:t>    }</a:t>
+            </a:r>
+          </a:p>
+          <a:p>
+            <a:r>
+              <a:rPr lang="en-US" dirty="0"/>
+              <a:t>}</a:t>
+            </a:r>
+          </a:p>
+        </p:txBody>
+      </p:sp>
     </p:spTree>
     <p:extLst>
       <p:ext uri="{BB962C8B-B14F-4D97-AF65-F5344CB8AC3E}">
@@ -45524,6 +48385,771 @@
           <a:chExt cx="0" cy="0"/>
         </a:xfrm>
       </p:grpSpPr>
+      <p:sp>
+        <p:nvSpPr>
+          <p:cNvPr id="3" name="TextBox 2">
+            <a:extLst>
+              <a:ext uri="{FF2B5EF4-FFF2-40B4-BE49-F238E27FC236}">
+                <a16:creationId xmlns:a16="http://schemas.microsoft.com/office/drawing/2014/main" id="{A1A0AFB3-8F23-A886-BE84-67D672162FF1}"/>
+              </a:ext>
+            </a:extLst>
+          </p:cNvPr>
+          <p:cNvSpPr txBox="1"/>
+          <p:nvPr/>
+        </p:nvSpPr>
+        <p:spPr>
+          <a:xfrm>
+            <a:off x="0" y="0"/>
+            <a:ext cx="8475260" cy="1079783"/>
+          </a:xfrm>
+          <a:prstGeom prst="rect">
+            <a:avLst/>
+          </a:prstGeom>
+          <a:noFill/>
+        </p:spPr>
+        <p:txBody>
+          <a:bodyPr wrap="square">
+            <a:spAutoFit/>
+          </a:bodyPr>
+          <a:lstStyle/>
+          <a:p>
+            <a:pPr algn="l">
+              <a:lnSpc>
+                <a:spcPts val="2100"/>
+              </a:lnSpc>
+              <a:spcBef>
+                <a:spcPts val="2400"/>
+              </a:spcBef>
+              <a:spcAft>
+                <a:spcPts val="1800"/>
+              </a:spcAft>
+              <a:buNone/>
+            </a:pPr>
+            <a:r>
+              <a:rPr lang="en-US" b="0" i="0" dirty="0">
+                <a:solidFill>
+                  <a:srgbClr val="272C37"/>
+                </a:solidFill>
+                <a:effectLst/>
+                <a:latin typeface="Roboto" panose="02000000000000000000" pitchFamily="2" charset="0"/>
+              </a:rPr>
+              <a:t>87. List the differences between aggregation and composition.</a:t>
+            </a:r>
+          </a:p>
+          <a:p>
+            <a:pPr algn="just">
+              <a:lnSpc>
+                <a:spcPts val="2100"/>
+              </a:lnSpc>
+              <a:spcBef>
+                <a:spcPts val="1650"/>
+              </a:spcBef>
+              <a:buNone/>
+            </a:pPr>
+            <a:r>
+              <a:rPr lang="en-US" b="0" i="0" dirty="0">
+                <a:solidFill>
+                  <a:srgbClr val="3A3A3A"/>
+                </a:solidFill>
+                <a:effectLst/>
+                <a:latin typeface="Roboto" panose="02000000000000000000" pitchFamily="2" charset="0"/>
+              </a:rPr>
+              <a:t>Below are the key differences between aggregation and composition in Java:</a:t>
+            </a:r>
+          </a:p>
+        </p:txBody>
+      </p:sp>
+      <p:graphicFrame>
+        <p:nvGraphicFramePr>
+          <p:cNvPr id="4" name="Table 3">
+            <a:extLst>
+              <a:ext uri="{FF2B5EF4-FFF2-40B4-BE49-F238E27FC236}">
+                <a16:creationId xmlns:a16="http://schemas.microsoft.com/office/drawing/2014/main" id="{46968C99-F89F-74CB-2A1D-D441CDB2327B}"/>
+              </a:ext>
+            </a:extLst>
+          </p:cNvPr>
+          <p:cNvGraphicFramePr>
+            <a:graphicFrameLocks noGrp="1"/>
+          </p:cNvGraphicFramePr>
+          <p:nvPr>
+            <p:extLst>
+              <p:ext uri="{D42A27DB-BD31-4B8C-83A1-F6EECF244321}">
+                <p14:modId xmlns:p14="http://schemas.microsoft.com/office/powerpoint/2010/main" val="2139466990"/>
+              </p:ext>
+            </p:extLst>
+          </p:nvPr>
+        </p:nvGraphicFramePr>
+        <p:xfrm>
+          <a:off x="271605" y="1295626"/>
+          <a:ext cx="8543924" cy="3200400"/>
+        </p:xfrm>
+        <a:graphic>
+          <a:graphicData uri="http://schemas.openxmlformats.org/drawingml/2006/table">
+            <a:tbl>
+              <a:tblPr/>
+              <a:tblGrid>
+                <a:gridCol w="4271962">
+                  <a:extLst>
+                    <a:ext uri="{9D8B030D-6E8A-4147-A177-3AD203B41FA5}">
+                      <a16:colId xmlns:a16="http://schemas.microsoft.com/office/drawing/2014/main" val="4202785081"/>
+                    </a:ext>
+                  </a:extLst>
+                </a:gridCol>
+                <a:gridCol w="4271962">
+                  <a:extLst>
+                    <a:ext uri="{9D8B030D-6E8A-4147-A177-3AD203B41FA5}">
+                      <a16:colId xmlns:a16="http://schemas.microsoft.com/office/drawing/2014/main" val="3355887904"/>
+                    </a:ext>
+                  </a:extLst>
+                </a:gridCol>
+              </a:tblGrid>
+              <a:tr h="365760">
+                <a:tc>
+                  <a:txBody>
+                    <a:bodyPr/>
+                    <a:lstStyle/>
+                    <a:p>
+                      <a:pPr algn="ctr" fontAlgn="t">
+                        <a:buNone/>
+                      </a:pPr>
+                      <a:r>
+                        <a:rPr lang="en-US" sz="1800" b="0">
+                          <a:solidFill>
+                            <a:srgbClr val="FFFFFF"/>
+                          </a:solidFill>
+                          <a:effectLst/>
+                        </a:rPr>
+                        <a:t>Aggregation</a:t>
+                      </a:r>
+                      <a:endParaRPr lang="en-US" sz="1800">
+                        <a:solidFill>
+                          <a:srgbClr val="FFFFFF"/>
+                        </a:solidFill>
+                        <a:effectLst/>
+                      </a:endParaRPr>
+                    </a:p>
+                  </a:txBody>
+                  <a:tcPr>
+                    <a:lnL w="7620" cap="flat" cmpd="sng" algn="ctr">
+                      <a:solidFill>
+                        <a:srgbClr val="DEE2E6"/>
+                      </a:solidFill>
+                      <a:prstDash val="solid"/>
+                      <a:round/>
+                      <a:headEnd type="none" w="med" len="med"/>
+                      <a:tailEnd type="none" w="med" len="med"/>
+                    </a:lnL>
+                    <a:lnR w="7620" cap="flat" cmpd="sng" algn="ctr">
+                      <a:solidFill>
+                        <a:srgbClr val="DEE2E6"/>
+                      </a:solidFill>
+                      <a:prstDash val="solid"/>
+                      <a:round/>
+                      <a:headEnd type="none" w="med" len="med"/>
+                      <a:tailEnd type="none" w="med" len="med"/>
+                    </a:lnR>
+                    <a:lnT w="7620" cap="flat" cmpd="sng" algn="ctr">
+                      <a:solidFill>
+                        <a:srgbClr val="DEE2E6"/>
+                      </a:solidFill>
+                      <a:prstDash val="solid"/>
+                      <a:round/>
+                      <a:headEnd type="none" w="med" len="med"/>
+                      <a:tailEnd type="none" w="med" len="med"/>
+                    </a:lnT>
+                    <a:lnB w="7620" cap="flat" cmpd="sng" algn="ctr">
+                      <a:solidFill>
+                        <a:srgbClr val="DEE2E6"/>
+                      </a:solidFill>
+                      <a:prstDash val="solid"/>
+                      <a:round/>
+                      <a:headEnd type="none" w="med" len="med"/>
+                      <a:tailEnd type="none" w="med" len="med"/>
+                    </a:lnB>
+                    <a:solidFill>
+                      <a:srgbClr val="008DD9"/>
+                    </a:solidFill>
+                  </a:tcPr>
+                </a:tc>
+                <a:tc>
+                  <a:txBody>
+                    <a:bodyPr/>
+                    <a:lstStyle/>
+                    <a:p>
+                      <a:pPr algn="ctr" fontAlgn="t">
+                        <a:buNone/>
+                      </a:pPr>
+                      <a:r>
+                        <a:rPr lang="en-US" sz="1800" b="0" dirty="0">
+                          <a:solidFill>
+                            <a:srgbClr val="FFFFFF"/>
+                          </a:solidFill>
+                          <a:effectLst/>
+                        </a:rPr>
+                        <a:t>Composition</a:t>
+                      </a:r>
+                      <a:endParaRPr lang="en-US" sz="1800" dirty="0">
+                        <a:solidFill>
+                          <a:srgbClr val="FFFFFF"/>
+                        </a:solidFill>
+                        <a:effectLst/>
+                      </a:endParaRPr>
+                    </a:p>
+                  </a:txBody>
+                  <a:tcPr>
+                    <a:lnL w="7620" cap="flat" cmpd="sng" algn="ctr">
+                      <a:solidFill>
+                        <a:srgbClr val="DEE2E6"/>
+                      </a:solidFill>
+                      <a:prstDash val="solid"/>
+                      <a:round/>
+                      <a:headEnd type="none" w="med" len="med"/>
+                      <a:tailEnd type="none" w="med" len="med"/>
+                    </a:lnL>
+                    <a:lnR w="7620" cap="flat" cmpd="sng" algn="ctr">
+                      <a:solidFill>
+                        <a:srgbClr val="DEE2E6"/>
+                      </a:solidFill>
+                      <a:prstDash val="solid"/>
+                      <a:round/>
+                      <a:headEnd type="none" w="med" len="med"/>
+                      <a:tailEnd type="none" w="med" len="med"/>
+                    </a:lnR>
+                    <a:lnT w="7620" cap="flat" cmpd="sng" algn="ctr">
+                      <a:solidFill>
+                        <a:srgbClr val="DEE2E6"/>
+                      </a:solidFill>
+                      <a:prstDash val="solid"/>
+                      <a:round/>
+                      <a:headEnd type="none" w="med" len="med"/>
+                      <a:tailEnd type="none" w="med" len="med"/>
+                    </a:lnT>
+                    <a:lnB w="7620" cap="flat" cmpd="sng" algn="ctr">
+                      <a:solidFill>
+                        <a:srgbClr val="DEE2E6"/>
+                      </a:solidFill>
+                      <a:prstDash val="solid"/>
+                      <a:round/>
+                      <a:headEnd type="none" w="med" len="med"/>
+                      <a:tailEnd type="none" w="med" len="med"/>
+                    </a:lnB>
+                    <a:solidFill>
+                      <a:srgbClr val="008DD9"/>
+                    </a:solidFill>
+                  </a:tcPr>
+                </a:tc>
+                <a:extLst>
+                  <a:ext uri="{0D108BD9-81ED-4DB2-BD59-A6C34878D82A}">
+                    <a16:rowId xmlns:a16="http://schemas.microsoft.com/office/drawing/2014/main" val="3269214660"/>
+                  </a:ext>
+                </a:extLst>
+              </a:tr>
+              <a:tr h="640080">
+                <a:tc>
+                  <a:txBody>
+                    <a:bodyPr/>
+                    <a:lstStyle/>
+                    <a:p>
+                      <a:pPr fontAlgn="t">
+                        <a:buNone/>
+                      </a:pPr>
+                      <a:r>
+                        <a:rPr lang="en-US" sz="1800">
+                          <a:effectLst/>
+                        </a:rPr>
+                        <a:t>The parent class has a one-way relationship with the child class.</a:t>
+                      </a:r>
+                    </a:p>
+                  </a:txBody>
+                  <a:tcPr>
+                    <a:lnL w="7620" cap="flat" cmpd="sng" algn="ctr">
+                      <a:solidFill>
+                        <a:srgbClr val="DEE2E6"/>
+                      </a:solidFill>
+                      <a:prstDash val="solid"/>
+                      <a:round/>
+                      <a:headEnd type="none" w="med" len="med"/>
+                      <a:tailEnd type="none" w="med" len="med"/>
+                    </a:lnL>
+                    <a:lnR w="7620" cap="flat" cmpd="sng" algn="ctr">
+                      <a:solidFill>
+                        <a:srgbClr val="DEE2E6"/>
+                      </a:solidFill>
+                      <a:prstDash val="solid"/>
+                      <a:round/>
+                      <a:headEnd type="none" w="med" len="med"/>
+                      <a:tailEnd type="none" w="med" len="med"/>
+                    </a:lnR>
+                    <a:lnT w="7620" cap="flat" cmpd="sng" algn="ctr">
+                      <a:solidFill>
+                        <a:srgbClr val="DEE2E6"/>
+                      </a:solidFill>
+                      <a:prstDash val="solid"/>
+                      <a:round/>
+                      <a:headEnd type="none" w="med" len="med"/>
+                      <a:tailEnd type="none" w="med" len="med"/>
+                    </a:lnT>
+                    <a:lnB w="7620" cap="flat" cmpd="sng" algn="ctr">
+                      <a:solidFill>
+                        <a:srgbClr val="DEE2E6"/>
+                      </a:solidFill>
+                      <a:prstDash val="solid"/>
+                      <a:round/>
+                      <a:headEnd type="none" w="med" len="med"/>
+                      <a:tailEnd type="none" w="med" len="med"/>
+                    </a:lnB>
+                    <a:solidFill>
+                      <a:srgbClr val="FFFFFF"/>
+                    </a:solidFill>
+                  </a:tcPr>
+                </a:tc>
+                <a:tc>
+                  <a:txBody>
+                    <a:bodyPr/>
+                    <a:lstStyle/>
+                    <a:p>
+                      <a:pPr fontAlgn="t">
+                        <a:buNone/>
+                      </a:pPr>
+                      <a:r>
+                        <a:rPr lang="en-US" sz="1800">
+                          <a:effectLst/>
+                        </a:rPr>
+                        <a:t>In composition, the parent class owns the child class.</a:t>
+                      </a:r>
+                    </a:p>
+                  </a:txBody>
+                  <a:tcPr>
+                    <a:lnL w="7620" cap="flat" cmpd="sng" algn="ctr">
+                      <a:solidFill>
+                        <a:srgbClr val="DEE2E6"/>
+                      </a:solidFill>
+                      <a:prstDash val="solid"/>
+                      <a:round/>
+                      <a:headEnd type="none" w="med" len="med"/>
+                      <a:tailEnd type="none" w="med" len="med"/>
+                    </a:lnL>
+                    <a:lnR w="7620" cap="flat" cmpd="sng" algn="ctr">
+                      <a:solidFill>
+                        <a:srgbClr val="DEE2E6"/>
+                      </a:solidFill>
+                      <a:prstDash val="solid"/>
+                      <a:round/>
+                      <a:headEnd type="none" w="med" len="med"/>
+                      <a:tailEnd type="none" w="med" len="med"/>
+                    </a:lnR>
+                    <a:lnT w="7620" cap="flat" cmpd="sng" algn="ctr">
+                      <a:solidFill>
+                        <a:srgbClr val="DEE2E6"/>
+                      </a:solidFill>
+                      <a:prstDash val="solid"/>
+                      <a:round/>
+                      <a:headEnd type="none" w="med" len="med"/>
+                      <a:tailEnd type="none" w="med" len="med"/>
+                    </a:lnT>
+                    <a:lnB w="7620" cap="flat" cmpd="sng" algn="ctr">
+                      <a:solidFill>
+                        <a:srgbClr val="DEE2E6"/>
+                      </a:solidFill>
+                      <a:prstDash val="solid"/>
+                      <a:round/>
+                      <a:headEnd type="none" w="med" len="med"/>
+                      <a:tailEnd type="none" w="med" len="med"/>
+                    </a:lnB>
+                    <a:solidFill>
+                      <a:srgbClr val="FFFFFF"/>
+                    </a:solidFill>
+                  </a:tcPr>
+                </a:tc>
+                <a:extLst>
+                  <a:ext uri="{0D108BD9-81ED-4DB2-BD59-A6C34878D82A}">
+                    <a16:rowId xmlns:a16="http://schemas.microsoft.com/office/drawing/2014/main" val="2510165188"/>
+                  </a:ext>
+                </a:extLst>
+              </a:tr>
+              <a:tr h="914400">
+                <a:tc>
+                  <a:txBody>
+                    <a:bodyPr/>
+                    <a:lstStyle/>
+                    <a:p>
+                      <a:pPr fontAlgn="t">
+                        <a:buNone/>
+                      </a:pPr>
+                      <a:r>
+                        <a:rPr lang="en-US" sz="1800">
+                          <a:effectLst/>
+                        </a:rPr>
+                        <a:t>Aggregation is denoted by an empty diamond in UML (Unified Modeling Language) notation.</a:t>
+                      </a:r>
+                    </a:p>
+                  </a:txBody>
+                  <a:tcPr>
+                    <a:lnL w="7620" cap="flat" cmpd="sng" algn="ctr">
+                      <a:solidFill>
+                        <a:srgbClr val="DEE2E6"/>
+                      </a:solidFill>
+                      <a:prstDash val="solid"/>
+                      <a:round/>
+                      <a:headEnd type="none" w="med" len="med"/>
+                      <a:tailEnd type="none" w="med" len="med"/>
+                    </a:lnL>
+                    <a:lnR w="7620" cap="flat" cmpd="sng" algn="ctr">
+                      <a:solidFill>
+                        <a:srgbClr val="DEE2E6"/>
+                      </a:solidFill>
+                      <a:prstDash val="solid"/>
+                      <a:round/>
+                      <a:headEnd type="none" w="med" len="med"/>
+                      <a:tailEnd type="none" w="med" len="med"/>
+                    </a:lnR>
+                    <a:lnT w="7620" cap="flat" cmpd="sng" algn="ctr">
+                      <a:solidFill>
+                        <a:srgbClr val="DEE2E6"/>
+                      </a:solidFill>
+                      <a:prstDash val="solid"/>
+                      <a:round/>
+                      <a:headEnd type="none" w="med" len="med"/>
+                      <a:tailEnd type="none" w="med" len="med"/>
+                    </a:lnT>
+                    <a:lnB w="7620" cap="flat" cmpd="sng" algn="ctr">
+                      <a:solidFill>
+                        <a:srgbClr val="DEE2E6"/>
+                      </a:solidFill>
+                      <a:prstDash val="solid"/>
+                      <a:round/>
+                      <a:headEnd type="none" w="med" len="med"/>
+                      <a:tailEnd type="none" w="med" len="med"/>
+                    </a:lnB>
+                    <a:solidFill>
+                      <a:srgbClr val="FFFFFF"/>
+                    </a:solidFill>
+                  </a:tcPr>
+                </a:tc>
+                <a:tc>
+                  <a:txBody>
+                    <a:bodyPr/>
+                    <a:lstStyle/>
+                    <a:p>
+                      <a:pPr fontAlgn="t">
+                        <a:buNone/>
+                      </a:pPr>
+                      <a:r>
+                        <a:rPr lang="en-US" sz="1800">
+                          <a:effectLst/>
+                        </a:rPr>
+                        <a:t>Denoted by a filled diamond in the UML notation.</a:t>
+                      </a:r>
+                    </a:p>
+                  </a:txBody>
+                  <a:tcPr>
+                    <a:lnL w="7620" cap="flat" cmpd="sng" algn="ctr">
+                      <a:solidFill>
+                        <a:srgbClr val="DEE2E6"/>
+                      </a:solidFill>
+                      <a:prstDash val="solid"/>
+                      <a:round/>
+                      <a:headEnd type="none" w="med" len="med"/>
+                      <a:tailEnd type="none" w="med" len="med"/>
+                    </a:lnL>
+                    <a:lnR w="7620" cap="flat" cmpd="sng" algn="ctr">
+                      <a:solidFill>
+                        <a:srgbClr val="DEE2E6"/>
+                      </a:solidFill>
+                      <a:prstDash val="solid"/>
+                      <a:round/>
+                      <a:headEnd type="none" w="med" len="med"/>
+                      <a:tailEnd type="none" w="med" len="med"/>
+                    </a:lnR>
+                    <a:lnT w="7620" cap="flat" cmpd="sng" algn="ctr">
+                      <a:solidFill>
+                        <a:srgbClr val="DEE2E6"/>
+                      </a:solidFill>
+                      <a:prstDash val="solid"/>
+                      <a:round/>
+                      <a:headEnd type="none" w="med" len="med"/>
+                      <a:tailEnd type="none" w="med" len="med"/>
+                    </a:lnT>
+                    <a:lnB w="7620" cap="flat" cmpd="sng" algn="ctr">
+                      <a:solidFill>
+                        <a:srgbClr val="DEE2E6"/>
+                      </a:solidFill>
+                      <a:prstDash val="solid"/>
+                      <a:round/>
+                      <a:headEnd type="none" w="med" len="med"/>
+                      <a:tailEnd type="none" w="med" len="med"/>
+                    </a:lnB>
+                    <a:solidFill>
+                      <a:srgbClr val="FFFFFF"/>
+                    </a:solidFill>
+                  </a:tcPr>
+                </a:tc>
+                <a:extLst>
+                  <a:ext uri="{0D108BD9-81ED-4DB2-BD59-A6C34878D82A}">
+                    <a16:rowId xmlns:a16="http://schemas.microsoft.com/office/drawing/2014/main" val="1805899356"/>
+                  </a:ext>
+                </a:extLst>
+              </a:tr>
+              <a:tr h="365760">
+                <a:tc>
+                  <a:txBody>
+                    <a:bodyPr/>
+                    <a:lstStyle/>
+                    <a:p>
+                      <a:pPr fontAlgn="t">
+                        <a:buNone/>
+                      </a:pPr>
+                      <a:r>
+                        <a:rPr lang="en-US" sz="1800">
+                          <a:effectLst/>
+                        </a:rPr>
+                        <a:t>Child class has its own life cycle.</a:t>
+                      </a:r>
+                    </a:p>
+                  </a:txBody>
+                  <a:tcPr>
+                    <a:lnL w="7620" cap="flat" cmpd="sng" algn="ctr">
+                      <a:solidFill>
+                        <a:srgbClr val="DEE2E6"/>
+                      </a:solidFill>
+                      <a:prstDash val="solid"/>
+                      <a:round/>
+                      <a:headEnd type="none" w="med" len="med"/>
+                      <a:tailEnd type="none" w="med" len="med"/>
+                    </a:lnL>
+                    <a:lnR w="7620" cap="flat" cmpd="sng" algn="ctr">
+                      <a:solidFill>
+                        <a:srgbClr val="DEE2E6"/>
+                      </a:solidFill>
+                      <a:prstDash val="solid"/>
+                      <a:round/>
+                      <a:headEnd type="none" w="med" len="med"/>
+                      <a:tailEnd type="none" w="med" len="med"/>
+                    </a:lnR>
+                    <a:lnT w="7620" cap="flat" cmpd="sng" algn="ctr">
+                      <a:solidFill>
+                        <a:srgbClr val="DEE2E6"/>
+                      </a:solidFill>
+                      <a:prstDash val="solid"/>
+                      <a:round/>
+                      <a:headEnd type="none" w="med" len="med"/>
+                      <a:tailEnd type="none" w="med" len="med"/>
+                    </a:lnT>
+                    <a:lnB w="7620" cap="flat" cmpd="sng" algn="ctr">
+                      <a:solidFill>
+                        <a:srgbClr val="DEE2E6"/>
+                      </a:solidFill>
+                      <a:prstDash val="solid"/>
+                      <a:round/>
+                      <a:headEnd type="none" w="med" len="med"/>
+                      <a:tailEnd type="none" w="med" len="med"/>
+                    </a:lnB>
+                    <a:solidFill>
+                      <a:srgbClr val="FFFFFF"/>
+                    </a:solidFill>
+                  </a:tcPr>
+                </a:tc>
+                <a:tc>
+                  <a:txBody>
+                    <a:bodyPr/>
+                    <a:lstStyle/>
+                    <a:p>
+                      <a:pPr fontAlgn="t">
+                        <a:buNone/>
+                      </a:pPr>
+                      <a:r>
+                        <a:rPr lang="en-US" sz="1800">
+                          <a:effectLst/>
+                        </a:rPr>
+                        <a:t>Child class doesn’t have a lifetime.</a:t>
+                      </a:r>
+                    </a:p>
+                  </a:txBody>
+                  <a:tcPr>
+                    <a:lnL w="7620" cap="flat" cmpd="sng" algn="ctr">
+                      <a:solidFill>
+                        <a:srgbClr val="DEE2E6"/>
+                      </a:solidFill>
+                      <a:prstDash val="solid"/>
+                      <a:round/>
+                      <a:headEnd type="none" w="med" len="med"/>
+                      <a:tailEnd type="none" w="med" len="med"/>
+                    </a:lnL>
+                    <a:lnR w="7620" cap="flat" cmpd="sng" algn="ctr">
+                      <a:solidFill>
+                        <a:srgbClr val="DEE2E6"/>
+                      </a:solidFill>
+                      <a:prstDash val="solid"/>
+                      <a:round/>
+                      <a:headEnd type="none" w="med" len="med"/>
+                      <a:tailEnd type="none" w="med" len="med"/>
+                    </a:lnR>
+                    <a:lnT w="7620" cap="flat" cmpd="sng" algn="ctr">
+                      <a:solidFill>
+                        <a:srgbClr val="DEE2E6"/>
+                      </a:solidFill>
+                      <a:prstDash val="solid"/>
+                      <a:round/>
+                      <a:headEnd type="none" w="med" len="med"/>
+                      <a:tailEnd type="none" w="med" len="med"/>
+                    </a:lnT>
+                    <a:lnB w="7620" cap="flat" cmpd="sng" algn="ctr">
+                      <a:solidFill>
+                        <a:srgbClr val="DEE2E6"/>
+                      </a:solidFill>
+                      <a:prstDash val="solid"/>
+                      <a:round/>
+                      <a:headEnd type="none" w="med" len="med"/>
+                      <a:tailEnd type="none" w="med" len="med"/>
+                    </a:lnB>
+                    <a:solidFill>
+                      <a:srgbClr val="FFFFFF"/>
+                    </a:solidFill>
+                  </a:tcPr>
+                </a:tc>
+                <a:extLst>
+                  <a:ext uri="{0D108BD9-81ED-4DB2-BD59-A6C34878D82A}">
+                    <a16:rowId xmlns:a16="http://schemas.microsoft.com/office/drawing/2014/main" val="2890044103"/>
+                  </a:ext>
+                </a:extLst>
+              </a:tr>
+              <a:tr h="914400">
+                <a:tc>
+                  <a:txBody>
+                    <a:bodyPr/>
+                    <a:lstStyle/>
+                    <a:p>
+                      <a:pPr fontAlgn="t">
+                        <a:buNone/>
+                      </a:pPr>
+                      <a:r>
+                        <a:rPr lang="en-US" sz="1800" b="0" u="none" strike="noStrike">
+                          <a:solidFill>
+                            <a:srgbClr val="0F5A9E"/>
+                          </a:solidFill>
+                          <a:effectLst/>
+                          <a:hlinkClick r:id="rId2"/>
+                        </a:rPr>
+                        <a:t>Aggregation</a:t>
+                      </a:r>
+                      <a:r>
+                        <a:rPr lang="en-US" sz="1800">
+                          <a:effectLst/>
+                        </a:rPr>
+                        <a:t> is a weak relationship. For example, a bike with an indicator is aggregation.</a:t>
+                      </a:r>
+                    </a:p>
+                  </a:txBody>
+                  <a:tcPr>
+                    <a:lnL w="7620" cap="flat" cmpd="sng" algn="ctr">
+                      <a:solidFill>
+                        <a:srgbClr val="DEE2E6"/>
+                      </a:solidFill>
+                      <a:prstDash val="solid"/>
+                      <a:round/>
+                      <a:headEnd type="none" w="med" len="med"/>
+                      <a:tailEnd type="none" w="med" len="med"/>
+                    </a:lnL>
+                    <a:lnR w="7620" cap="flat" cmpd="sng" algn="ctr">
+                      <a:solidFill>
+                        <a:srgbClr val="DEE2E6"/>
+                      </a:solidFill>
+                      <a:prstDash val="solid"/>
+                      <a:round/>
+                      <a:headEnd type="none" w="med" len="med"/>
+                      <a:tailEnd type="none" w="med" len="med"/>
+                    </a:lnR>
+                    <a:lnT w="7620" cap="flat" cmpd="sng" algn="ctr">
+                      <a:solidFill>
+                        <a:srgbClr val="DEE2E6"/>
+                      </a:solidFill>
+                      <a:prstDash val="solid"/>
+                      <a:round/>
+                      <a:headEnd type="none" w="med" len="med"/>
+                      <a:tailEnd type="none" w="med" len="med"/>
+                    </a:lnT>
+                    <a:lnB w="7620" cap="flat" cmpd="sng" algn="ctr">
+                      <a:solidFill>
+                        <a:srgbClr val="DEE2E6"/>
+                      </a:solidFill>
+                      <a:prstDash val="solid"/>
+                      <a:round/>
+                      <a:headEnd type="none" w="med" len="med"/>
+                      <a:tailEnd type="none" w="med" len="med"/>
+                    </a:lnB>
+                    <a:solidFill>
+                      <a:srgbClr val="FFFFFF"/>
+                    </a:solidFill>
+                  </a:tcPr>
+                </a:tc>
+                <a:tc>
+                  <a:txBody>
+                    <a:bodyPr/>
+                    <a:lstStyle/>
+                    <a:p>
+                      <a:pPr fontAlgn="t">
+                        <a:buNone/>
+                      </a:pPr>
+                      <a:r>
+                        <a:rPr lang="en-US" sz="1800" dirty="0">
+                          <a:effectLst/>
+                        </a:rPr>
+                        <a:t>Composition is a stronger relationship. For example, a bike with an engine is a composition.</a:t>
+                      </a:r>
+                    </a:p>
+                  </a:txBody>
+                  <a:tcPr>
+                    <a:lnL w="7620" cap="flat" cmpd="sng" algn="ctr">
+                      <a:solidFill>
+                        <a:srgbClr val="DEE2E6"/>
+                      </a:solidFill>
+                      <a:prstDash val="solid"/>
+                      <a:round/>
+                      <a:headEnd type="none" w="med" len="med"/>
+                      <a:tailEnd type="none" w="med" len="med"/>
+                    </a:lnL>
+                    <a:lnR w="7620" cap="flat" cmpd="sng" algn="ctr">
+                      <a:solidFill>
+                        <a:srgbClr val="DEE2E6"/>
+                      </a:solidFill>
+                      <a:prstDash val="solid"/>
+                      <a:round/>
+                      <a:headEnd type="none" w="med" len="med"/>
+                      <a:tailEnd type="none" w="med" len="med"/>
+                    </a:lnR>
+                    <a:lnT w="7620" cap="flat" cmpd="sng" algn="ctr">
+                      <a:solidFill>
+                        <a:srgbClr val="DEE2E6"/>
+                      </a:solidFill>
+                      <a:prstDash val="solid"/>
+                      <a:round/>
+                      <a:headEnd type="none" w="med" len="med"/>
+                      <a:tailEnd type="none" w="med" len="med"/>
+                    </a:lnT>
+                    <a:lnB w="7620" cap="flat" cmpd="sng" algn="ctr">
+                      <a:solidFill>
+                        <a:srgbClr val="DEE2E6"/>
+                      </a:solidFill>
+                      <a:prstDash val="solid"/>
+                      <a:round/>
+                      <a:headEnd type="none" w="med" len="med"/>
+                      <a:tailEnd type="none" w="med" len="med"/>
+                    </a:lnB>
+                    <a:solidFill>
+                      <a:srgbClr val="FFFFFF"/>
+                    </a:solidFill>
+                  </a:tcPr>
+                </a:tc>
+                <a:extLst>
+                  <a:ext uri="{0D108BD9-81ED-4DB2-BD59-A6C34878D82A}">
+                    <a16:rowId xmlns:a16="http://schemas.microsoft.com/office/drawing/2014/main" val="1373678919"/>
+                  </a:ext>
+                </a:extLst>
+              </a:tr>
+            </a:tbl>
+          </a:graphicData>
+        </a:graphic>
+      </p:graphicFrame>
     </p:spTree>
     <p:extLst>
       <p:ext uri="{BB962C8B-B14F-4D97-AF65-F5344CB8AC3E}">
@@ -45560,6 +49186,179 @@
           <a:chExt cx="0" cy="0"/>
         </a:xfrm>
       </p:grpSpPr>
+      <p:sp>
+        <p:nvSpPr>
+          <p:cNvPr id="3" name="TextBox 2">
+            <a:extLst>
+              <a:ext uri="{FF2B5EF4-FFF2-40B4-BE49-F238E27FC236}">
+                <a16:creationId xmlns:a16="http://schemas.microsoft.com/office/drawing/2014/main" id="{E5379BF0-FE71-0373-B57A-7ED6995986C1}"/>
+              </a:ext>
+            </a:extLst>
+          </p:cNvPr>
+          <p:cNvSpPr txBox="1"/>
+          <p:nvPr/>
+        </p:nvSpPr>
+        <p:spPr>
+          <a:xfrm>
+            <a:off x="116006" y="133587"/>
+            <a:ext cx="9789994" cy="2677656"/>
+          </a:xfrm>
+          <a:prstGeom prst="rect">
+            <a:avLst/>
+          </a:prstGeom>
+          <a:noFill/>
+        </p:spPr>
+        <p:txBody>
+          <a:bodyPr wrap="square">
+            <a:spAutoFit/>
+          </a:bodyPr>
+          <a:lstStyle/>
+          <a:p>
+            <a:pPr algn="l">
+              <a:lnSpc>
+                <a:spcPts val="2100"/>
+              </a:lnSpc>
+              <a:spcBef>
+                <a:spcPts val="2400"/>
+              </a:spcBef>
+              <a:spcAft>
+                <a:spcPts val="1800"/>
+              </a:spcAft>
+              <a:buNone/>
+            </a:pPr>
+            <a:r>
+              <a:rPr lang="en-US" b="0" i="0" dirty="0">
+                <a:solidFill>
+                  <a:srgbClr val="272C37"/>
+                </a:solidFill>
+                <a:effectLst/>
+                <a:latin typeface="Roboto" panose="02000000000000000000" pitchFamily="2" charset="0"/>
+              </a:rPr>
+              <a:t>88. Explain the purpose of object cloning in Java.</a:t>
+            </a:r>
+          </a:p>
+          <a:p>
+            <a:pPr algn="just">
+              <a:lnSpc>
+                <a:spcPts val="2100"/>
+              </a:lnSpc>
+              <a:spcBef>
+                <a:spcPts val="1650"/>
+              </a:spcBef>
+              <a:buNone/>
+            </a:pPr>
+            <a:r>
+              <a:rPr lang="en-US" b="0" i="0" dirty="0">
+                <a:solidFill>
+                  <a:srgbClr val="3A3A3A"/>
+                </a:solidFill>
+                <a:effectLst/>
+                <a:latin typeface="Roboto" panose="02000000000000000000" pitchFamily="2" charset="0"/>
+              </a:rPr>
+              <a:t>Object cloning means creating the exact copy of an existing object. In java programming, object cloning can be done using the clone() method. To create the object clone, you should implement the </a:t>
+            </a:r>
+            <a:r>
+              <a:rPr lang="en-US" b="0" i="0" dirty="0" err="1">
+                <a:solidFill>
+                  <a:srgbClr val="3A3A3A"/>
+                </a:solidFill>
+                <a:effectLst/>
+                <a:latin typeface="Roboto" panose="02000000000000000000" pitchFamily="2" charset="0"/>
+              </a:rPr>
+              <a:t>java.lang.Cloneable</a:t>
+            </a:r>
+            <a:r>
+              <a:rPr lang="en-US" b="0" i="0" dirty="0">
+                <a:solidFill>
+                  <a:srgbClr val="3A3A3A"/>
+                </a:solidFill>
+                <a:effectLst/>
+                <a:latin typeface="Roboto" panose="02000000000000000000" pitchFamily="2" charset="0"/>
+              </a:rPr>
+              <a:t> interface, otherwise the clone() method generates a </a:t>
+            </a:r>
+            <a:r>
+              <a:rPr lang="en-US" b="0" i="0" dirty="0" err="1">
+                <a:solidFill>
+                  <a:srgbClr val="3A3A3A"/>
+                </a:solidFill>
+                <a:effectLst/>
+                <a:latin typeface="Roboto" panose="02000000000000000000" pitchFamily="2" charset="0"/>
+              </a:rPr>
+              <a:t>CloneNotSupportException</a:t>
+            </a:r>
+            <a:r>
+              <a:rPr lang="en-US" b="0" i="0" dirty="0">
+                <a:solidFill>
+                  <a:srgbClr val="3A3A3A"/>
+                </a:solidFill>
+                <a:effectLst/>
+                <a:latin typeface="Roboto" panose="02000000000000000000" pitchFamily="2" charset="0"/>
+              </a:rPr>
+              <a:t>.</a:t>
+            </a:r>
+          </a:p>
+          <a:p>
+            <a:pPr algn="just">
+              <a:lnSpc>
+                <a:spcPts val="2100"/>
+              </a:lnSpc>
+              <a:spcBef>
+                <a:spcPts val="750"/>
+              </a:spcBef>
+              <a:buNone/>
+            </a:pPr>
+            <a:r>
+              <a:rPr lang="en-US" b="0" i="0" dirty="0">
+                <a:solidFill>
+                  <a:srgbClr val="3A3A3A"/>
+                </a:solidFill>
+                <a:effectLst/>
+                <a:latin typeface="Roboto" panose="02000000000000000000" pitchFamily="2" charset="0"/>
+              </a:rPr>
+              <a:t>The syntax for the clone method is:</a:t>
+            </a:r>
+          </a:p>
+          <a:p>
+            <a:pPr algn="l">
+              <a:spcBef>
+                <a:spcPts val="1125"/>
+              </a:spcBef>
+              <a:spcAft>
+                <a:spcPts val="375"/>
+              </a:spcAft>
+              <a:buNone/>
+            </a:pPr>
+            <a:r>
+              <a:rPr lang="en-US" b="0" i="0" dirty="0">
+                <a:solidFill>
+                  <a:srgbClr val="212529"/>
+                </a:solidFill>
+                <a:effectLst/>
+                <a:latin typeface="Courier New" panose="02070309020205020404" pitchFamily="49" charset="0"/>
+              </a:rPr>
+              <a:t>protected Object clone() throws </a:t>
+            </a:r>
+            <a:r>
+              <a:rPr lang="en-US" b="0" i="0" dirty="0" err="1">
+                <a:solidFill>
+                  <a:srgbClr val="212529"/>
+                </a:solidFill>
+                <a:effectLst/>
+                <a:latin typeface="Courier New" panose="02070309020205020404" pitchFamily="49" charset="0"/>
+              </a:rPr>
+              <a:t>CloneNotSupportedException</a:t>
+            </a:r>
+            <a:endParaRPr lang="en-US" b="0" i="0" dirty="0">
+              <a:solidFill>
+                <a:srgbClr val="212529"/>
+              </a:solidFill>
+              <a:effectLst/>
+              <a:latin typeface="Courier New" panose="02070309020205020404" pitchFamily="49" charset="0"/>
+            </a:endParaRPr>
+          </a:p>
+        </p:txBody>
+      </p:sp>
     </p:spTree>
     <p:extLst>
       <p:ext uri="{BB962C8B-B14F-4D97-AF65-F5344CB8AC3E}">
@@ -45596,6 +49395,155 @@
           <a:chExt cx="0" cy="0"/>
         </a:xfrm>
       </p:grpSpPr>
+      <p:sp>
+        <p:nvSpPr>
+          <p:cNvPr id="3" name="TextBox 2">
+            <a:extLst>
+              <a:ext uri="{FF2B5EF4-FFF2-40B4-BE49-F238E27FC236}">
+                <a16:creationId xmlns:a16="http://schemas.microsoft.com/office/drawing/2014/main" id="{E8B83B2D-C018-C5AB-AA4E-0BE10F547A02}"/>
+              </a:ext>
+            </a:extLst>
+          </p:cNvPr>
+          <p:cNvSpPr txBox="1"/>
+          <p:nvPr/>
+        </p:nvSpPr>
+        <p:spPr>
+          <a:xfrm>
+            <a:off x="109181" y="105991"/>
+            <a:ext cx="9689911" cy="3426579"/>
+          </a:xfrm>
+          <a:prstGeom prst="rect">
+            <a:avLst/>
+          </a:prstGeom>
+          <a:noFill/>
+        </p:spPr>
+        <p:txBody>
+          <a:bodyPr wrap="square">
+            <a:spAutoFit/>
+          </a:bodyPr>
+          <a:lstStyle/>
+          <a:p>
+            <a:pPr algn="l">
+              <a:lnSpc>
+                <a:spcPts val="2100"/>
+              </a:lnSpc>
+              <a:spcBef>
+                <a:spcPts val="2400"/>
+              </a:spcBef>
+              <a:spcAft>
+                <a:spcPts val="1800"/>
+              </a:spcAft>
+              <a:buNone/>
+            </a:pPr>
+            <a:r>
+              <a:rPr lang="en-US" b="0" i="0" dirty="0">
+                <a:solidFill>
+                  <a:srgbClr val="272C37"/>
+                </a:solidFill>
+                <a:effectLst/>
+                <a:latin typeface="Roboto" panose="02000000000000000000" pitchFamily="2" charset="0"/>
+              </a:rPr>
+              <a:t>89. Explain various exception handling keywords in Java.</a:t>
+            </a:r>
+          </a:p>
+          <a:p>
+            <a:pPr algn="just">
+              <a:lnSpc>
+                <a:spcPts val="2100"/>
+              </a:lnSpc>
+              <a:spcBef>
+                <a:spcPts val="1650"/>
+              </a:spcBef>
+              <a:buNone/>
+            </a:pPr>
+            <a:r>
+              <a:rPr lang="en-US" b="0" i="0" dirty="0">
+                <a:solidFill>
+                  <a:srgbClr val="3A3A3A"/>
+                </a:solidFill>
+                <a:effectLst/>
+                <a:latin typeface="Roboto" panose="02000000000000000000" pitchFamily="2" charset="0"/>
+              </a:rPr>
+              <a:t>Java has three exception handling keywords:</a:t>
+            </a:r>
+          </a:p>
+          <a:p>
+            <a:pPr algn="just">
+              <a:lnSpc>
+                <a:spcPts val="2100"/>
+              </a:lnSpc>
+              <a:spcBef>
+                <a:spcPts val="750"/>
+              </a:spcBef>
+              <a:spcAft>
+                <a:spcPts val="600"/>
+              </a:spcAft>
+              <a:buFont typeface="Arial" panose="020B0604020202020204" pitchFamily="34" charset="0"/>
+              <a:buChar char="•"/>
+            </a:pPr>
+            <a:r>
+              <a:rPr lang="en-US" b="0" i="0" dirty="0">
+                <a:solidFill>
+                  <a:srgbClr val="3A3A3A"/>
+                </a:solidFill>
+                <a:effectLst/>
+                <a:latin typeface="Roboto" panose="02000000000000000000" pitchFamily="2" charset="0"/>
+              </a:rPr>
+              <a:t>try: Whenever a code segment has a chance of an error or any abnormality, it can be placed inside the try block. In case of any error, the try block will send the exception to the catch block.</a:t>
+            </a:r>
+          </a:p>
+          <a:p>
+            <a:pPr algn="just">
+              <a:lnSpc>
+                <a:spcPts val="2100"/>
+              </a:lnSpc>
+              <a:spcBef>
+                <a:spcPts val="750"/>
+              </a:spcBef>
+              <a:spcAft>
+                <a:spcPts val="600"/>
+              </a:spcAft>
+              <a:buFont typeface="Arial" panose="020B0604020202020204" pitchFamily="34" charset="0"/>
+              <a:buChar char="•"/>
+            </a:pPr>
+            <a:r>
+              <a:rPr lang="en-US" b="0" i="0" dirty="0">
+                <a:solidFill>
+                  <a:srgbClr val="3A3A3A"/>
+                </a:solidFill>
+                <a:effectLst/>
+                <a:latin typeface="Roboto" panose="02000000000000000000" pitchFamily="2" charset="0"/>
+              </a:rPr>
+              <a:t>catch: Catch handles the exception generated in the try block. It comes after the try block.</a:t>
+            </a:r>
+          </a:p>
+          <a:p>
+            <a:pPr algn="just">
+              <a:lnSpc>
+                <a:spcPts val="2100"/>
+              </a:lnSpc>
+              <a:spcBef>
+                <a:spcPts val="750"/>
+              </a:spcBef>
+              <a:spcAft>
+                <a:spcPts val="600"/>
+              </a:spcAft>
+              <a:buFont typeface="Arial" panose="020B0604020202020204" pitchFamily="34" charset="0"/>
+              <a:buChar char="•"/>
+            </a:pPr>
+            <a:r>
+              <a:rPr lang="en-US" b="0" i="0" dirty="0">
+                <a:solidFill>
+                  <a:srgbClr val="3A3A3A"/>
+                </a:solidFill>
+                <a:effectLst/>
+                <a:latin typeface="Roboto" panose="02000000000000000000" pitchFamily="2" charset="0"/>
+              </a:rPr>
+              <a:t>finally: The final keyword ensures that the segments execute despite the errors and exceptions processed by the try &amp; catch block. The final keyword comes either after the try block or both the try and the catch block.</a:t>
+            </a:r>
+          </a:p>
+        </p:txBody>
+      </p:sp>
     </p:spTree>
     <p:extLst>
       <p:ext uri="{BB962C8B-B14F-4D97-AF65-F5344CB8AC3E}">
@@ -45632,6 +49580,617 @@
           <a:chExt cx="0" cy="0"/>
         </a:xfrm>
       </p:grpSpPr>
+      <p:sp>
+        <p:nvSpPr>
+          <p:cNvPr id="3" name="TextBox 2">
+            <a:extLst>
+              <a:ext uri="{FF2B5EF4-FFF2-40B4-BE49-F238E27FC236}">
+                <a16:creationId xmlns:a16="http://schemas.microsoft.com/office/drawing/2014/main" id="{A5E32450-3EFE-25C1-2509-B6B7FF4CB65C}"/>
+              </a:ext>
+            </a:extLst>
+          </p:cNvPr>
+          <p:cNvSpPr txBox="1"/>
+          <p:nvPr/>
+        </p:nvSpPr>
+        <p:spPr>
+          <a:xfrm>
+            <a:off x="-1" y="155377"/>
+            <a:ext cx="9089409" cy="361637"/>
+          </a:xfrm>
+          <a:prstGeom prst="rect">
+            <a:avLst/>
+          </a:prstGeom>
+          <a:noFill/>
+        </p:spPr>
+        <p:txBody>
+          <a:bodyPr wrap="square">
+            <a:spAutoFit/>
+          </a:bodyPr>
+          <a:lstStyle/>
+          <a:p>
+            <a:pPr algn="l">
+              <a:lnSpc>
+                <a:spcPts val="2100"/>
+              </a:lnSpc>
+              <a:spcBef>
+                <a:spcPts val="2400"/>
+              </a:spcBef>
+              <a:spcAft>
+                <a:spcPts val="1800"/>
+              </a:spcAft>
+              <a:buNone/>
+            </a:pPr>
+            <a:r>
+              <a:rPr lang="en-US" b="0" i="0" dirty="0">
+                <a:solidFill>
+                  <a:srgbClr val="272C37"/>
+                </a:solidFill>
+                <a:effectLst/>
+                <a:latin typeface="Roboto" panose="02000000000000000000" pitchFamily="2" charset="0"/>
+              </a:rPr>
+              <a:t>90. List the differences between this() and super() keywords in Java.</a:t>
+            </a:r>
+          </a:p>
+        </p:txBody>
+      </p:sp>
+      <p:graphicFrame>
+        <p:nvGraphicFramePr>
+          <p:cNvPr id="4" name="Table 3">
+            <a:extLst>
+              <a:ext uri="{FF2B5EF4-FFF2-40B4-BE49-F238E27FC236}">
+                <a16:creationId xmlns:a16="http://schemas.microsoft.com/office/drawing/2014/main" id="{E43EB572-824D-050E-3239-9D3D364B9717}"/>
+              </a:ext>
+            </a:extLst>
+          </p:cNvPr>
+          <p:cNvGraphicFramePr>
+            <a:graphicFrameLocks noGrp="1"/>
+          </p:cNvGraphicFramePr>
+          <p:nvPr>
+            <p:extLst>
+              <p:ext uri="{D42A27DB-BD31-4B8C-83A1-F6EECF244321}">
+                <p14:modId xmlns:p14="http://schemas.microsoft.com/office/powerpoint/2010/main" val="3068256413"/>
+              </p:ext>
+            </p:extLst>
+          </p:nvPr>
+        </p:nvGraphicFramePr>
+        <p:xfrm>
+          <a:off x="545484" y="784517"/>
+          <a:ext cx="8543924" cy="2011680"/>
+        </p:xfrm>
+        <a:graphic>
+          <a:graphicData uri="http://schemas.openxmlformats.org/drawingml/2006/table">
+            <a:tbl>
+              <a:tblPr/>
+              <a:tblGrid>
+                <a:gridCol w="4271962">
+                  <a:extLst>
+                    <a:ext uri="{9D8B030D-6E8A-4147-A177-3AD203B41FA5}">
+                      <a16:colId xmlns:a16="http://schemas.microsoft.com/office/drawing/2014/main" val="3020083198"/>
+                    </a:ext>
+                  </a:extLst>
+                </a:gridCol>
+                <a:gridCol w="4271962">
+                  <a:extLst>
+                    <a:ext uri="{9D8B030D-6E8A-4147-A177-3AD203B41FA5}">
+                      <a16:colId xmlns:a16="http://schemas.microsoft.com/office/drawing/2014/main" val="1878425829"/>
+                    </a:ext>
+                  </a:extLst>
+                </a:gridCol>
+              </a:tblGrid>
+              <a:tr h="365760">
+                <a:tc>
+                  <a:txBody>
+                    <a:bodyPr/>
+                    <a:lstStyle/>
+                    <a:p>
+                      <a:pPr algn="ctr" fontAlgn="t">
+                        <a:buNone/>
+                      </a:pPr>
+                      <a:r>
+                        <a:rPr lang="en-US" sz="1800" b="0">
+                          <a:solidFill>
+                            <a:srgbClr val="FFFFFF"/>
+                          </a:solidFill>
+                          <a:effectLst/>
+                        </a:rPr>
+                        <a:t>this()</a:t>
+                      </a:r>
+                      <a:endParaRPr lang="en-US" sz="1800">
+                        <a:solidFill>
+                          <a:srgbClr val="FFFFFF"/>
+                        </a:solidFill>
+                        <a:effectLst/>
+                      </a:endParaRPr>
+                    </a:p>
+                  </a:txBody>
+                  <a:tcPr>
+                    <a:lnL w="7620" cap="flat" cmpd="sng" algn="ctr">
+                      <a:solidFill>
+                        <a:srgbClr val="DEE2E6"/>
+                      </a:solidFill>
+                      <a:prstDash val="solid"/>
+                      <a:round/>
+                      <a:headEnd type="none" w="med" len="med"/>
+                      <a:tailEnd type="none" w="med" len="med"/>
+                    </a:lnL>
+                    <a:lnR w="7620" cap="flat" cmpd="sng" algn="ctr">
+                      <a:solidFill>
+                        <a:srgbClr val="DEE2E6"/>
+                      </a:solidFill>
+                      <a:prstDash val="solid"/>
+                      <a:round/>
+                      <a:headEnd type="none" w="med" len="med"/>
+                      <a:tailEnd type="none" w="med" len="med"/>
+                    </a:lnR>
+                    <a:lnT w="7620" cap="flat" cmpd="sng" algn="ctr">
+                      <a:solidFill>
+                        <a:srgbClr val="DEE2E6"/>
+                      </a:solidFill>
+                      <a:prstDash val="solid"/>
+                      <a:round/>
+                      <a:headEnd type="none" w="med" len="med"/>
+                      <a:tailEnd type="none" w="med" len="med"/>
+                    </a:lnT>
+                    <a:lnB w="7620" cap="flat" cmpd="sng" algn="ctr">
+                      <a:solidFill>
+                        <a:srgbClr val="DEE2E6"/>
+                      </a:solidFill>
+                      <a:prstDash val="solid"/>
+                      <a:round/>
+                      <a:headEnd type="none" w="med" len="med"/>
+                      <a:tailEnd type="none" w="med" len="med"/>
+                    </a:lnB>
+                    <a:solidFill>
+                      <a:srgbClr val="008DD9"/>
+                    </a:solidFill>
+                  </a:tcPr>
+                </a:tc>
+                <a:tc>
+                  <a:txBody>
+                    <a:bodyPr/>
+                    <a:lstStyle/>
+                    <a:p>
+                      <a:pPr algn="ctr" fontAlgn="t">
+                        <a:buNone/>
+                      </a:pPr>
+                      <a:r>
+                        <a:rPr lang="en-US" sz="1800" b="0">
+                          <a:solidFill>
+                            <a:srgbClr val="FFFFFF"/>
+                          </a:solidFill>
+                          <a:effectLst/>
+                        </a:rPr>
+                        <a:t>super()</a:t>
+                      </a:r>
+                      <a:endParaRPr lang="en-US" sz="1800">
+                        <a:solidFill>
+                          <a:srgbClr val="FFFFFF"/>
+                        </a:solidFill>
+                        <a:effectLst/>
+                      </a:endParaRPr>
+                    </a:p>
+                  </a:txBody>
+                  <a:tcPr>
+                    <a:lnL w="7620" cap="flat" cmpd="sng" algn="ctr">
+                      <a:solidFill>
+                        <a:srgbClr val="DEE2E6"/>
+                      </a:solidFill>
+                      <a:prstDash val="solid"/>
+                      <a:round/>
+                      <a:headEnd type="none" w="med" len="med"/>
+                      <a:tailEnd type="none" w="med" len="med"/>
+                    </a:lnL>
+                    <a:lnR w="7620" cap="flat" cmpd="sng" algn="ctr">
+                      <a:solidFill>
+                        <a:srgbClr val="DEE2E6"/>
+                      </a:solidFill>
+                      <a:prstDash val="solid"/>
+                      <a:round/>
+                      <a:headEnd type="none" w="med" len="med"/>
+                      <a:tailEnd type="none" w="med" len="med"/>
+                    </a:lnR>
+                    <a:lnT w="7620" cap="flat" cmpd="sng" algn="ctr">
+                      <a:solidFill>
+                        <a:srgbClr val="DEE2E6"/>
+                      </a:solidFill>
+                      <a:prstDash val="solid"/>
+                      <a:round/>
+                      <a:headEnd type="none" w="med" len="med"/>
+                      <a:tailEnd type="none" w="med" len="med"/>
+                    </a:lnT>
+                    <a:lnB w="7620" cap="flat" cmpd="sng" algn="ctr">
+                      <a:solidFill>
+                        <a:srgbClr val="DEE2E6"/>
+                      </a:solidFill>
+                      <a:prstDash val="solid"/>
+                      <a:round/>
+                      <a:headEnd type="none" w="med" len="med"/>
+                      <a:tailEnd type="none" w="med" len="med"/>
+                    </a:lnB>
+                    <a:solidFill>
+                      <a:srgbClr val="008DD9"/>
+                    </a:solidFill>
+                  </a:tcPr>
+                </a:tc>
+                <a:extLst>
+                  <a:ext uri="{0D108BD9-81ED-4DB2-BD59-A6C34878D82A}">
+                    <a16:rowId xmlns:a16="http://schemas.microsoft.com/office/drawing/2014/main" val="2419455125"/>
+                  </a:ext>
+                </a:extLst>
+              </a:tr>
+              <a:tr h="640080">
+                <a:tc>
+                  <a:txBody>
+                    <a:bodyPr/>
+                    <a:lstStyle/>
+                    <a:p>
+                      <a:pPr fontAlgn="t">
+                        <a:buNone/>
+                      </a:pPr>
+                      <a:r>
+                        <a:rPr lang="en-US" sz="1800">
+                          <a:effectLst/>
+                        </a:rPr>
+                        <a:t>Represents the present instance of a class</a:t>
+                      </a:r>
+                    </a:p>
+                  </a:txBody>
+                  <a:tcPr>
+                    <a:lnL w="7620" cap="flat" cmpd="sng" algn="ctr">
+                      <a:solidFill>
+                        <a:srgbClr val="DEE2E6"/>
+                      </a:solidFill>
+                      <a:prstDash val="solid"/>
+                      <a:round/>
+                      <a:headEnd type="none" w="med" len="med"/>
+                      <a:tailEnd type="none" w="med" len="med"/>
+                    </a:lnL>
+                    <a:lnR w="7620" cap="flat" cmpd="sng" algn="ctr">
+                      <a:solidFill>
+                        <a:srgbClr val="DEE2E6"/>
+                      </a:solidFill>
+                      <a:prstDash val="solid"/>
+                      <a:round/>
+                      <a:headEnd type="none" w="med" len="med"/>
+                      <a:tailEnd type="none" w="med" len="med"/>
+                    </a:lnR>
+                    <a:lnT w="7620" cap="flat" cmpd="sng" algn="ctr">
+                      <a:solidFill>
+                        <a:srgbClr val="DEE2E6"/>
+                      </a:solidFill>
+                      <a:prstDash val="solid"/>
+                      <a:round/>
+                      <a:headEnd type="none" w="med" len="med"/>
+                      <a:tailEnd type="none" w="med" len="med"/>
+                    </a:lnT>
+                    <a:lnB w="7620" cap="flat" cmpd="sng" algn="ctr">
+                      <a:solidFill>
+                        <a:srgbClr val="DEE2E6"/>
+                      </a:solidFill>
+                      <a:prstDash val="solid"/>
+                      <a:round/>
+                      <a:headEnd type="none" w="med" len="med"/>
+                      <a:tailEnd type="none" w="med" len="med"/>
+                    </a:lnB>
+                    <a:solidFill>
+                      <a:srgbClr val="FFFFFF"/>
+                    </a:solidFill>
+                  </a:tcPr>
+                </a:tc>
+                <a:tc>
+                  <a:txBody>
+                    <a:bodyPr/>
+                    <a:lstStyle/>
+                    <a:p>
+                      <a:pPr fontAlgn="t">
+                        <a:buNone/>
+                      </a:pPr>
+                      <a:r>
+                        <a:rPr lang="en-US" sz="1800">
+                          <a:effectLst/>
+                        </a:rPr>
+                        <a:t>Represents the current instance of the parent class.</a:t>
+                      </a:r>
+                    </a:p>
+                  </a:txBody>
+                  <a:tcPr>
+                    <a:lnL w="7620" cap="flat" cmpd="sng" algn="ctr">
+                      <a:solidFill>
+                        <a:srgbClr val="DEE2E6"/>
+                      </a:solidFill>
+                      <a:prstDash val="solid"/>
+                      <a:round/>
+                      <a:headEnd type="none" w="med" len="med"/>
+                      <a:tailEnd type="none" w="med" len="med"/>
+                    </a:lnL>
+                    <a:lnR w="7620" cap="flat" cmpd="sng" algn="ctr">
+                      <a:solidFill>
+                        <a:srgbClr val="DEE2E6"/>
+                      </a:solidFill>
+                      <a:prstDash val="solid"/>
+                      <a:round/>
+                      <a:headEnd type="none" w="med" len="med"/>
+                      <a:tailEnd type="none" w="med" len="med"/>
+                    </a:lnR>
+                    <a:lnT w="7620" cap="flat" cmpd="sng" algn="ctr">
+                      <a:solidFill>
+                        <a:srgbClr val="DEE2E6"/>
+                      </a:solidFill>
+                      <a:prstDash val="solid"/>
+                      <a:round/>
+                      <a:headEnd type="none" w="med" len="med"/>
+                      <a:tailEnd type="none" w="med" len="med"/>
+                    </a:lnT>
+                    <a:lnB w="7620" cap="flat" cmpd="sng" algn="ctr">
+                      <a:solidFill>
+                        <a:srgbClr val="DEE2E6"/>
+                      </a:solidFill>
+                      <a:prstDash val="solid"/>
+                      <a:round/>
+                      <a:headEnd type="none" w="med" len="med"/>
+                      <a:tailEnd type="none" w="med" len="med"/>
+                    </a:lnB>
+                    <a:solidFill>
+                      <a:srgbClr val="FFFFFF"/>
+                    </a:solidFill>
+                  </a:tcPr>
+                </a:tc>
+                <a:extLst>
+                  <a:ext uri="{0D108BD9-81ED-4DB2-BD59-A6C34878D82A}">
+                    <a16:rowId xmlns:a16="http://schemas.microsoft.com/office/drawing/2014/main" val="780892839"/>
+                  </a:ext>
+                </a:extLst>
+              </a:tr>
+              <a:tr h="365760">
+                <a:tc>
+                  <a:txBody>
+                    <a:bodyPr/>
+                    <a:lstStyle/>
+                    <a:p>
+                      <a:pPr fontAlgn="t">
+                        <a:buNone/>
+                      </a:pPr>
+                      <a:r>
+                        <a:rPr lang="en-US" sz="1800">
+                          <a:effectLst/>
+                        </a:rPr>
+                        <a:t>Calls the default constructor.</a:t>
+                      </a:r>
+                    </a:p>
+                  </a:txBody>
+                  <a:tcPr>
+                    <a:lnL w="7620" cap="flat" cmpd="sng" algn="ctr">
+                      <a:solidFill>
+                        <a:srgbClr val="DEE2E6"/>
+                      </a:solidFill>
+                      <a:prstDash val="solid"/>
+                      <a:round/>
+                      <a:headEnd type="none" w="med" len="med"/>
+                      <a:tailEnd type="none" w="med" len="med"/>
+                    </a:lnL>
+                    <a:lnR w="7620" cap="flat" cmpd="sng" algn="ctr">
+                      <a:solidFill>
+                        <a:srgbClr val="DEE2E6"/>
+                      </a:solidFill>
+                      <a:prstDash val="solid"/>
+                      <a:round/>
+                      <a:headEnd type="none" w="med" len="med"/>
+                      <a:tailEnd type="none" w="med" len="med"/>
+                    </a:lnR>
+                    <a:lnT w="7620" cap="flat" cmpd="sng" algn="ctr">
+                      <a:solidFill>
+                        <a:srgbClr val="DEE2E6"/>
+                      </a:solidFill>
+                      <a:prstDash val="solid"/>
+                      <a:round/>
+                      <a:headEnd type="none" w="med" len="med"/>
+                      <a:tailEnd type="none" w="med" len="med"/>
+                    </a:lnT>
+                    <a:lnB w="7620" cap="flat" cmpd="sng" algn="ctr">
+                      <a:solidFill>
+                        <a:srgbClr val="DEE2E6"/>
+                      </a:solidFill>
+                      <a:prstDash val="solid"/>
+                      <a:round/>
+                      <a:headEnd type="none" w="med" len="med"/>
+                      <a:tailEnd type="none" w="med" len="med"/>
+                    </a:lnB>
+                    <a:solidFill>
+                      <a:srgbClr val="FFFFFF"/>
+                    </a:solidFill>
+                  </a:tcPr>
+                </a:tc>
+                <a:tc>
+                  <a:txBody>
+                    <a:bodyPr/>
+                    <a:lstStyle/>
+                    <a:p>
+                      <a:pPr fontAlgn="t">
+                        <a:buNone/>
+                      </a:pPr>
+                      <a:r>
+                        <a:rPr lang="en-US" sz="1800">
+                          <a:effectLst/>
+                        </a:rPr>
+                        <a:t>Calls the base class constructor.</a:t>
+                      </a:r>
+                    </a:p>
+                  </a:txBody>
+                  <a:tcPr>
+                    <a:lnL w="7620" cap="flat" cmpd="sng" algn="ctr">
+                      <a:solidFill>
+                        <a:srgbClr val="DEE2E6"/>
+                      </a:solidFill>
+                      <a:prstDash val="solid"/>
+                      <a:round/>
+                      <a:headEnd type="none" w="med" len="med"/>
+                      <a:tailEnd type="none" w="med" len="med"/>
+                    </a:lnL>
+                    <a:lnR w="7620" cap="flat" cmpd="sng" algn="ctr">
+                      <a:solidFill>
+                        <a:srgbClr val="DEE2E6"/>
+                      </a:solidFill>
+                      <a:prstDash val="solid"/>
+                      <a:round/>
+                      <a:headEnd type="none" w="med" len="med"/>
+                      <a:tailEnd type="none" w="med" len="med"/>
+                    </a:lnR>
+                    <a:lnT w="7620" cap="flat" cmpd="sng" algn="ctr">
+                      <a:solidFill>
+                        <a:srgbClr val="DEE2E6"/>
+                      </a:solidFill>
+                      <a:prstDash val="solid"/>
+                      <a:round/>
+                      <a:headEnd type="none" w="med" len="med"/>
+                      <a:tailEnd type="none" w="med" len="med"/>
+                    </a:lnT>
+                    <a:lnB w="7620" cap="flat" cmpd="sng" algn="ctr">
+                      <a:solidFill>
+                        <a:srgbClr val="DEE2E6"/>
+                      </a:solidFill>
+                      <a:prstDash val="solid"/>
+                      <a:round/>
+                      <a:headEnd type="none" w="med" len="med"/>
+                      <a:tailEnd type="none" w="med" len="med"/>
+                    </a:lnB>
+                    <a:solidFill>
+                      <a:srgbClr val="FFFFFF"/>
+                    </a:solidFill>
+                  </a:tcPr>
+                </a:tc>
+                <a:extLst>
+                  <a:ext uri="{0D108BD9-81ED-4DB2-BD59-A6C34878D82A}">
+                    <a16:rowId xmlns:a16="http://schemas.microsoft.com/office/drawing/2014/main" val="2406384200"/>
+                  </a:ext>
+                </a:extLst>
+              </a:tr>
+              <a:tr h="640080">
+                <a:tc>
+                  <a:txBody>
+                    <a:bodyPr/>
+                    <a:lstStyle/>
+                    <a:p>
+                      <a:pPr fontAlgn="t">
+                        <a:buNone/>
+                      </a:pPr>
+                      <a:r>
+                        <a:rPr lang="en-US" sz="1800">
+                          <a:effectLst/>
+                        </a:rPr>
+                        <a:t>Used to point to the current class instance.</a:t>
+                      </a:r>
+                    </a:p>
+                  </a:txBody>
+                  <a:tcPr>
+                    <a:lnL w="7620" cap="flat" cmpd="sng" algn="ctr">
+                      <a:solidFill>
+                        <a:srgbClr val="DEE2E6"/>
+                      </a:solidFill>
+                      <a:prstDash val="solid"/>
+                      <a:round/>
+                      <a:headEnd type="none" w="med" len="med"/>
+                      <a:tailEnd type="none" w="med" len="med"/>
+                    </a:lnL>
+                    <a:lnR w="7620" cap="flat" cmpd="sng" algn="ctr">
+                      <a:solidFill>
+                        <a:srgbClr val="DEE2E6"/>
+                      </a:solidFill>
+                      <a:prstDash val="solid"/>
+                      <a:round/>
+                      <a:headEnd type="none" w="med" len="med"/>
+                      <a:tailEnd type="none" w="med" len="med"/>
+                    </a:lnR>
+                    <a:lnT w="7620" cap="flat" cmpd="sng" algn="ctr">
+                      <a:solidFill>
+                        <a:srgbClr val="DEE2E6"/>
+                      </a:solidFill>
+                      <a:prstDash val="solid"/>
+                      <a:round/>
+                      <a:headEnd type="none" w="med" len="med"/>
+                      <a:tailEnd type="none" w="med" len="med"/>
+                    </a:lnT>
+                    <a:lnB w="7620" cap="flat" cmpd="sng" algn="ctr">
+                      <a:solidFill>
+                        <a:srgbClr val="DEE2E6"/>
+                      </a:solidFill>
+                      <a:prstDash val="solid"/>
+                      <a:round/>
+                      <a:headEnd type="none" w="med" len="med"/>
+                      <a:tailEnd type="none" w="med" len="med"/>
+                    </a:lnB>
+                    <a:solidFill>
+                      <a:srgbClr val="FFFFFF"/>
+                    </a:solidFill>
+                  </a:tcPr>
+                </a:tc>
+                <a:tc>
+                  <a:txBody>
+                    <a:bodyPr/>
+                    <a:lstStyle/>
+                    <a:p>
+                      <a:pPr fontAlgn="t">
+                        <a:buNone/>
+                      </a:pPr>
+                      <a:r>
+                        <a:rPr lang="en-US" sz="1800" dirty="0">
+                          <a:effectLst/>
+                        </a:rPr>
+                        <a:t>Used to point to the instance of the superclass.</a:t>
+                      </a:r>
+                    </a:p>
+                  </a:txBody>
+                  <a:tcPr>
+                    <a:lnL w="7620" cap="flat" cmpd="sng" algn="ctr">
+                      <a:solidFill>
+                        <a:srgbClr val="DEE2E6"/>
+                      </a:solidFill>
+                      <a:prstDash val="solid"/>
+                      <a:round/>
+                      <a:headEnd type="none" w="med" len="med"/>
+                      <a:tailEnd type="none" w="med" len="med"/>
+                    </a:lnL>
+                    <a:lnR w="7620" cap="flat" cmpd="sng" algn="ctr">
+                      <a:solidFill>
+                        <a:srgbClr val="DEE2E6"/>
+                      </a:solidFill>
+                      <a:prstDash val="solid"/>
+                      <a:round/>
+                      <a:headEnd type="none" w="med" len="med"/>
+                      <a:tailEnd type="none" w="med" len="med"/>
+                    </a:lnR>
+                    <a:lnT w="7620" cap="flat" cmpd="sng" algn="ctr">
+                      <a:solidFill>
+                        <a:srgbClr val="DEE2E6"/>
+                      </a:solidFill>
+                      <a:prstDash val="solid"/>
+                      <a:round/>
+                      <a:headEnd type="none" w="med" len="med"/>
+                      <a:tailEnd type="none" w="med" len="med"/>
+                    </a:lnT>
+                    <a:lnB w="7620" cap="flat" cmpd="sng" algn="ctr">
+                      <a:solidFill>
+                        <a:srgbClr val="DEE2E6"/>
+                      </a:solidFill>
+                      <a:prstDash val="solid"/>
+                      <a:round/>
+                      <a:headEnd type="none" w="med" len="med"/>
+                      <a:tailEnd type="none" w="med" len="med"/>
+                    </a:lnB>
+                    <a:solidFill>
+                      <a:srgbClr val="FFFFFF"/>
+                    </a:solidFill>
+                  </a:tcPr>
+                </a:tc>
+                <a:extLst>
+                  <a:ext uri="{0D108BD9-81ED-4DB2-BD59-A6C34878D82A}">
+                    <a16:rowId xmlns:a16="http://schemas.microsoft.com/office/drawing/2014/main" val="3659721654"/>
+                  </a:ext>
+                </a:extLst>
+              </a:tr>
+            </a:tbl>
+          </a:graphicData>
+        </a:graphic>
+      </p:graphicFrame>
     </p:spTree>
     <p:extLst>
       <p:ext uri="{BB962C8B-B14F-4D97-AF65-F5344CB8AC3E}">
@@ -45668,6 +50227,80 @@
           <a:chExt cx="0" cy="0"/>
         </a:xfrm>
       </p:grpSpPr>
+      <p:sp>
+        <p:nvSpPr>
+          <p:cNvPr id="3" name="TextBox 2">
+            <a:extLst>
+              <a:ext uri="{FF2B5EF4-FFF2-40B4-BE49-F238E27FC236}">
+                <a16:creationId xmlns:a16="http://schemas.microsoft.com/office/drawing/2014/main" id="{DB48D1B7-35F8-0763-9A46-403D1ACC6BDF}"/>
+              </a:ext>
+            </a:extLst>
+          </p:cNvPr>
+          <p:cNvSpPr txBox="1"/>
+          <p:nvPr/>
+        </p:nvSpPr>
+        <p:spPr>
+          <a:xfrm>
+            <a:off x="0" y="0"/>
+            <a:ext cx="9906000" cy="1887696"/>
+          </a:xfrm>
+          <a:prstGeom prst="rect">
+            <a:avLst/>
+          </a:prstGeom>
+          <a:noFill/>
+        </p:spPr>
+        <p:txBody>
+          <a:bodyPr wrap="square">
+            <a:spAutoFit/>
+          </a:bodyPr>
+          <a:lstStyle/>
+          <a:p>
+            <a:pPr algn="l">
+              <a:lnSpc>
+                <a:spcPts val="2100"/>
+              </a:lnSpc>
+              <a:spcBef>
+                <a:spcPts val="2400"/>
+              </a:spcBef>
+              <a:spcAft>
+                <a:spcPts val="1800"/>
+              </a:spcAft>
+              <a:buNone/>
+            </a:pPr>
+            <a:r>
+              <a:rPr lang="en-US" b="0" i="0" dirty="0">
+                <a:solidFill>
+                  <a:srgbClr val="272C37"/>
+                </a:solidFill>
+                <a:effectLst/>
+                <a:latin typeface="Roboto" panose="02000000000000000000" pitchFamily="2" charset="0"/>
+              </a:rPr>
+              <a:t>91. Is it possible to import the same package/class twice? Will the JVM load the package twice at runtime?</a:t>
+            </a:r>
+          </a:p>
+          <a:p>
+            <a:pPr algn="just">
+              <a:lnSpc>
+                <a:spcPts val="2100"/>
+              </a:lnSpc>
+              <a:spcBef>
+                <a:spcPts val="1650"/>
+              </a:spcBef>
+              <a:buNone/>
+            </a:pPr>
+            <a:r>
+              <a:rPr lang="en-US" b="0" i="0" dirty="0">
+                <a:solidFill>
+                  <a:srgbClr val="3A3A3A"/>
+                </a:solidFill>
+                <a:effectLst/>
+                <a:latin typeface="Roboto" panose="02000000000000000000" pitchFamily="2" charset="0"/>
+              </a:rPr>
+              <a:t>A package or class can be inherited multiple times in a program code. JVM and compiler don’t create any issue. Moreover, JVM automatically loads the class internally once, regardless of times it is called in the program.</a:t>
+            </a:r>
+          </a:p>
+        </p:txBody>
+      </p:sp>
     </p:spTree>
     <p:extLst>
       <p:ext uri="{BB962C8B-B14F-4D97-AF65-F5344CB8AC3E}">
@@ -45704,6 +50337,262 @@
           <a:chExt cx="0" cy="0"/>
         </a:xfrm>
       </p:grpSpPr>
+      <p:sp>
+        <p:nvSpPr>
+          <p:cNvPr id="3" name="TextBox 2">
+            <a:extLst>
+              <a:ext uri="{FF2B5EF4-FFF2-40B4-BE49-F238E27FC236}">
+                <a16:creationId xmlns:a16="http://schemas.microsoft.com/office/drawing/2014/main" id="{5CD7D318-7279-DE8F-4B9C-9AB4D845A630}"/>
+              </a:ext>
+            </a:extLst>
+          </p:cNvPr>
+          <p:cNvSpPr txBox="1"/>
+          <p:nvPr/>
+        </p:nvSpPr>
+        <p:spPr>
+          <a:xfrm>
+            <a:off x="258170" y="172938"/>
+            <a:ext cx="9389660" cy="3811300"/>
+          </a:xfrm>
+          <a:prstGeom prst="rect">
+            <a:avLst/>
+          </a:prstGeom>
+          <a:noFill/>
+        </p:spPr>
+        <p:txBody>
+          <a:bodyPr wrap="square">
+            <a:spAutoFit/>
+          </a:bodyPr>
+          <a:lstStyle/>
+          <a:p>
+            <a:pPr algn="l">
+              <a:lnSpc>
+                <a:spcPts val="2100"/>
+              </a:lnSpc>
+              <a:spcBef>
+                <a:spcPts val="2400"/>
+              </a:spcBef>
+              <a:spcAft>
+                <a:spcPts val="1800"/>
+              </a:spcAft>
+              <a:buNone/>
+            </a:pPr>
+            <a:r>
+              <a:rPr lang="en-US" b="0" i="0" dirty="0">
+                <a:solidFill>
+                  <a:srgbClr val="272C37"/>
+                </a:solidFill>
+                <a:effectLst/>
+                <a:latin typeface="Roboto" panose="02000000000000000000" pitchFamily="2" charset="0"/>
+              </a:rPr>
+              <a:t>92. List the differences between HashMap and </a:t>
+            </a:r>
+            <a:r>
+              <a:rPr lang="en-US" b="0" i="0" dirty="0" err="1">
+                <a:solidFill>
+                  <a:srgbClr val="272C37"/>
+                </a:solidFill>
+                <a:effectLst/>
+                <a:latin typeface="Roboto" panose="02000000000000000000" pitchFamily="2" charset="0"/>
+              </a:rPr>
+              <a:t>HashTable</a:t>
+            </a:r>
+            <a:r>
+              <a:rPr lang="en-US" b="0" i="0" dirty="0">
+                <a:solidFill>
+                  <a:srgbClr val="272C37"/>
+                </a:solidFill>
+                <a:effectLst/>
+                <a:latin typeface="Roboto" panose="02000000000000000000" pitchFamily="2" charset="0"/>
+              </a:rPr>
+              <a:t> in Java?</a:t>
+            </a:r>
+          </a:p>
+          <a:p>
+            <a:pPr algn="just">
+              <a:lnSpc>
+                <a:spcPts val="2100"/>
+              </a:lnSpc>
+              <a:spcBef>
+                <a:spcPts val="1650"/>
+              </a:spcBef>
+              <a:buNone/>
+            </a:pPr>
+            <a:r>
+              <a:rPr lang="en-US" b="0" i="0" dirty="0">
+                <a:solidFill>
+                  <a:srgbClr val="3A3A3A"/>
+                </a:solidFill>
+                <a:effectLst/>
+                <a:latin typeface="Roboto" panose="02000000000000000000" pitchFamily="2" charset="0"/>
+              </a:rPr>
+              <a:t>Both HashMap and </a:t>
+            </a:r>
+            <a:r>
+              <a:rPr lang="en-US" b="0" i="0" dirty="0" err="1">
+                <a:solidFill>
+                  <a:srgbClr val="3A3A3A"/>
+                </a:solidFill>
+                <a:effectLst/>
+                <a:latin typeface="Roboto" panose="02000000000000000000" pitchFamily="2" charset="0"/>
+              </a:rPr>
+              <a:t>HashTable</a:t>
+            </a:r>
+            <a:r>
+              <a:rPr lang="en-US" b="0" i="0" dirty="0">
+                <a:solidFill>
+                  <a:srgbClr val="3A3A3A"/>
+                </a:solidFill>
+                <a:effectLst/>
+                <a:latin typeface="Roboto" panose="02000000000000000000" pitchFamily="2" charset="0"/>
+              </a:rPr>
+              <a:t> are used to save key/value pairs, but with some differences:</a:t>
+            </a:r>
+          </a:p>
+          <a:p>
+            <a:pPr algn="just">
+              <a:lnSpc>
+                <a:spcPts val="2100"/>
+              </a:lnSpc>
+              <a:spcBef>
+                <a:spcPts val="750"/>
+              </a:spcBef>
+              <a:spcAft>
+                <a:spcPts val="600"/>
+              </a:spcAft>
+              <a:buFont typeface="Arial" panose="020B0604020202020204" pitchFamily="34" charset="0"/>
+              <a:buChar char="•"/>
+            </a:pPr>
+            <a:r>
+              <a:rPr lang="en-US" b="0" i="0" u="none" strike="noStrike" dirty="0">
+                <a:solidFill>
+                  <a:srgbClr val="0F5A9E"/>
+                </a:solidFill>
+                <a:effectLst/>
+                <a:latin typeface="Roboto" panose="02000000000000000000" pitchFamily="2" charset="0"/>
+                <a:hlinkClick r:id="rId2"/>
+              </a:rPr>
+              <a:t>HashMap</a:t>
+            </a:r>
+            <a:r>
+              <a:rPr lang="en-US" b="0" i="0" dirty="0">
+                <a:solidFill>
+                  <a:srgbClr val="3A3A3A"/>
+                </a:solidFill>
+                <a:effectLst/>
+                <a:latin typeface="Roboto" panose="02000000000000000000" pitchFamily="2" charset="0"/>
+              </a:rPr>
+              <a:t> does not have a synchronization feature, making it not thread-safe, while </a:t>
+            </a:r>
+            <a:r>
+              <a:rPr lang="en-US" b="0" i="0" dirty="0" err="1">
+                <a:solidFill>
+                  <a:srgbClr val="3A3A3A"/>
+                </a:solidFill>
+                <a:effectLst/>
+                <a:latin typeface="Roboto" panose="02000000000000000000" pitchFamily="2" charset="0"/>
+              </a:rPr>
+              <a:t>HashTable</a:t>
+            </a:r>
+            <a:r>
+              <a:rPr lang="en-US" b="0" i="0" dirty="0">
+                <a:solidFill>
+                  <a:srgbClr val="3A3A3A"/>
+                </a:solidFill>
+                <a:effectLst/>
+                <a:latin typeface="Roboto" panose="02000000000000000000" pitchFamily="2" charset="0"/>
+              </a:rPr>
+              <a:t> does.</a:t>
+            </a:r>
+          </a:p>
+          <a:p>
+            <a:pPr algn="just">
+              <a:lnSpc>
+                <a:spcPts val="2100"/>
+              </a:lnSpc>
+              <a:spcBef>
+                <a:spcPts val="750"/>
+              </a:spcBef>
+              <a:spcAft>
+                <a:spcPts val="600"/>
+              </a:spcAft>
+              <a:buFont typeface="Arial" panose="020B0604020202020204" pitchFamily="34" charset="0"/>
+              <a:buChar char="•"/>
+            </a:pPr>
+            <a:r>
+              <a:rPr lang="en-US" b="0" i="0" dirty="0">
+                <a:solidFill>
+                  <a:srgbClr val="3A3A3A"/>
+                </a:solidFill>
+                <a:effectLst/>
+                <a:latin typeface="Roboto" panose="02000000000000000000" pitchFamily="2" charset="0"/>
+              </a:rPr>
+              <a:t>HashMap allows null keys as well as values, but </a:t>
+            </a:r>
+            <a:r>
+              <a:rPr lang="en-US" b="0" i="0" dirty="0" err="1">
+                <a:solidFill>
+                  <a:srgbClr val="3A3A3A"/>
+                </a:solidFill>
+                <a:effectLst/>
+                <a:latin typeface="Roboto" panose="02000000000000000000" pitchFamily="2" charset="0"/>
+              </a:rPr>
+              <a:t>HashTable</a:t>
+            </a:r>
+            <a:r>
+              <a:rPr lang="en-US" b="0" i="0" dirty="0">
+                <a:solidFill>
+                  <a:srgbClr val="3A3A3A"/>
+                </a:solidFill>
+                <a:effectLst/>
+                <a:latin typeface="Roboto" panose="02000000000000000000" pitchFamily="2" charset="0"/>
+              </a:rPr>
+              <a:t> does not allow any null key or value.</a:t>
+            </a:r>
+          </a:p>
+          <a:p>
+            <a:pPr algn="just">
+              <a:lnSpc>
+                <a:spcPts val="2100"/>
+              </a:lnSpc>
+              <a:spcBef>
+                <a:spcPts val="1650"/>
+              </a:spcBef>
+              <a:buNone/>
+            </a:pPr>
+            <a:r>
+              <a:rPr lang="en-US" b="0" i="0" dirty="0">
+                <a:solidFill>
+                  <a:srgbClr val="3A3A3A"/>
+                </a:solidFill>
+                <a:effectLst/>
+                <a:latin typeface="Roboto" panose="02000000000000000000" pitchFamily="2" charset="0"/>
+              </a:rPr>
+              <a:t>Generally, HashMap is preferred in non-thread-safe scenarios where performance is important; on the other hand, </a:t>
+            </a:r>
+            <a:r>
+              <a:rPr lang="en-US" b="0" i="0" dirty="0" err="1">
+                <a:solidFill>
+                  <a:srgbClr val="3A3A3A"/>
+                </a:solidFill>
+                <a:effectLst/>
+                <a:latin typeface="Roboto" panose="02000000000000000000" pitchFamily="2" charset="0"/>
+              </a:rPr>
+              <a:t>HashTable</a:t>
+            </a:r>
+            <a:r>
+              <a:rPr lang="en-US" b="0" i="0" dirty="0">
+                <a:solidFill>
+                  <a:srgbClr val="3A3A3A"/>
+                </a:solidFill>
+                <a:effectLst/>
+                <a:latin typeface="Roboto" panose="02000000000000000000" pitchFamily="2" charset="0"/>
+              </a:rPr>
+              <a:t> is recommended for multi-threaded environments where thread safety is required.</a:t>
+            </a:r>
+          </a:p>
+        </p:txBody>
+      </p:sp>
     </p:spTree>
     <p:extLst>
       <p:ext uri="{BB962C8B-B14F-4D97-AF65-F5344CB8AC3E}">
@@ -45740,6 +50629,201 @@
           <a:chExt cx="0" cy="0"/>
         </a:xfrm>
       </p:grpSpPr>
+      <p:sp>
+        <p:nvSpPr>
+          <p:cNvPr id="3" name="TextBox 2">
+            <a:extLst>
+              <a:ext uri="{FF2B5EF4-FFF2-40B4-BE49-F238E27FC236}">
+                <a16:creationId xmlns:a16="http://schemas.microsoft.com/office/drawing/2014/main" id="{0B282ADA-1693-14FF-11BF-BD4496DDD99C}"/>
+              </a:ext>
+            </a:extLst>
+          </p:cNvPr>
+          <p:cNvSpPr txBox="1"/>
+          <p:nvPr/>
+        </p:nvSpPr>
+        <p:spPr>
+          <a:xfrm>
+            <a:off x="2477069" y="270008"/>
+            <a:ext cx="4954136" cy="6324808"/>
+          </a:xfrm>
+          <a:prstGeom prst="rect">
+            <a:avLst/>
+          </a:prstGeom>
+          <a:noFill/>
+        </p:spPr>
+        <p:txBody>
+          <a:bodyPr wrap="square">
+            <a:spAutoFit/>
+          </a:bodyPr>
+          <a:lstStyle/>
+          <a:p>
+            <a:pPr algn="l">
+              <a:lnSpc>
+                <a:spcPts val="2100"/>
+              </a:lnSpc>
+              <a:spcBef>
+                <a:spcPts val="2400"/>
+              </a:spcBef>
+              <a:spcAft>
+                <a:spcPts val="1800"/>
+              </a:spcAft>
+              <a:buNone/>
+            </a:pPr>
+            <a:r>
+              <a:rPr lang="en-US" b="0" i="0" dirty="0">
+                <a:solidFill>
+                  <a:srgbClr val="272C37"/>
+                </a:solidFill>
+                <a:effectLst/>
+                <a:latin typeface="Roboto" panose="02000000000000000000" pitchFamily="2" charset="0"/>
+              </a:rPr>
+              <a:t>93. Explain the use of access modifiers in Java.</a:t>
+            </a:r>
+          </a:p>
+          <a:p>
+            <a:pPr algn="just">
+              <a:lnSpc>
+                <a:spcPts val="2100"/>
+              </a:lnSpc>
+              <a:spcBef>
+                <a:spcPts val="1650"/>
+              </a:spcBef>
+              <a:buNone/>
+            </a:pPr>
+            <a:r>
+              <a:rPr lang="en-US" b="0" i="0" dirty="0">
+                <a:solidFill>
+                  <a:srgbClr val="3A3A3A"/>
+                </a:solidFill>
+                <a:effectLst/>
+                <a:latin typeface="Roboto" panose="02000000000000000000" pitchFamily="2" charset="0"/>
+              </a:rPr>
+              <a:t>Public, protected, default (no modifier), and private are four access modifiers in Java.</a:t>
+            </a:r>
+          </a:p>
+          <a:p>
+            <a:pPr algn="just">
+              <a:lnSpc>
+                <a:spcPts val="2100"/>
+              </a:lnSpc>
+              <a:spcBef>
+                <a:spcPts val="750"/>
+              </a:spcBef>
+              <a:spcAft>
+                <a:spcPts val="600"/>
+              </a:spcAft>
+              <a:buFont typeface="Arial" panose="020B0604020202020204" pitchFamily="34" charset="0"/>
+              <a:buChar char="•"/>
+            </a:pPr>
+            <a:r>
+              <a:rPr lang="en-US" b="0" i="0" dirty="0">
+                <a:solidFill>
+                  <a:srgbClr val="3A3A3A"/>
+                </a:solidFill>
+                <a:effectLst/>
+                <a:latin typeface="Roboto" panose="02000000000000000000" pitchFamily="2" charset="0"/>
+              </a:rPr>
+              <a:t>Public: access from anywhere.</a:t>
+            </a:r>
+          </a:p>
+          <a:p>
+            <a:pPr algn="just">
+              <a:lnSpc>
+                <a:spcPts val="2100"/>
+              </a:lnSpc>
+              <a:spcBef>
+                <a:spcPts val="750"/>
+              </a:spcBef>
+              <a:spcAft>
+                <a:spcPts val="600"/>
+              </a:spcAft>
+              <a:buFont typeface="Arial" panose="020B0604020202020204" pitchFamily="34" charset="0"/>
+              <a:buChar char="•"/>
+            </a:pPr>
+            <a:r>
+              <a:rPr lang="en-US" b="0" i="0" dirty="0">
+                <a:solidFill>
+                  <a:srgbClr val="3A3A3A"/>
+                </a:solidFill>
+                <a:effectLst/>
+                <a:latin typeface="Roboto" panose="02000000000000000000" pitchFamily="2" charset="0"/>
+              </a:rPr>
+              <a:t>Protected: access to the same package or other packages (subclasses).</a:t>
+            </a:r>
+          </a:p>
+          <a:p>
+            <a:pPr algn="just">
+              <a:lnSpc>
+                <a:spcPts val="2100"/>
+              </a:lnSpc>
+              <a:spcBef>
+                <a:spcPts val="750"/>
+              </a:spcBef>
+              <a:spcAft>
+                <a:spcPts val="600"/>
+              </a:spcAft>
+              <a:buFont typeface="Arial" panose="020B0604020202020204" pitchFamily="34" charset="0"/>
+              <a:buChar char="•"/>
+            </a:pPr>
+            <a:r>
+              <a:rPr lang="en-US" b="0" i="0" dirty="0">
+                <a:solidFill>
+                  <a:srgbClr val="3A3A3A"/>
+                </a:solidFill>
+                <a:effectLst/>
+                <a:latin typeface="Roboto" panose="02000000000000000000" pitchFamily="2" charset="0"/>
+              </a:rPr>
+              <a:t>Default (no modifier): Only access in the created package.</a:t>
+            </a:r>
+          </a:p>
+          <a:p>
+            <a:pPr algn="just">
+              <a:lnSpc>
+                <a:spcPts val="2100"/>
+              </a:lnSpc>
+              <a:spcBef>
+                <a:spcPts val="750"/>
+              </a:spcBef>
+              <a:spcAft>
+                <a:spcPts val="600"/>
+              </a:spcAft>
+              <a:buFont typeface="Arial" panose="020B0604020202020204" pitchFamily="34" charset="0"/>
+              <a:buChar char="•"/>
+            </a:pPr>
+            <a:r>
+              <a:rPr lang="en-US" b="0" i="0" dirty="0">
+                <a:solidFill>
+                  <a:srgbClr val="3A3A3A"/>
+                </a:solidFill>
+                <a:effectLst/>
+                <a:latin typeface="Roboto" panose="02000000000000000000" pitchFamily="2" charset="0"/>
+              </a:rPr>
+              <a:t>Private: No one else but the declaring class will be able to obtain it.</a:t>
+            </a:r>
+          </a:p>
+          <a:p>
+            <a:pPr algn="just">
+              <a:lnSpc>
+                <a:spcPts val="2100"/>
+              </a:lnSpc>
+              <a:spcBef>
+                <a:spcPts val="1650"/>
+              </a:spcBef>
+              <a:buNone/>
+            </a:pPr>
+            <a:r>
+              <a:rPr lang="en-US" b="0" i="0" dirty="0">
+                <a:solidFill>
+                  <a:srgbClr val="3A3A3A"/>
+                </a:solidFill>
+                <a:effectLst/>
+                <a:latin typeface="Roboto" panose="02000000000000000000" pitchFamily="2" charset="0"/>
+              </a:rPr>
+              <a:t>Use public if you want your member to be accessed from anywhere, protected when you wish to restrict access to subclasses and classes within the same package, default when you want access at the package level, and private when you only want access within the declaring class.</a:t>
+            </a:r>
+          </a:p>
+        </p:txBody>
+      </p:sp>
     </p:spTree>
     <p:extLst>
       <p:ext uri="{BB962C8B-B14F-4D97-AF65-F5344CB8AC3E}">
@@ -45776,6 +50860,160 @@
           <a:chExt cx="0" cy="0"/>
         </a:xfrm>
       </p:grpSpPr>
+      <p:sp>
+        <p:nvSpPr>
+          <p:cNvPr id="3" name="TextBox 2">
+            <a:extLst>
+              <a:ext uri="{FF2B5EF4-FFF2-40B4-BE49-F238E27FC236}">
+                <a16:creationId xmlns:a16="http://schemas.microsoft.com/office/drawing/2014/main" id="{CB435271-3539-2C25-7F21-15513BBD800D}"/>
+              </a:ext>
+            </a:extLst>
+          </p:cNvPr>
+          <p:cNvSpPr txBox="1"/>
+          <p:nvPr/>
+        </p:nvSpPr>
+        <p:spPr>
+          <a:xfrm>
+            <a:off x="266132" y="174725"/>
+            <a:ext cx="4954136" cy="3485570"/>
+          </a:xfrm>
+          <a:prstGeom prst="rect">
+            <a:avLst/>
+          </a:prstGeom>
+          <a:noFill/>
+        </p:spPr>
+        <p:txBody>
+          <a:bodyPr wrap="square">
+            <a:spAutoFit/>
+          </a:bodyPr>
+          <a:lstStyle/>
+          <a:p>
+            <a:pPr algn="l">
+              <a:lnSpc>
+                <a:spcPts val="2100"/>
+              </a:lnSpc>
+              <a:spcBef>
+                <a:spcPts val="2400"/>
+              </a:spcBef>
+              <a:spcAft>
+                <a:spcPts val="1800"/>
+              </a:spcAft>
+              <a:buNone/>
+            </a:pPr>
+            <a:r>
+              <a:rPr lang="en-US" b="0" i="0" dirty="0">
+                <a:solidFill>
+                  <a:srgbClr val="272C37"/>
+                </a:solidFill>
+                <a:effectLst/>
+                <a:latin typeface="Roboto" panose="02000000000000000000" pitchFamily="2" charset="0"/>
+              </a:rPr>
+              <a:t>94. What is the difference between static loading and dynamic class loading?</a:t>
+            </a:r>
+          </a:p>
+          <a:p>
+            <a:pPr algn="just">
+              <a:lnSpc>
+                <a:spcPts val="2100"/>
+              </a:lnSpc>
+              <a:spcBef>
+                <a:spcPts val="1650"/>
+              </a:spcBef>
+              <a:spcAft>
+                <a:spcPts val="600"/>
+              </a:spcAft>
+              <a:buFont typeface="Arial" panose="020B0604020202020204" pitchFamily="34" charset="0"/>
+              <a:buChar char="•"/>
+            </a:pPr>
+            <a:r>
+              <a:rPr lang="en-US" b="0" i="0" dirty="0">
+                <a:solidFill>
+                  <a:srgbClr val="3A3A3A"/>
+                </a:solidFill>
+                <a:effectLst/>
+                <a:latin typeface="Roboto" panose="02000000000000000000" pitchFamily="2" charset="0"/>
+              </a:rPr>
+              <a:t>Static loading: In static loading, classes are loaded statically with the operator ‘new.’</a:t>
+            </a:r>
+          </a:p>
+          <a:p>
+            <a:pPr algn="just">
+              <a:lnSpc>
+                <a:spcPts val="2100"/>
+              </a:lnSpc>
+              <a:spcBef>
+                <a:spcPts val="1650"/>
+              </a:spcBef>
+              <a:spcAft>
+                <a:spcPts val="600"/>
+              </a:spcAft>
+              <a:buFont typeface="Arial" panose="020B0604020202020204" pitchFamily="34" charset="0"/>
+              <a:buChar char="•"/>
+            </a:pPr>
+            <a:r>
+              <a:rPr lang="en-US" b="0" i="0" dirty="0">
+                <a:solidFill>
+                  <a:srgbClr val="3A3A3A"/>
+                </a:solidFill>
+                <a:effectLst/>
+                <a:latin typeface="Roboto" panose="02000000000000000000" pitchFamily="2" charset="0"/>
+              </a:rPr>
+              <a:t>Dynamic class loading: It is a technique for programmatically invoking the functions of a class loader at runtime. The syntax for this is as follows:</a:t>
+            </a:r>
+          </a:p>
+          <a:p>
+            <a:pPr algn="l">
+              <a:spcBef>
+                <a:spcPts val="1125"/>
+              </a:spcBef>
+              <a:spcAft>
+                <a:spcPts val="375"/>
+              </a:spcAft>
+              <a:buNone/>
+            </a:pPr>
+            <a:r>
+              <a:rPr lang="en-US" b="0" i="0" dirty="0" err="1">
+                <a:solidFill>
+                  <a:srgbClr val="212529"/>
+                </a:solidFill>
+                <a:effectLst/>
+                <a:latin typeface="Courier New" panose="02070309020205020404" pitchFamily="49" charset="0"/>
+              </a:rPr>
+              <a:t>Class.forName</a:t>
+            </a:r>
+            <a:r>
+              <a:rPr lang="en-US" b="0" i="0" dirty="0">
+                <a:solidFill>
+                  <a:srgbClr val="212529"/>
+                </a:solidFill>
+                <a:effectLst/>
+                <a:latin typeface="Courier New" panose="02070309020205020404" pitchFamily="49" charset="0"/>
+              </a:rPr>
+              <a:t> (Test </a:t>
+            </a:r>
+            <a:r>
+              <a:rPr lang="en-US" b="0" i="0" dirty="0" err="1">
+                <a:solidFill>
+                  <a:srgbClr val="212529"/>
+                </a:solidFill>
+                <a:effectLst/>
+                <a:latin typeface="Courier New" panose="02070309020205020404" pitchFamily="49" charset="0"/>
+              </a:rPr>
+              <a:t>className</a:t>
+            </a:r>
+            <a:r>
+              <a:rPr lang="en-US" b="0" i="0" dirty="0">
+                <a:solidFill>
+                  <a:srgbClr val="212529"/>
+                </a:solidFill>
+                <a:effectLst/>
+                <a:latin typeface="Courier New" panose="02070309020205020404" pitchFamily="49" charset="0"/>
+              </a:rPr>
+              <a:t>);</a:t>
+            </a:r>
+          </a:p>
+        </p:txBody>
+      </p:sp>
     </p:spTree>
     <p:extLst>
       <p:ext uri="{BB962C8B-B14F-4D97-AF65-F5344CB8AC3E}">
@@ -46319,6 +51557,80 @@
           <a:chExt cx="0" cy="0"/>
         </a:xfrm>
       </p:grpSpPr>
+      <p:sp>
+        <p:nvSpPr>
+          <p:cNvPr id="3" name="TextBox 2">
+            <a:extLst>
+              <a:ext uri="{FF2B5EF4-FFF2-40B4-BE49-F238E27FC236}">
+                <a16:creationId xmlns:a16="http://schemas.microsoft.com/office/drawing/2014/main" id="{E36A7F77-0B4B-E705-59D7-598C40C3ED8F}"/>
+              </a:ext>
+            </a:extLst>
+          </p:cNvPr>
+          <p:cNvSpPr txBox="1"/>
+          <p:nvPr/>
+        </p:nvSpPr>
+        <p:spPr>
+          <a:xfrm>
+            <a:off x="388962" y="223036"/>
+            <a:ext cx="4954136" cy="1887696"/>
+          </a:xfrm>
+          <a:prstGeom prst="rect">
+            <a:avLst/>
+          </a:prstGeom>
+          <a:noFill/>
+        </p:spPr>
+        <p:txBody>
+          <a:bodyPr wrap="square">
+            <a:spAutoFit/>
+          </a:bodyPr>
+          <a:lstStyle/>
+          <a:p>
+            <a:pPr algn="l">
+              <a:lnSpc>
+                <a:spcPts val="2100"/>
+              </a:lnSpc>
+              <a:spcBef>
+                <a:spcPts val="2400"/>
+              </a:spcBef>
+              <a:spcAft>
+                <a:spcPts val="1800"/>
+              </a:spcAft>
+              <a:buNone/>
+            </a:pPr>
+            <a:r>
+              <a:rPr lang="en-US" b="0" i="0" dirty="0">
+                <a:solidFill>
+                  <a:srgbClr val="272C37"/>
+                </a:solidFill>
+                <a:effectLst/>
+                <a:latin typeface="Roboto" panose="02000000000000000000" pitchFamily="2" charset="0"/>
+              </a:rPr>
+              <a:t>95. What methods are available in Java to find the actual size of an object on the heap?</a:t>
+            </a:r>
+          </a:p>
+          <a:p>
+            <a:pPr algn="just">
+              <a:lnSpc>
+                <a:spcPts val="2100"/>
+              </a:lnSpc>
+              <a:spcBef>
+                <a:spcPts val="1650"/>
+              </a:spcBef>
+              <a:buNone/>
+            </a:pPr>
+            <a:r>
+              <a:rPr lang="en-US" b="0" i="0" dirty="0">
+                <a:solidFill>
+                  <a:srgbClr val="3A3A3A"/>
+                </a:solidFill>
+                <a:effectLst/>
+                <a:latin typeface="Roboto" panose="02000000000000000000" pitchFamily="2" charset="0"/>
+              </a:rPr>
+              <a:t>In the Java programming language, you cannot accurately determine the exact size of an object located in the heap.</a:t>
+            </a:r>
+          </a:p>
+        </p:txBody>
+      </p:sp>
     </p:spTree>
     <p:extLst>
       <p:ext uri="{BB962C8B-B14F-4D97-AF65-F5344CB8AC3E}">
@@ -46355,6 +51667,143 @@
           <a:chExt cx="0" cy="0"/>
         </a:xfrm>
       </p:grpSpPr>
+      <p:sp>
+        <p:nvSpPr>
+          <p:cNvPr id="3" name="TextBox 2">
+            <a:extLst>
+              <a:ext uri="{FF2B5EF4-FFF2-40B4-BE49-F238E27FC236}">
+                <a16:creationId xmlns:a16="http://schemas.microsoft.com/office/drawing/2014/main" id="{A1C7F99D-BFC5-5BDB-2165-B759A9E0A8CC}"/>
+              </a:ext>
+            </a:extLst>
+          </p:cNvPr>
+          <p:cNvSpPr txBox="1"/>
+          <p:nvPr/>
+        </p:nvSpPr>
+        <p:spPr>
+          <a:xfrm>
+            <a:off x="197892" y="276130"/>
+            <a:ext cx="9510215" cy="3978012"/>
+          </a:xfrm>
+          <a:prstGeom prst="rect">
+            <a:avLst/>
+          </a:prstGeom>
+          <a:noFill/>
+        </p:spPr>
+        <p:txBody>
+          <a:bodyPr wrap="square">
+            <a:spAutoFit/>
+          </a:bodyPr>
+          <a:lstStyle/>
+          <a:p>
+            <a:pPr algn="l">
+              <a:lnSpc>
+                <a:spcPts val="2100"/>
+              </a:lnSpc>
+              <a:spcBef>
+                <a:spcPts val="2400"/>
+              </a:spcBef>
+              <a:spcAft>
+                <a:spcPts val="1800"/>
+              </a:spcAft>
+              <a:buNone/>
+            </a:pPr>
+            <a:r>
+              <a:rPr lang="en-US" b="0" i="0" dirty="0">
+                <a:solidFill>
+                  <a:srgbClr val="272C37"/>
+                </a:solidFill>
+                <a:effectLst/>
+                <a:latin typeface="Roboto" panose="02000000000000000000" pitchFamily="2" charset="0"/>
+              </a:rPr>
+              <a:t>96. Explain the difference between transient and volatile keywords in Java.</a:t>
+            </a:r>
+          </a:p>
+          <a:p>
+            <a:pPr algn="just">
+              <a:lnSpc>
+                <a:spcPts val="2100"/>
+              </a:lnSpc>
+              <a:spcBef>
+                <a:spcPts val="1650"/>
+              </a:spcBef>
+              <a:buNone/>
+            </a:pPr>
+            <a:r>
+              <a:rPr lang="en-US" b="0" i="0" dirty="0">
+                <a:solidFill>
+                  <a:srgbClr val="3A3A3A"/>
+                </a:solidFill>
+                <a:effectLst/>
+                <a:latin typeface="Roboto" panose="02000000000000000000" pitchFamily="2" charset="0"/>
+              </a:rPr>
+              <a:t>Transient: In Java, it is used to specify whether a variable is not being serialized. </a:t>
+            </a:r>
+            <a:r>
+              <a:rPr lang="en-US" b="0" i="0" u="none" strike="noStrike" dirty="0">
+                <a:solidFill>
+                  <a:srgbClr val="0F5A9E"/>
+                </a:solidFill>
+                <a:effectLst/>
+                <a:latin typeface="Roboto" panose="02000000000000000000" pitchFamily="2" charset="0"/>
+                <a:hlinkClick r:id="rId2"/>
+              </a:rPr>
+              <a:t>Serialization</a:t>
+            </a:r>
+            <a:r>
+              <a:rPr lang="en-US" b="0" i="0" dirty="0">
+                <a:solidFill>
+                  <a:srgbClr val="3A3A3A"/>
+                </a:solidFill>
+                <a:effectLst/>
+                <a:latin typeface="Roboto" panose="02000000000000000000" pitchFamily="2" charset="0"/>
+              </a:rPr>
+              <a:t> is a process of saving an object’s state in Java. When we want to persist the object’s state by default, all instance variables in the object are stored. In some cases, we want to avoid persisting a few variables because you don’t have the necessity to transfer across the network. So, you can declare those variables as transient.</a:t>
+            </a:r>
+          </a:p>
+          <a:p>
+            <a:pPr algn="just">
+              <a:lnSpc>
+                <a:spcPts val="2100"/>
+              </a:lnSpc>
+              <a:spcBef>
+                <a:spcPts val="750"/>
+              </a:spcBef>
+              <a:buNone/>
+            </a:pPr>
+            <a:r>
+              <a:rPr lang="en-US" b="0" i="0" dirty="0">
+                <a:solidFill>
+                  <a:srgbClr val="3A3A3A"/>
+                </a:solidFill>
+                <a:effectLst/>
+                <a:latin typeface="Roboto" panose="02000000000000000000" pitchFamily="2" charset="0"/>
+              </a:rPr>
+              <a:t>If the variable is confirmed as transient, then it will not be persisted. The transient keyword is used with the instance variable that will not participate in the serialization process. We cannot use static with a transient variable as they are part of the instance variable.</a:t>
+            </a:r>
+          </a:p>
+          <a:p>
+            <a:pPr algn="just">
+              <a:lnSpc>
+                <a:spcPts val="2100"/>
+              </a:lnSpc>
+              <a:spcBef>
+                <a:spcPts val="750"/>
+              </a:spcBef>
+              <a:buNone/>
+            </a:pPr>
+            <a:r>
+              <a:rPr lang="en-US" b="0" i="0" dirty="0">
+                <a:solidFill>
+                  <a:srgbClr val="3A3A3A"/>
+                </a:solidFill>
+                <a:effectLst/>
+                <a:latin typeface="Roboto" panose="02000000000000000000" pitchFamily="2" charset="0"/>
+              </a:rPr>
+              <a:t>Volatile: The volatile keyword is used with only one variable in Java, and it guarantees that the value of the volatile variable will always be read from the main memory and not from the thread’s local cache; it can be static.</a:t>
+            </a:r>
+          </a:p>
+        </p:txBody>
+      </p:sp>
     </p:spTree>
     <p:extLst>
       <p:ext uri="{BB962C8B-B14F-4D97-AF65-F5344CB8AC3E}">
@@ -46391,6 +51840,80 @@
           <a:chExt cx="0" cy="0"/>
         </a:xfrm>
       </p:grpSpPr>
+      <p:sp>
+        <p:nvSpPr>
+          <p:cNvPr id="3" name="TextBox 2">
+            <a:extLst>
+              <a:ext uri="{FF2B5EF4-FFF2-40B4-BE49-F238E27FC236}">
+                <a16:creationId xmlns:a16="http://schemas.microsoft.com/office/drawing/2014/main" id="{BDB3D159-5EF9-C31E-AC34-E537B9F01977}"/>
+              </a:ext>
+            </a:extLst>
+          </p:cNvPr>
+          <p:cNvSpPr txBox="1"/>
+          <p:nvPr/>
+        </p:nvSpPr>
+        <p:spPr>
+          <a:xfrm>
+            <a:off x="2477069" y="1815303"/>
+            <a:ext cx="4954136" cy="3234219"/>
+          </a:xfrm>
+          <a:prstGeom prst="rect">
+            <a:avLst/>
+          </a:prstGeom>
+          <a:noFill/>
+        </p:spPr>
+        <p:txBody>
+          <a:bodyPr wrap="square">
+            <a:spAutoFit/>
+          </a:bodyPr>
+          <a:lstStyle/>
+          <a:p>
+            <a:pPr algn="l">
+              <a:lnSpc>
+                <a:spcPts val="2100"/>
+              </a:lnSpc>
+              <a:spcBef>
+                <a:spcPts val="2400"/>
+              </a:spcBef>
+              <a:spcAft>
+                <a:spcPts val="1800"/>
+              </a:spcAft>
+              <a:buNone/>
+            </a:pPr>
+            <a:r>
+              <a:rPr lang="en-US" b="0" i="0" dirty="0">
+                <a:solidFill>
+                  <a:srgbClr val="272C37"/>
+                </a:solidFill>
+                <a:effectLst/>
+                <a:latin typeface="Roboto" panose="02000000000000000000" pitchFamily="2" charset="0"/>
+              </a:rPr>
+              <a:t>97. What is the use of synchronized blocks?</a:t>
+            </a:r>
+          </a:p>
+          <a:p>
+            <a:pPr algn="just">
+              <a:lnSpc>
+                <a:spcPts val="2100"/>
+              </a:lnSpc>
+              <a:spcBef>
+                <a:spcPts val="1650"/>
+              </a:spcBef>
+              <a:buNone/>
+            </a:pPr>
+            <a:r>
+              <a:rPr lang="en-US" b="0" i="0" dirty="0">
+                <a:solidFill>
+                  <a:srgbClr val="3A3A3A"/>
+                </a:solidFill>
+                <a:effectLst/>
+                <a:latin typeface="Roboto" panose="02000000000000000000" pitchFamily="2" charset="0"/>
+              </a:rPr>
+              <a:t>The synchronized block in Java is used to provide exclusive access to shared resources by locking a specific object. It helps prevent thread interference and ensures thread safety when multiple threads access the same resource. Unlike synchronized methods, the scope of a synchronized block is limited to a specific section of code, offering more fine-grained control over synchronization.</a:t>
+            </a:r>
+          </a:p>
+        </p:txBody>
+      </p:sp>
     </p:spTree>
     <p:extLst>
       <p:ext uri="{BB962C8B-B14F-4D97-AF65-F5344CB8AC3E}">
@@ -46427,6 +51950,200 @@
           <a:chExt cx="0" cy="0"/>
         </a:xfrm>
       </p:grpSpPr>
+      <p:sp>
+        <p:nvSpPr>
+          <p:cNvPr id="3" name="TextBox 2">
+            <a:extLst>
+              <a:ext uri="{FF2B5EF4-FFF2-40B4-BE49-F238E27FC236}">
+                <a16:creationId xmlns:a16="http://schemas.microsoft.com/office/drawing/2014/main" id="{4DFF8E74-C06C-F626-A6D2-E83D9B4FA187}"/>
+              </a:ext>
+            </a:extLst>
+          </p:cNvPr>
+          <p:cNvSpPr txBox="1"/>
+          <p:nvPr/>
+        </p:nvSpPr>
+        <p:spPr>
+          <a:xfrm>
+            <a:off x="129654" y="0"/>
+            <a:ext cx="4954136" cy="2528897"/>
+          </a:xfrm>
+          <a:prstGeom prst="rect">
+            <a:avLst/>
+          </a:prstGeom>
+          <a:noFill/>
+        </p:spPr>
+        <p:txBody>
+          <a:bodyPr wrap="square">
+            <a:spAutoFit/>
+          </a:bodyPr>
+          <a:lstStyle/>
+          <a:p>
+            <a:pPr algn="l">
+              <a:lnSpc>
+                <a:spcPts val="2100"/>
+              </a:lnSpc>
+              <a:spcBef>
+                <a:spcPts val="2400"/>
+              </a:spcBef>
+              <a:spcAft>
+                <a:spcPts val="1800"/>
+              </a:spcAft>
+              <a:buNone/>
+            </a:pPr>
+            <a:r>
+              <a:rPr lang="en-US" b="0" i="0" dirty="0">
+                <a:solidFill>
+                  <a:srgbClr val="272C37"/>
+                </a:solidFill>
+                <a:effectLst/>
+                <a:latin typeface="Roboto" panose="02000000000000000000" pitchFamily="2" charset="0"/>
+              </a:rPr>
+              <a:t>98. What is an interface in Java?</a:t>
+            </a:r>
+          </a:p>
+          <a:p>
+            <a:pPr algn="just">
+              <a:lnSpc>
+                <a:spcPts val="2100"/>
+              </a:lnSpc>
+              <a:spcBef>
+                <a:spcPts val="1650"/>
+              </a:spcBef>
+              <a:buNone/>
+            </a:pPr>
+            <a:r>
+              <a:rPr lang="en-US" b="0" i="0" dirty="0">
+                <a:solidFill>
+                  <a:srgbClr val="3A3A3A"/>
+                </a:solidFill>
+                <a:effectLst/>
+                <a:latin typeface="Roboto" panose="02000000000000000000" pitchFamily="2" charset="0"/>
+              </a:rPr>
+              <a:t>Java interface is a completely abstract class referred to as a collection of abstract methods, static methods, and constants. It acts as a blueprint of a class that groups related methods or functions with empty bodies.</a:t>
+            </a:r>
+          </a:p>
+          <a:p>
+            <a:pPr algn="just">
+              <a:lnSpc>
+                <a:spcPts val="2100"/>
+              </a:lnSpc>
+              <a:spcBef>
+                <a:spcPts val="750"/>
+              </a:spcBef>
+              <a:buNone/>
+            </a:pPr>
+            <a:r>
+              <a:rPr lang="en-US" b="0" i="0" dirty="0">
+                <a:solidFill>
+                  <a:srgbClr val="3A3A3A"/>
+                </a:solidFill>
+                <a:effectLst/>
+                <a:latin typeface="Roboto" panose="02000000000000000000" pitchFamily="2" charset="0"/>
+              </a:rPr>
+              <a:t>Below is an example of a java interface:</a:t>
+            </a:r>
+          </a:p>
+        </p:txBody>
+      </p:sp>
+      <p:sp>
+        <p:nvSpPr>
+          <p:cNvPr id="5" name="TextBox 4">
+            <a:extLst>
+              <a:ext uri="{FF2B5EF4-FFF2-40B4-BE49-F238E27FC236}">
+                <a16:creationId xmlns:a16="http://schemas.microsoft.com/office/drawing/2014/main" id="{36851F47-0016-1DFF-2F90-C654D148101A}"/>
+              </a:ext>
+            </a:extLst>
+          </p:cNvPr>
+          <p:cNvSpPr txBox="1"/>
+          <p:nvPr/>
+        </p:nvSpPr>
+        <p:spPr>
+          <a:xfrm>
+            <a:off x="757451" y="2723318"/>
+            <a:ext cx="4954136" cy="3970318"/>
+          </a:xfrm>
+          <a:prstGeom prst="rect">
+            <a:avLst/>
+          </a:prstGeom>
+          <a:noFill/>
+        </p:spPr>
+        <p:txBody>
+          <a:bodyPr wrap="square">
+            <a:spAutoFit/>
+          </a:bodyPr>
+          <a:lstStyle/>
+          <a:p>
+            <a:r>
+              <a:rPr lang="en-US" dirty="0"/>
+              <a:t>import java.io.*;class </a:t>
+            </a:r>
+            <a:r>
+              <a:rPr lang="en-US" dirty="0" err="1"/>
+              <a:t>impx</a:t>
+            </a:r>
+            <a:r>
+              <a:rPr lang="en-US" dirty="0"/>
+              <a:t> implements x { // Class '</a:t>
+            </a:r>
+            <a:r>
+              <a:rPr lang="en-US" dirty="0" err="1"/>
+              <a:t>impx</a:t>
+            </a:r>
+            <a:r>
+              <a:rPr lang="en-US" dirty="0"/>
+              <a:t>' implements interface 'x'    // Implementing abstract method from the interface    public void pr() {        </a:t>
+            </a:r>
+            <a:r>
+              <a:rPr lang="en-US" dirty="0" err="1"/>
+              <a:t>System.out.println</a:t>
+            </a:r>
+            <a:r>
+              <a:rPr lang="en-US" dirty="0"/>
+              <a:t>("Hello World");    }    public static void main(String </a:t>
+            </a:r>
+            <a:r>
+              <a:rPr lang="en-US" dirty="0" err="1"/>
+              <a:t>args</a:t>
+            </a:r>
+            <a:r>
+              <a:rPr lang="en-US" dirty="0"/>
+              <a:t>[]) {        // Interface reference pointing to implementing class object        x </a:t>
+            </a:r>
+            <a:r>
+              <a:rPr lang="en-US" dirty="0" err="1"/>
+              <a:t>ob</a:t>
+            </a:r>
+            <a:r>
+              <a:rPr lang="en-US" dirty="0"/>
+              <a:t> = new </a:t>
+            </a:r>
+            <a:r>
+              <a:rPr lang="en-US" dirty="0" err="1"/>
+              <a:t>impx</a:t>
+            </a:r>
+            <a:r>
+              <a:rPr lang="en-US" dirty="0"/>
+              <a:t>();        ob.pr();    // Calling implemented method        </a:t>
+            </a:r>
+            <a:r>
+              <a:rPr lang="en-US" dirty="0" err="1"/>
+              <a:t>ob.show</a:t>
+            </a:r>
+            <a:r>
+              <a:rPr lang="en-US" dirty="0"/>
+              <a:t>();  // Calling default method from interface    }}interface x {    int p = 10;    // Abstract method    void pr();    // Default method    default void show() {        </a:t>
+            </a:r>
+            <a:r>
+              <a:rPr lang="en-US" dirty="0" err="1"/>
+              <a:t>System.out.println</a:t>
+            </a:r>
+            <a:r>
+              <a:rPr lang="en-US" dirty="0"/>
+              <a:t>("A default method in interface");    }}</a:t>
+            </a:r>
+          </a:p>
+        </p:txBody>
+      </p:sp>
     </p:spTree>
     <p:extLst>
       <p:ext uri="{BB962C8B-B14F-4D97-AF65-F5344CB8AC3E}">
@@ -46463,6 +52180,359 @@
           <a:chExt cx="0" cy="0"/>
         </a:xfrm>
       </p:grpSpPr>
+      <p:sp>
+        <p:nvSpPr>
+          <p:cNvPr id="3" name="TextBox 2">
+            <a:extLst>
+              <a:ext uri="{FF2B5EF4-FFF2-40B4-BE49-F238E27FC236}">
+                <a16:creationId xmlns:a16="http://schemas.microsoft.com/office/drawing/2014/main" id="{02316675-2C71-7030-42B8-079B56193564}"/>
+              </a:ext>
+            </a:extLst>
+          </p:cNvPr>
+          <p:cNvSpPr txBox="1"/>
+          <p:nvPr/>
+        </p:nvSpPr>
+        <p:spPr>
+          <a:xfrm>
+            <a:off x="409433" y="147844"/>
+            <a:ext cx="9239534" cy="5875968"/>
+          </a:xfrm>
+          <a:prstGeom prst="rect">
+            <a:avLst/>
+          </a:prstGeom>
+          <a:noFill/>
+        </p:spPr>
+        <p:txBody>
+          <a:bodyPr wrap="square">
+            <a:spAutoFit/>
+          </a:bodyPr>
+          <a:lstStyle/>
+          <a:p>
+            <a:pPr algn="l">
+              <a:lnSpc>
+                <a:spcPts val="2100"/>
+              </a:lnSpc>
+              <a:spcBef>
+                <a:spcPts val="2400"/>
+              </a:spcBef>
+              <a:spcAft>
+                <a:spcPts val="1800"/>
+              </a:spcAft>
+              <a:buNone/>
+            </a:pPr>
+            <a:r>
+              <a:rPr lang="en-US" b="0" i="0" dirty="0">
+                <a:solidFill>
+                  <a:srgbClr val="272C37"/>
+                </a:solidFill>
+                <a:effectLst/>
+                <a:latin typeface="Roboto" panose="02000000000000000000" pitchFamily="2" charset="0"/>
+              </a:rPr>
+              <a:t>99. What is the purpose of servlets in java?</a:t>
+            </a:r>
+          </a:p>
+          <a:p>
+            <a:pPr algn="just">
+              <a:lnSpc>
+                <a:spcPts val="2100"/>
+              </a:lnSpc>
+              <a:spcBef>
+                <a:spcPts val="1650"/>
+              </a:spcBef>
+              <a:buNone/>
+            </a:pPr>
+            <a:r>
+              <a:rPr lang="en-US" b="0" i="0" u="none" strike="noStrike" dirty="0">
+                <a:solidFill>
+                  <a:srgbClr val="0F5A9E"/>
+                </a:solidFill>
+                <a:effectLst/>
+                <a:latin typeface="Roboto" panose="02000000000000000000" pitchFamily="2" charset="0"/>
+                <a:hlinkClick r:id="rId2"/>
+              </a:rPr>
+              <a:t>Servlets</a:t>
+            </a:r>
+            <a:r>
+              <a:rPr lang="en-US" b="0" i="0" dirty="0">
+                <a:solidFill>
+                  <a:srgbClr val="3A3A3A"/>
+                </a:solidFill>
+                <a:effectLst/>
+                <a:latin typeface="Roboto" panose="02000000000000000000" pitchFamily="2" charset="0"/>
+              </a:rPr>
+              <a:t> are server-side Java programs used to create </a:t>
+            </a:r>
+            <a:r>
+              <a:rPr lang="en-US" b="0" i="0" u="none" strike="noStrike" dirty="0">
+                <a:solidFill>
+                  <a:srgbClr val="0F5A9E"/>
+                </a:solidFill>
+                <a:effectLst/>
+                <a:latin typeface="Roboto" panose="02000000000000000000" pitchFamily="2" charset="0"/>
+                <a:hlinkClick r:id="rId3"/>
+              </a:rPr>
+              <a:t>web servers</a:t>
+            </a:r>
+            <a:r>
+              <a:rPr lang="en-US" b="0" i="0" dirty="0">
+                <a:solidFill>
+                  <a:srgbClr val="3A3A3A"/>
+                </a:solidFill>
+                <a:effectLst/>
+                <a:latin typeface="Roboto" panose="02000000000000000000" pitchFamily="2" charset="0"/>
+              </a:rPr>
+              <a:t> and application servers. They can handle the incoming requests from the web clients, process them and send back responses through the web server.</a:t>
+            </a:r>
+          </a:p>
+          <a:p>
+            <a:pPr algn="just">
+              <a:lnSpc>
+                <a:spcPts val="2100"/>
+              </a:lnSpc>
+              <a:spcBef>
+                <a:spcPts val="750"/>
+              </a:spcBef>
+              <a:buNone/>
+            </a:pPr>
+            <a:r>
+              <a:rPr lang="en-US" b="0" i="0" dirty="0">
+                <a:solidFill>
+                  <a:srgbClr val="3A3A3A"/>
+                </a:solidFill>
+                <a:effectLst/>
+                <a:latin typeface="Roboto" panose="02000000000000000000" pitchFamily="2" charset="0"/>
+              </a:rPr>
+              <a:t>Several packages like </a:t>
+            </a:r>
+            <a:r>
+              <a:rPr lang="en-US" b="0" i="0" dirty="0" err="1">
+                <a:solidFill>
+                  <a:srgbClr val="3A3A3A"/>
+                </a:solidFill>
+                <a:effectLst/>
+                <a:latin typeface="Roboto" panose="02000000000000000000" pitchFamily="2" charset="0"/>
+              </a:rPr>
+              <a:t>javax.servlet</a:t>
+            </a:r>
+            <a:r>
+              <a:rPr lang="en-US" b="0" i="0" dirty="0">
+                <a:solidFill>
+                  <a:srgbClr val="3A3A3A"/>
+                </a:solidFill>
+                <a:effectLst/>
+                <a:latin typeface="Roboto" panose="02000000000000000000" pitchFamily="2" charset="0"/>
+              </a:rPr>
+              <a:t> and </a:t>
+            </a:r>
+            <a:r>
+              <a:rPr lang="en-US" b="0" i="0" dirty="0" err="1">
+                <a:solidFill>
+                  <a:srgbClr val="3A3A3A"/>
+                </a:solidFill>
+                <a:effectLst/>
+                <a:latin typeface="Roboto" panose="02000000000000000000" pitchFamily="2" charset="0"/>
+              </a:rPr>
+              <a:t>javax.servlet.http</a:t>
+            </a:r>
+            <a:r>
+              <a:rPr lang="en-US" b="0" i="0" dirty="0">
+                <a:solidFill>
+                  <a:srgbClr val="3A3A3A"/>
+                </a:solidFill>
+                <a:effectLst/>
+                <a:latin typeface="Roboto" panose="02000000000000000000" pitchFamily="2" charset="0"/>
+              </a:rPr>
+              <a:t> provide the appropriate interfaces and classes for creating servlets. All the servlets should implement the </a:t>
+            </a:r>
+            <a:r>
+              <a:rPr lang="en-US" b="0" i="0" dirty="0" err="1">
+                <a:solidFill>
+                  <a:srgbClr val="3A3A3A"/>
+                </a:solidFill>
+                <a:effectLst/>
+                <a:latin typeface="Roboto" panose="02000000000000000000" pitchFamily="2" charset="0"/>
+              </a:rPr>
+              <a:t>javax.servlet.Servlet</a:t>
+            </a:r>
+            <a:r>
+              <a:rPr lang="en-US" b="0" i="0" dirty="0">
+                <a:solidFill>
+                  <a:srgbClr val="3A3A3A"/>
+                </a:solidFill>
+                <a:effectLst/>
+                <a:latin typeface="Roboto" panose="02000000000000000000" pitchFamily="2" charset="0"/>
+              </a:rPr>
+              <a:t> interface, often by extending the </a:t>
+            </a:r>
+            <a:r>
+              <a:rPr lang="en-US" b="0" i="0" dirty="0" err="1">
+                <a:solidFill>
+                  <a:srgbClr val="3A3A3A"/>
+                </a:solidFill>
+                <a:effectLst/>
+                <a:latin typeface="Roboto" panose="02000000000000000000" pitchFamily="2" charset="0"/>
+              </a:rPr>
+              <a:t>HttpServlet</a:t>
+            </a:r>
+            <a:r>
+              <a:rPr lang="en-US" b="0" i="0" dirty="0">
+                <a:solidFill>
+                  <a:srgbClr val="3A3A3A"/>
+                </a:solidFill>
+                <a:effectLst/>
+                <a:latin typeface="Roboto" panose="02000000000000000000" pitchFamily="2" charset="0"/>
+              </a:rPr>
+              <a:t> class, which is part of the Java Servlet API.</a:t>
+            </a:r>
+          </a:p>
+          <a:p>
+            <a:pPr algn="just">
+              <a:lnSpc>
+                <a:spcPts val="2100"/>
+              </a:lnSpc>
+              <a:spcBef>
+                <a:spcPts val="750"/>
+              </a:spcBef>
+              <a:buNone/>
+            </a:pPr>
+            <a:r>
+              <a:rPr lang="en-US" b="0" i="0" dirty="0">
+                <a:solidFill>
+                  <a:srgbClr val="3A3A3A"/>
+                </a:solidFill>
+                <a:effectLst/>
+                <a:latin typeface="Roboto" panose="02000000000000000000" pitchFamily="2" charset="0"/>
+              </a:rPr>
+              <a:t>The execution of a servlet involves five distinct steps:</a:t>
+            </a:r>
+          </a:p>
+          <a:p>
+            <a:pPr algn="just">
+              <a:lnSpc>
+                <a:spcPts val="2100"/>
+              </a:lnSpc>
+              <a:spcBef>
+                <a:spcPts val="750"/>
+              </a:spcBef>
+              <a:spcAft>
+                <a:spcPts val="600"/>
+              </a:spcAft>
+              <a:buFont typeface="Arial" panose="020B0604020202020204" pitchFamily="34" charset="0"/>
+              <a:buChar char="•"/>
+            </a:pPr>
+            <a:r>
+              <a:rPr lang="en-US" b="0" i="0" dirty="0">
+                <a:solidFill>
+                  <a:srgbClr val="3A3A3A"/>
+                </a:solidFill>
+                <a:effectLst/>
+                <a:latin typeface="Roboto" panose="02000000000000000000" pitchFamily="2" charset="0"/>
+              </a:rPr>
+              <a:t>The clients initiate the request by sending it to the web server or application server.</a:t>
+            </a:r>
+          </a:p>
+          <a:p>
+            <a:pPr algn="just">
+              <a:lnSpc>
+                <a:spcPts val="2100"/>
+              </a:lnSpc>
+              <a:spcBef>
+                <a:spcPts val="750"/>
+              </a:spcBef>
+              <a:spcAft>
+                <a:spcPts val="600"/>
+              </a:spcAft>
+              <a:buFont typeface="Arial" panose="020B0604020202020204" pitchFamily="34" charset="0"/>
+              <a:buChar char="•"/>
+            </a:pPr>
+            <a:r>
+              <a:rPr lang="en-US" b="0" i="0" dirty="0">
+                <a:solidFill>
+                  <a:srgbClr val="3A3A3A"/>
+                </a:solidFill>
+                <a:effectLst/>
+                <a:latin typeface="Roboto" panose="02000000000000000000" pitchFamily="2" charset="0"/>
+              </a:rPr>
+              <a:t>The web server receives the request from the clients.</a:t>
+            </a:r>
+          </a:p>
+          <a:p>
+            <a:pPr algn="just">
+              <a:lnSpc>
+                <a:spcPts val="2100"/>
+              </a:lnSpc>
+              <a:spcBef>
+                <a:spcPts val="750"/>
+              </a:spcBef>
+              <a:spcAft>
+                <a:spcPts val="600"/>
+              </a:spcAft>
+              <a:buFont typeface="Arial" panose="020B0604020202020204" pitchFamily="34" charset="0"/>
+              <a:buChar char="•"/>
+            </a:pPr>
+            <a:r>
+              <a:rPr lang="en-US" b="0" i="0" dirty="0">
+                <a:solidFill>
+                  <a:srgbClr val="3A3A3A"/>
+                </a:solidFill>
+                <a:effectLst/>
+                <a:latin typeface="Roboto" panose="02000000000000000000" pitchFamily="2" charset="0"/>
+              </a:rPr>
+              <a:t>The servlet processes the request, carrying out the necessary computations, and generates the corresponding output.</a:t>
+            </a:r>
+          </a:p>
+          <a:p>
+            <a:pPr algn="just">
+              <a:lnSpc>
+                <a:spcPts val="2100"/>
+              </a:lnSpc>
+              <a:spcBef>
+                <a:spcPts val="750"/>
+              </a:spcBef>
+              <a:spcAft>
+                <a:spcPts val="600"/>
+              </a:spcAft>
+              <a:buFont typeface="Arial" panose="020B0604020202020204" pitchFamily="34" charset="0"/>
+              <a:buChar char="•"/>
+            </a:pPr>
+            <a:r>
+              <a:rPr lang="en-US" b="0" i="0" dirty="0">
+                <a:solidFill>
+                  <a:srgbClr val="3A3A3A"/>
+                </a:solidFill>
+                <a:effectLst/>
+                <a:latin typeface="Roboto" panose="02000000000000000000" pitchFamily="2" charset="0"/>
+              </a:rPr>
+              <a:t>Subsequently, the servlet sends the processed request back to the web server.</a:t>
+            </a:r>
+          </a:p>
+          <a:p>
+            <a:pPr algn="just">
+              <a:lnSpc>
+                <a:spcPts val="2100"/>
+              </a:lnSpc>
+              <a:spcBef>
+                <a:spcPts val="750"/>
+              </a:spcBef>
+              <a:spcAft>
+                <a:spcPts val="600"/>
+              </a:spcAft>
+              <a:buFont typeface="Arial" panose="020B0604020202020204" pitchFamily="34" charset="0"/>
+              <a:buChar char="•"/>
+            </a:pPr>
+            <a:r>
+              <a:rPr lang="en-US" b="0" i="0" dirty="0">
+                <a:solidFill>
+                  <a:srgbClr val="3A3A3A"/>
+                </a:solidFill>
+                <a:effectLst/>
+                <a:latin typeface="Roboto" panose="02000000000000000000" pitchFamily="2" charset="0"/>
+              </a:rPr>
+              <a:t>Finally, the web server dispatches the request to the clients, and the resulting output is displayed on the client’s screen or any other designated device.</a:t>
+            </a:r>
+          </a:p>
+        </p:txBody>
+      </p:sp>
     </p:spTree>
     <p:extLst>
       <p:ext uri="{BB962C8B-B14F-4D97-AF65-F5344CB8AC3E}">
@@ -46499,6 +52569,212 @@
           <a:chExt cx="0" cy="0"/>
         </a:xfrm>
       </p:grpSpPr>
+      <p:sp>
+        <p:nvSpPr>
+          <p:cNvPr id="3" name="TextBox 2">
+            <a:extLst>
+              <a:ext uri="{FF2B5EF4-FFF2-40B4-BE49-F238E27FC236}">
+                <a16:creationId xmlns:a16="http://schemas.microsoft.com/office/drawing/2014/main" id="{FB0DE2FD-B547-F1DC-14E2-6ED772772D4E}"/>
+              </a:ext>
+            </a:extLst>
+          </p:cNvPr>
+          <p:cNvSpPr txBox="1"/>
+          <p:nvPr/>
+        </p:nvSpPr>
+        <p:spPr>
+          <a:xfrm>
+            <a:off x="436728" y="90472"/>
+            <a:ext cx="9198591" cy="3990836"/>
+          </a:xfrm>
+          <a:prstGeom prst="rect">
+            <a:avLst/>
+          </a:prstGeom>
+          <a:noFill/>
+        </p:spPr>
+        <p:txBody>
+          <a:bodyPr wrap="square">
+            <a:spAutoFit/>
+          </a:bodyPr>
+          <a:lstStyle/>
+          <a:p>
+            <a:pPr algn="l">
+              <a:lnSpc>
+                <a:spcPts val="2100"/>
+              </a:lnSpc>
+              <a:spcBef>
+                <a:spcPts val="2400"/>
+              </a:spcBef>
+              <a:spcAft>
+                <a:spcPts val="1800"/>
+              </a:spcAft>
+              <a:buNone/>
+            </a:pPr>
+            <a:r>
+              <a:rPr lang="en-US" b="0" i="0" dirty="0">
+                <a:solidFill>
+                  <a:srgbClr val="272C37"/>
+                </a:solidFill>
+                <a:effectLst/>
+                <a:latin typeface="Roboto" panose="02000000000000000000" pitchFamily="2" charset="0"/>
+              </a:rPr>
+              <a:t>100. Explain the use of a Request Dispatcher in Java.</a:t>
+            </a:r>
+          </a:p>
+          <a:p>
+            <a:pPr algn="just">
+              <a:lnSpc>
+                <a:spcPts val="2100"/>
+              </a:lnSpc>
+              <a:spcBef>
+                <a:spcPts val="1650"/>
+              </a:spcBef>
+              <a:buNone/>
+            </a:pPr>
+            <a:r>
+              <a:rPr lang="en-US" b="0" i="0" dirty="0">
+                <a:solidFill>
+                  <a:srgbClr val="3A3A3A"/>
+                </a:solidFill>
+                <a:effectLst/>
+                <a:latin typeface="Roboto" panose="02000000000000000000" pitchFamily="2" charset="0"/>
+              </a:rPr>
+              <a:t>The request dispatcher serves as an interface utilized to effectively redirect requests to various resources within the application itself. These resources may include Java Server Pages (JSP), images, HTML files, or other servlets.</a:t>
+            </a:r>
+          </a:p>
+          <a:p>
+            <a:pPr algn="just">
+              <a:lnSpc>
+                <a:spcPts val="2100"/>
+              </a:lnSpc>
+              <a:spcBef>
+                <a:spcPts val="750"/>
+              </a:spcBef>
+              <a:buNone/>
+            </a:pPr>
+            <a:r>
+              <a:rPr lang="en-US" b="0" i="0" dirty="0">
+                <a:solidFill>
+                  <a:srgbClr val="3A3A3A"/>
+                </a:solidFill>
+                <a:effectLst/>
+                <a:latin typeface="Roboto" panose="02000000000000000000" pitchFamily="2" charset="0"/>
+              </a:rPr>
+              <a:t>Moreover, it facilitates the integration of responses from one servlet into another, guaranteeing that the client receives output from both servlets. Additionally, it allows for the seamless forwarding of client requests to the next servlet in the specified sequence.</a:t>
+            </a:r>
+          </a:p>
+          <a:p>
+            <a:pPr algn="just">
+              <a:lnSpc>
+                <a:spcPts val="2100"/>
+              </a:lnSpc>
+              <a:spcBef>
+                <a:spcPts val="750"/>
+              </a:spcBef>
+              <a:buNone/>
+            </a:pPr>
+            <a:r>
+              <a:rPr lang="en-US" b="0" i="0" dirty="0">
+                <a:solidFill>
+                  <a:srgbClr val="3A3A3A"/>
+                </a:solidFill>
+                <a:effectLst/>
+                <a:latin typeface="Roboto" panose="02000000000000000000" pitchFamily="2" charset="0"/>
+              </a:rPr>
+              <a:t>There are two methods defined in a </a:t>
+            </a:r>
+            <a:r>
+              <a:rPr lang="en-US" b="0" i="0" dirty="0" err="1">
+                <a:solidFill>
+                  <a:srgbClr val="3A3A3A"/>
+                </a:solidFill>
+                <a:effectLst/>
+                <a:latin typeface="Roboto" panose="02000000000000000000" pitchFamily="2" charset="0"/>
+              </a:rPr>
+              <a:t>Requestdispatcher</a:t>
+            </a:r>
+            <a:r>
+              <a:rPr lang="en-US" b="0" i="0" dirty="0">
+                <a:solidFill>
+                  <a:srgbClr val="3A3A3A"/>
+                </a:solidFill>
+                <a:effectLst/>
+                <a:latin typeface="Roboto" panose="02000000000000000000" pitchFamily="2" charset="0"/>
+              </a:rPr>
+              <a:t> interface:</a:t>
+            </a:r>
+          </a:p>
+          <a:p>
+            <a:pPr algn="just">
+              <a:lnSpc>
+                <a:spcPts val="2100"/>
+              </a:lnSpc>
+              <a:spcBef>
+                <a:spcPts val="750"/>
+              </a:spcBef>
+              <a:spcAft>
+                <a:spcPts val="600"/>
+              </a:spcAft>
+              <a:buFont typeface="Arial" panose="020B0604020202020204" pitchFamily="34" charset="0"/>
+              <a:buChar char="•"/>
+            </a:pPr>
+            <a:r>
+              <a:rPr lang="en-US" b="0" i="0" dirty="0">
+                <a:solidFill>
+                  <a:srgbClr val="3A3A3A"/>
+                </a:solidFill>
+                <a:effectLst/>
+                <a:latin typeface="Roboto" panose="02000000000000000000" pitchFamily="2" charset="0"/>
+              </a:rPr>
+              <a:t>void include(): It includes the content of the resource before sending the response.</a:t>
+            </a:r>
+          </a:p>
+          <a:p>
+            <a:pPr algn="just">
+              <a:lnSpc>
+                <a:spcPts val="2100"/>
+              </a:lnSpc>
+              <a:spcBef>
+                <a:spcPts val="750"/>
+              </a:spcBef>
+              <a:spcAft>
+                <a:spcPts val="600"/>
+              </a:spcAft>
+              <a:buFont typeface="Arial" panose="020B0604020202020204" pitchFamily="34" charset="0"/>
+              <a:buChar char="•"/>
+            </a:pPr>
+            <a:r>
+              <a:rPr lang="en-US" b="0" i="0" dirty="0">
+                <a:solidFill>
+                  <a:srgbClr val="3A3A3A"/>
+                </a:solidFill>
+                <a:effectLst/>
+                <a:latin typeface="Roboto" panose="02000000000000000000" pitchFamily="2" charset="0"/>
+              </a:rPr>
+              <a:t>void forward(): the method forwards the request from one servlet to another resource like the JSP, image, </a:t>
+            </a:r>
+            <a:r>
+              <a:rPr lang="en-US" b="0" i="0" dirty="0" err="1">
+                <a:solidFill>
+                  <a:srgbClr val="3A3A3A"/>
+                </a:solidFill>
+                <a:effectLst/>
+                <a:latin typeface="Roboto" panose="02000000000000000000" pitchFamily="2" charset="0"/>
+              </a:rPr>
+              <a:t>etc</a:t>
+            </a:r>
+            <a:r>
+              <a:rPr lang="en-US" b="0" i="0" dirty="0">
+                <a:solidFill>
+                  <a:srgbClr val="3A3A3A"/>
+                </a:solidFill>
+                <a:effectLst/>
+                <a:latin typeface="Roboto" panose="02000000000000000000" pitchFamily="2" charset="0"/>
+              </a:rPr>
+              <a:t> on the server.</a:t>
+            </a:r>
+          </a:p>
+        </p:txBody>
+      </p:sp>
     </p:spTree>
     <p:extLst>
       <p:ext uri="{BB962C8B-B14F-4D97-AF65-F5344CB8AC3E}">
@@ -46535,6 +52811,101 @@
           <a:chExt cx="0" cy="0"/>
         </a:xfrm>
       </p:grpSpPr>
+      <p:sp>
+        <p:nvSpPr>
+          <p:cNvPr id="3" name="TextBox 2">
+            <a:extLst>
+              <a:ext uri="{FF2B5EF4-FFF2-40B4-BE49-F238E27FC236}">
+                <a16:creationId xmlns:a16="http://schemas.microsoft.com/office/drawing/2014/main" id="{B479CD4B-B504-8AD4-0EA2-FDB65C4E1069}"/>
+              </a:ext>
+            </a:extLst>
+          </p:cNvPr>
+          <p:cNvSpPr txBox="1"/>
+          <p:nvPr/>
+        </p:nvSpPr>
+        <p:spPr>
+          <a:xfrm>
+            <a:off x="259308" y="249105"/>
+            <a:ext cx="6489509" cy="2798202"/>
+          </a:xfrm>
+          <a:prstGeom prst="rect">
+            <a:avLst/>
+          </a:prstGeom>
+          <a:noFill/>
+        </p:spPr>
+        <p:txBody>
+          <a:bodyPr wrap="square">
+            <a:spAutoFit/>
+          </a:bodyPr>
+          <a:lstStyle/>
+          <a:p>
+            <a:pPr algn="l">
+              <a:lnSpc>
+                <a:spcPts val="2100"/>
+              </a:lnSpc>
+              <a:spcBef>
+                <a:spcPts val="2400"/>
+              </a:spcBef>
+              <a:spcAft>
+                <a:spcPts val="1800"/>
+              </a:spcAft>
+              <a:buNone/>
+            </a:pPr>
+            <a:r>
+              <a:rPr lang="en-US" b="0" i="0" dirty="0">
+                <a:solidFill>
+                  <a:srgbClr val="272C37"/>
+                </a:solidFill>
+                <a:effectLst/>
+                <a:latin typeface="Roboto" panose="02000000000000000000" pitchFamily="2" charset="0"/>
+              </a:rPr>
+              <a:t>101. What are cookies in Servlets?</a:t>
+            </a:r>
+          </a:p>
+          <a:p>
+            <a:pPr algn="just">
+              <a:lnSpc>
+                <a:spcPts val="2100"/>
+              </a:lnSpc>
+              <a:spcBef>
+                <a:spcPts val="1650"/>
+              </a:spcBef>
+              <a:buNone/>
+            </a:pPr>
+            <a:r>
+              <a:rPr lang="en-US" b="0" i="0" dirty="0">
+                <a:solidFill>
+                  <a:srgbClr val="3A3A3A"/>
+                </a:solidFill>
+                <a:effectLst/>
+                <a:latin typeface="Roboto" panose="02000000000000000000" pitchFamily="2" charset="0"/>
+              </a:rPr>
+              <a:t>Cookies are text files which are stored on the client side (web browser) and maintain information about the state or session. They are required by servers, since HTTP protocols are stateless in nature. They help the server to know the user preferences, session information, etc.</a:t>
+            </a:r>
+          </a:p>
+          <a:p>
+            <a:pPr algn="just">
+              <a:lnSpc>
+                <a:spcPts val="2100"/>
+              </a:lnSpc>
+              <a:spcBef>
+                <a:spcPts val="750"/>
+              </a:spcBef>
+              <a:buNone/>
+            </a:pPr>
+            <a:r>
+              <a:rPr lang="en-US" b="0" i="0" dirty="0">
+                <a:solidFill>
+                  <a:srgbClr val="3A3A3A"/>
+                </a:solidFill>
+                <a:effectLst/>
+                <a:latin typeface="Roboto" panose="02000000000000000000" pitchFamily="2" charset="0"/>
+              </a:rPr>
+              <a:t>Cookies have a size limitation of 4KB. They can be cleared or disabled by the user.</a:t>
+            </a:r>
+          </a:p>
+        </p:txBody>
+      </p:sp>
     </p:spTree>
     <p:extLst>
       <p:ext uri="{BB962C8B-B14F-4D97-AF65-F5344CB8AC3E}">
@@ -46571,6 +52942,841 @@
           <a:chExt cx="0" cy="0"/>
         </a:xfrm>
       </p:grpSpPr>
+      <p:sp>
+        <p:nvSpPr>
+          <p:cNvPr id="3" name="TextBox 2">
+            <a:extLst>
+              <a:ext uri="{FF2B5EF4-FFF2-40B4-BE49-F238E27FC236}">
+                <a16:creationId xmlns:a16="http://schemas.microsoft.com/office/drawing/2014/main" id="{861A8418-E7E5-A848-4B3F-B7A05FED4978}"/>
+              </a:ext>
+            </a:extLst>
+          </p:cNvPr>
+          <p:cNvSpPr txBox="1"/>
+          <p:nvPr/>
+        </p:nvSpPr>
+        <p:spPr>
+          <a:xfrm>
+            <a:off x="211539" y="0"/>
+            <a:ext cx="9587553" cy="1079783"/>
+          </a:xfrm>
+          <a:prstGeom prst="rect">
+            <a:avLst/>
+          </a:prstGeom>
+          <a:noFill/>
+        </p:spPr>
+        <p:txBody>
+          <a:bodyPr wrap="square">
+            <a:spAutoFit/>
+          </a:bodyPr>
+          <a:lstStyle/>
+          <a:p>
+            <a:pPr algn="l">
+              <a:lnSpc>
+                <a:spcPts val="2100"/>
+              </a:lnSpc>
+              <a:spcBef>
+                <a:spcPts val="2400"/>
+              </a:spcBef>
+              <a:spcAft>
+                <a:spcPts val="1800"/>
+              </a:spcAft>
+              <a:buNone/>
+            </a:pPr>
+            <a:r>
+              <a:rPr lang="en-US" b="0" i="0" dirty="0">
+                <a:solidFill>
+                  <a:srgbClr val="272C37"/>
+                </a:solidFill>
+                <a:effectLst/>
+                <a:latin typeface="Roboto" panose="02000000000000000000" pitchFamily="2" charset="0"/>
+              </a:rPr>
+              <a:t>102. List the differences between </a:t>
+            </a:r>
+            <a:r>
+              <a:rPr lang="en-US" b="0" i="0" dirty="0" err="1">
+                <a:solidFill>
+                  <a:srgbClr val="272C37"/>
+                </a:solidFill>
+                <a:effectLst/>
+                <a:latin typeface="Roboto" panose="02000000000000000000" pitchFamily="2" charset="0"/>
+              </a:rPr>
+              <a:t>ServletContext</a:t>
+            </a:r>
+            <a:r>
+              <a:rPr lang="en-US" b="0" i="0" dirty="0">
+                <a:solidFill>
+                  <a:srgbClr val="272C37"/>
+                </a:solidFill>
+                <a:effectLst/>
+                <a:latin typeface="Roboto" panose="02000000000000000000" pitchFamily="2" charset="0"/>
+              </a:rPr>
+              <a:t> vs. </a:t>
+            </a:r>
+            <a:r>
+              <a:rPr lang="en-US" b="0" i="0" dirty="0" err="1">
+                <a:solidFill>
+                  <a:srgbClr val="272C37"/>
+                </a:solidFill>
+                <a:effectLst/>
+                <a:latin typeface="Roboto" panose="02000000000000000000" pitchFamily="2" charset="0"/>
+              </a:rPr>
+              <a:t>ServletConfig</a:t>
+            </a:r>
+            <a:r>
+              <a:rPr lang="en-US" b="0" i="0" dirty="0">
+                <a:solidFill>
+                  <a:srgbClr val="272C37"/>
+                </a:solidFill>
+                <a:effectLst/>
+                <a:latin typeface="Roboto" panose="02000000000000000000" pitchFamily="2" charset="0"/>
+              </a:rPr>
+              <a:t>.</a:t>
+            </a:r>
+          </a:p>
+          <a:p>
+            <a:pPr algn="just">
+              <a:lnSpc>
+                <a:spcPts val="2100"/>
+              </a:lnSpc>
+              <a:spcBef>
+                <a:spcPts val="1650"/>
+              </a:spcBef>
+              <a:buNone/>
+            </a:pPr>
+            <a:r>
+              <a:rPr lang="en-US" b="0" i="0" dirty="0">
+                <a:solidFill>
+                  <a:srgbClr val="3A3A3A"/>
+                </a:solidFill>
+                <a:effectLst/>
+                <a:latin typeface="Roboto" panose="02000000000000000000" pitchFamily="2" charset="0"/>
+              </a:rPr>
+              <a:t>The differences between </a:t>
+            </a:r>
+            <a:r>
+              <a:rPr lang="en-US" b="0" i="0" dirty="0" err="1">
+                <a:solidFill>
+                  <a:srgbClr val="3A3A3A"/>
+                </a:solidFill>
+                <a:effectLst/>
+                <a:latin typeface="Roboto" panose="02000000000000000000" pitchFamily="2" charset="0"/>
+              </a:rPr>
+              <a:t>ServletContext</a:t>
+            </a:r>
+            <a:r>
+              <a:rPr lang="en-US" b="0" i="0" dirty="0">
+                <a:solidFill>
+                  <a:srgbClr val="3A3A3A"/>
+                </a:solidFill>
+                <a:effectLst/>
+                <a:latin typeface="Roboto" panose="02000000000000000000" pitchFamily="2" charset="0"/>
+              </a:rPr>
+              <a:t> and </a:t>
+            </a:r>
+            <a:r>
+              <a:rPr lang="en-US" b="0" i="0" dirty="0" err="1">
+                <a:solidFill>
+                  <a:srgbClr val="3A3A3A"/>
+                </a:solidFill>
+                <a:effectLst/>
+                <a:latin typeface="Roboto" panose="02000000000000000000" pitchFamily="2" charset="0"/>
+              </a:rPr>
+              <a:t>ServletConfig</a:t>
+            </a:r>
+            <a:r>
+              <a:rPr lang="en-US" b="0" i="0" dirty="0">
+                <a:solidFill>
+                  <a:srgbClr val="3A3A3A"/>
+                </a:solidFill>
+                <a:effectLst/>
+                <a:latin typeface="Roboto" panose="02000000000000000000" pitchFamily="2" charset="0"/>
+              </a:rPr>
+              <a:t> are as follows:</a:t>
+            </a:r>
+          </a:p>
+        </p:txBody>
+      </p:sp>
+      <p:graphicFrame>
+        <p:nvGraphicFramePr>
+          <p:cNvPr id="4" name="Table 3">
+            <a:extLst>
+              <a:ext uri="{FF2B5EF4-FFF2-40B4-BE49-F238E27FC236}">
+                <a16:creationId xmlns:a16="http://schemas.microsoft.com/office/drawing/2014/main" id="{E7B89604-2E7A-9DCE-619E-AC79180A563A}"/>
+              </a:ext>
+            </a:extLst>
+          </p:cNvPr>
+          <p:cNvGraphicFramePr>
+            <a:graphicFrameLocks noGrp="1"/>
+          </p:cNvGraphicFramePr>
+          <p:nvPr>
+            <p:extLst>
+              <p:ext uri="{D42A27DB-BD31-4B8C-83A1-F6EECF244321}">
+                <p14:modId xmlns:p14="http://schemas.microsoft.com/office/powerpoint/2010/main" val="2924930760"/>
+              </p:ext>
+            </p:extLst>
+          </p:nvPr>
+        </p:nvGraphicFramePr>
+        <p:xfrm>
+          <a:off x="353492" y="1281978"/>
+          <a:ext cx="8543924" cy="3200400"/>
+        </p:xfrm>
+        <a:graphic>
+          <a:graphicData uri="http://schemas.openxmlformats.org/drawingml/2006/table">
+            <a:tbl>
+              <a:tblPr/>
+              <a:tblGrid>
+                <a:gridCol w="4271962">
+                  <a:extLst>
+                    <a:ext uri="{9D8B030D-6E8A-4147-A177-3AD203B41FA5}">
+                      <a16:colId xmlns:a16="http://schemas.microsoft.com/office/drawing/2014/main" val="1659321218"/>
+                    </a:ext>
+                  </a:extLst>
+                </a:gridCol>
+                <a:gridCol w="4271962">
+                  <a:extLst>
+                    <a:ext uri="{9D8B030D-6E8A-4147-A177-3AD203B41FA5}">
+                      <a16:colId xmlns:a16="http://schemas.microsoft.com/office/drawing/2014/main" val="4075199782"/>
+                    </a:ext>
+                  </a:extLst>
+                </a:gridCol>
+              </a:tblGrid>
+              <a:tr h="365760">
+                <a:tc>
+                  <a:txBody>
+                    <a:bodyPr/>
+                    <a:lstStyle/>
+                    <a:p>
+                      <a:pPr algn="ctr" fontAlgn="t">
+                        <a:buNone/>
+                      </a:pPr>
+                      <a:r>
+                        <a:rPr lang="en-US" sz="1800" b="0">
+                          <a:solidFill>
+                            <a:srgbClr val="FFFFFF"/>
+                          </a:solidFill>
+                          <a:effectLst/>
+                        </a:rPr>
+                        <a:t>ServletContext</a:t>
+                      </a:r>
+                      <a:endParaRPr lang="en-US" sz="1800">
+                        <a:solidFill>
+                          <a:srgbClr val="FFFFFF"/>
+                        </a:solidFill>
+                        <a:effectLst/>
+                      </a:endParaRPr>
+                    </a:p>
+                  </a:txBody>
+                  <a:tcPr>
+                    <a:lnL w="7620" cap="flat" cmpd="sng" algn="ctr">
+                      <a:solidFill>
+                        <a:srgbClr val="DEE2E6"/>
+                      </a:solidFill>
+                      <a:prstDash val="solid"/>
+                      <a:round/>
+                      <a:headEnd type="none" w="med" len="med"/>
+                      <a:tailEnd type="none" w="med" len="med"/>
+                    </a:lnL>
+                    <a:lnR w="7620" cap="flat" cmpd="sng" algn="ctr">
+                      <a:solidFill>
+                        <a:srgbClr val="DEE2E6"/>
+                      </a:solidFill>
+                      <a:prstDash val="solid"/>
+                      <a:round/>
+                      <a:headEnd type="none" w="med" len="med"/>
+                      <a:tailEnd type="none" w="med" len="med"/>
+                    </a:lnR>
+                    <a:lnT w="7620" cap="flat" cmpd="sng" algn="ctr">
+                      <a:solidFill>
+                        <a:srgbClr val="DEE2E6"/>
+                      </a:solidFill>
+                      <a:prstDash val="solid"/>
+                      <a:round/>
+                      <a:headEnd type="none" w="med" len="med"/>
+                      <a:tailEnd type="none" w="med" len="med"/>
+                    </a:lnT>
+                    <a:lnB w="7620" cap="flat" cmpd="sng" algn="ctr">
+                      <a:solidFill>
+                        <a:srgbClr val="DEE2E6"/>
+                      </a:solidFill>
+                      <a:prstDash val="solid"/>
+                      <a:round/>
+                      <a:headEnd type="none" w="med" len="med"/>
+                      <a:tailEnd type="none" w="med" len="med"/>
+                    </a:lnB>
+                    <a:solidFill>
+                      <a:srgbClr val="008DD9"/>
+                    </a:solidFill>
+                  </a:tcPr>
+                </a:tc>
+                <a:tc>
+                  <a:txBody>
+                    <a:bodyPr/>
+                    <a:lstStyle/>
+                    <a:p>
+                      <a:pPr algn="ctr" fontAlgn="t">
+                        <a:buNone/>
+                      </a:pPr>
+                      <a:r>
+                        <a:rPr lang="en-US" sz="1800" b="0">
+                          <a:solidFill>
+                            <a:srgbClr val="FFFFFF"/>
+                          </a:solidFill>
+                          <a:effectLst/>
+                        </a:rPr>
+                        <a:t>ServletConfig</a:t>
+                      </a:r>
+                      <a:endParaRPr lang="en-US" sz="1800">
+                        <a:solidFill>
+                          <a:srgbClr val="FFFFFF"/>
+                        </a:solidFill>
+                        <a:effectLst/>
+                      </a:endParaRPr>
+                    </a:p>
+                  </a:txBody>
+                  <a:tcPr>
+                    <a:lnL w="7620" cap="flat" cmpd="sng" algn="ctr">
+                      <a:solidFill>
+                        <a:srgbClr val="DEE2E6"/>
+                      </a:solidFill>
+                      <a:prstDash val="solid"/>
+                      <a:round/>
+                      <a:headEnd type="none" w="med" len="med"/>
+                      <a:tailEnd type="none" w="med" len="med"/>
+                    </a:lnL>
+                    <a:lnR w="7620" cap="flat" cmpd="sng" algn="ctr">
+                      <a:solidFill>
+                        <a:srgbClr val="DEE2E6"/>
+                      </a:solidFill>
+                      <a:prstDash val="solid"/>
+                      <a:round/>
+                      <a:headEnd type="none" w="med" len="med"/>
+                      <a:tailEnd type="none" w="med" len="med"/>
+                    </a:lnR>
+                    <a:lnT w="7620" cap="flat" cmpd="sng" algn="ctr">
+                      <a:solidFill>
+                        <a:srgbClr val="DEE2E6"/>
+                      </a:solidFill>
+                      <a:prstDash val="solid"/>
+                      <a:round/>
+                      <a:headEnd type="none" w="med" len="med"/>
+                      <a:tailEnd type="none" w="med" len="med"/>
+                    </a:lnT>
+                    <a:lnB w="7620" cap="flat" cmpd="sng" algn="ctr">
+                      <a:solidFill>
+                        <a:srgbClr val="DEE2E6"/>
+                      </a:solidFill>
+                      <a:prstDash val="solid"/>
+                      <a:round/>
+                      <a:headEnd type="none" w="med" len="med"/>
+                      <a:tailEnd type="none" w="med" len="med"/>
+                    </a:lnB>
+                    <a:solidFill>
+                      <a:srgbClr val="008DD9"/>
+                    </a:solidFill>
+                  </a:tcPr>
+                </a:tc>
+                <a:extLst>
+                  <a:ext uri="{0D108BD9-81ED-4DB2-BD59-A6C34878D82A}">
+                    <a16:rowId xmlns:a16="http://schemas.microsoft.com/office/drawing/2014/main" val="2085665097"/>
+                  </a:ext>
+                </a:extLst>
+              </a:tr>
+              <a:tr h="914400">
+                <a:tc>
+                  <a:txBody>
+                    <a:bodyPr/>
+                    <a:lstStyle/>
+                    <a:p>
+                      <a:pPr fontAlgn="t">
+                        <a:buNone/>
+                      </a:pPr>
+                      <a:r>
+                        <a:rPr lang="en-US" sz="1800">
+                          <a:effectLst/>
+                        </a:rPr>
+                        <a:t>It is a global object, which helps get information/configuration for the entire application.</a:t>
+                      </a:r>
+                    </a:p>
+                  </a:txBody>
+                  <a:tcPr>
+                    <a:lnL w="7620" cap="flat" cmpd="sng" algn="ctr">
+                      <a:solidFill>
+                        <a:srgbClr val="DEE2E6"/>
+                      </a:solidFill>
+                      <a:prstDash val="solid"/>
+                      <a:round/>
+                      <a:headEnd type="none" w="med" len="med"/>
+                      <a:tailEnd type="none" w="med" len="med"/>
+                    </a:lnL>
+                    <a:lnR w="7620" cap="flat" cmpd="sng" algn="ctr">
+                      <a:solidFill>
+                        <a:srgbClr val="DEE2E6"/>
+                      </a:solidFill>
+                      <a:prstDash val="solid"/>
+                      <a:round/>
+                      <a:headEnd type="none" w="med" len="med"/>
+                      <a:tailEnd type="none" w="med" len="med"/>
+                    </a:lnR>
+                    <a:lnT w="7620" cap="flat" cmpd="sng" algn="ctr">
+                      <a:solidFill>
+                        <a:srgbClr val="DEE2E6"/>
+                      </a:solidFill>
+                      <a:prstDash val="solid"/>
+                      <a:round/>
+                      <a:headEnd type="none" w="med" len="med"/>
+                      <a:tailEnd type="none" w="med" len="med"/>
+                    </a:lnT>
+                    <a:lnB w="7620" cap="flat" cmpd="sng" algn="ctr">
+                      <a:solidFill>
+                        <a:srgbClr val="DEE2E6"/>
+                      </a:solidFill>
+                      <a:prstDash val="solid"/>
+                      <a:round/>
+                      <a:headEnd type="none" w="med" len="med"/>
+                      <a:tailEnd type="none" w="med" len="med"/>
+                    </a:lnB>
+                    <a:solidFill>
+                      <a:srgbClr val="FFFFFF"/>
+                    </a:solidFill>
+                  </a:tcPr>
+                </a:tc>
+                <a:tc>
+                  <a:txBody>
+                    <a:bodyPr/>
+                    <a:lstStyle/>
+                    <a:p>
+                      <a:pPr fontAlgn="t">
+                        <a:buNone/>
+                      </a:pPr>
+                      <a:r>
+                        <a:rPr lang="en-US" sz="1800">
+                          <a:effectLst/>
+                        </a:rPr>
+                        <a:t>It is not global, and only valid per servlet. It is used to pass initialisation parameters valid for only a specific servlet.</a:t>
+                      </a:r>
+                    </a:p>
+                  </a:txBody>
+                  <a:tcPr>
+                    <a:lnL w="7620" cap="flat" cmpd="sng" algn="ctr">
+                      <a:solidFill>
+                        <a:srgbClr val="DEE2E6"/>
+                      </a:solidFill>
+                      <a:prstDash val="solid"/>
+                      <a:round/>
+                      <a:headEnd type="none" w="med" len="med"/>
+                      <a:tailEnd type="none" w="med" len="med"/>
+                    </a:lnL>
+                    <a:lnR w="7620" cap="flat" cmpd="sng" algn="ctr">
+                      <a:solidFill>
+                        <a:srgbClr val="DEE2E6"/>
+                      </a:solidFill>
+                      <a:prstDash val="solid"/>
+                      <a:round/>
+                      <a:headEnd type="none" w="med" len="med"/>
+                      <a:tailEnd type="none" w="med" len="med"/>
+                    </a:lnR>
+                    <a:lnT w="7620" cap="flat" cmpd="sng" algn="ctr">
+                      <a:solidFill>
+                        <a:srgbClr val="DEE2E6"/>
+                      </a:solidFill>
+                      <a:prstDash val="solid"/>
+                      <a:round/>
+                      <a:headEnd type="none" w="med" len="med"/>
+                      <a:tailEnd type="none" w="med" len="med"/>
+                    </a:lnT>
+                    <a:lnB w="7620" cap="flat" cmpd="sng" algn="ctr">
+                      <a:solidFill>
+                        <a:srgbClr val="DEE2E6"/>
+                      </a:solidFill>
+                      <a:prstDash val="solid"/>
+                      <a:round/>
+                      <a:headEnd type="none" w="med" len="med"/>
+                      <a:tailEnd type="none" w="med" len="med"/>
+                    </a:lnB>
+                    <a:solidFill>
+                      <a:srgbClr val="FFFFFF"/>
+                    </a:solidFill>
+                  </a:tcPr>
+                </a:tc>
+                <a:extLst>
+                  <a:ext uri="{0D108BD9-81ED-4DB2-BD59-A6C34878D82A}">
+                    <a16:rowId xmlns:a16="http://schemas.microsoft.com/office/drawing/2014/main" val="4179302754"/>
+                  </a:ext>
+                </a:extLst>
+              </a:tr>
+              <a:tr h="365760">
+                <a:tc>
+                  <a:txBody>
+                    <a:bodyPr/>
+                    <a:lstStyle/>
+                    <a:p>
+                      <a:pPr fontAlgn="t">
+                        <a:buNone/>
+                      </a:pPr>
+                      <a:r>
+                        <a:rPr lang="en-US" sz="1800">
+                          <a:effectLst/>
+                        </a:rPr>
+                        <a:t>Shared across all Servlets.</a:t>
+                      </a:r>
+                    </a:p>
+                  </a:txBody>
+                  <a:tcPr>
+                    <a:lnL w="7620" cap="flat" cmpd="sng" algn="ctr">
+                      <a:solidFill>
+                        <a:srgbClr val="DEE2E6"/>
+                      </a:solidFill>
+                      <a:prstDash val="solid"/>
+                      <a:round/>
+                      <a:headEnd type="none" w="med" len="med"/>
+                      <a:tailEnd type="none" w="med" len="med"/>
+                    </a:lnL>
+                    <a:lnR w="7620" cap="flat" cmpd="sng" algn="ctr">
+                      <a:solidFill>
+                        <a:srgbClr val="DEE2E6"/>
+                      </a:solidFill>
+                      <a:prstDash val="solid"/>
+                      <a:round/>
+                      <a:headEnd type="none" w="med" len="med"/>
+                      <a:tailEnd type="none" w="med" len="med"/>
+                    </a:lnR>
+                    <a:lnT w="7620" cap="flat" cmpd="sng" algn="ctr">
+                      <a:solidFill>
+                        <a:srgbClr val="DEE2E6"/>
+                      </a:solidFill>
+                      <a:prstDash val="solid"/>
+                      <a:round/>
+                      <a:headEnd type="none" w="med" len="med"/>
+                      <a:tailEnd type="none" w="med" len="med"/>
+                    </a:lnT>
+                    <a:lnB w="7620" cap="flat" cmpd="sng" algn="ctr">
+                      <a:solidFill>
+                        <a:srgbClr val="DEE2E6"/>
+                      </a:solidFill>
+                      <a:prstDash val="solid"/>
+                      <a:round/>
+                      <a:headEnd type="none" w="med" len="med"/>
+                      <a:tailEnd type="none" w="med" len="med"/>
+                    </a:lnB>
+                    <a:solidFill>
+                      <a:srgbClr val="FFFFFF"/>
+                    </a:solidFill>
+                  </a:tcPr>
+                </a:tc>
+                <a:tc>
+                  <a:txBody>
+                    <a:bodyPr/>
+                    <a:lstStyle/>
+                    <a:p>
+                      <a:pPr fontAlgn="t">
+                        <a:buNone/>
+                      </a:pPr>
+                      <a:r>
+                        <a:rPr lang="en-US" sz="1800">
+                          <a:effectLst/>
+                        </a:rPr>
+                        <a:t>Limited to a single servlet.</a:t>
+                      </a:r>
+                    </a:p>
+                  </a:txBody>
+                  <a:tcPr>
+                    <a:lnL w="7620" cap="flat" cmpd="sng" algn="ctr">
+                      <a:solidFill>
+                        <a:srgbClr val="DEE2E6"/>
+                      </a:solidFill>
+                      <a:prstDash val="solid"/>
+                      <a:round/>
+                      <a:headEnd type="none" w="med" len="med"/>
+                      <a:tailEnd type="none" w="med" len="med"/>
+                    </a:lnL>
+                    <a:lnR w="7620" cap="flat" cmpd="sng" algn="ctr">
+                      <a:solidFill>
+                        <a:srgbClr val="DEE2E6"/>
+                      </a:solidFill>
+                      <a:prstDash val="solid"/>
+                      <a:round/>
+                      <a:headEnd type="none" w="med" len="med"/>
+                      <a:tailEnd type="none" w="med" len="med"/>
+                    </a:lnR>
+                    <a:lnT w="7620" cap="flat" cmpd="sng" algn="ctr">
+                      <a:solidFill>
+                        <a:srgbClr val="DEE2E6"/>
+                      </a:solidFill>
+                      <a:prstDash val="solid"/>
+                      <a:round/>
+                      <a:headEnd type="none" w="med" len="med"/>
+                      <a:tailEnd type="none" w="med" len="med"/>
+                    </a:lnT>
+                    <a:lnB w="7620" cap="flat" cmpd="sng" algn="ctr">
+                      <a:solidFill>
+                        <a:srgbClr val="DEE2E6"/>
+                      </a:solidFill>
+                      <a:prstDash val="solid"/>
+                      <a:round/>
+                      <a:headEnd type="none" w="med" len="med"/>
+                      <a:tailEnd type="none" w="med" len="med"/>
+                    </a:lnB>
+                    <a:solidFill>
+                      <a:srgbClr val="FFFFFF"/>
+                    </a:solidFill>
+                  </a:tcPr>
+                </a:tc>
+                <a:extLst>
+                  <a:ext uri="{0D108BD9-81ED-4DB2-BD59-A6C34878D82A}">
+                    <a16:rowId xmlns:a16="http://schemas.microsoft.com/office/drawing/2014/main" val="1638975065"/>
+                  </a:ext>
+                </a:extLst>
+              </a:tr>
+              <a:tr h="640080">
+                <a:tc>
+                  <a:txBody>
+                    <a:bodyPr/>
+                    <a:lstStyle/>
+                    <a:p>
+                      <a:pPr fontAlgn="t">
+                        <a:buNone/>
+                      </a:pPr>
+                      <a:r>
+                        <a:rPr lang="en-US" sz="1800">
+                          <a:effectLst/>
+                        </a:rPr>
+                        <a:t>Typically only one ServletContext per web application.</a:t>
+                      </a:r>
+                    </a:p>
+                  </a:txBody>
+                  <a:tcPr>
+                    <a:lnL w="7620" cap="flat" cmpd="sng" algn="ctr">
+                      <a:solidFill>
+                        <a:srgbClr val="DEE2E6"/>
+                      </a:solidFill>
+                      <a:prstDash val="solid"/>
+                      <a:round/>
+                      <a:headEnd type="none" w="med" len="med"/>
+                      <a:tailEnd type="none" w="med" len="med"/>
+                    </a:lnL>
+                    <a:lnR w="7620" cap="flat" cmpd="sng" algn="ctr">
+                      <a:solidFill>
+                        <a:srgbClr val="DEE2E6"/>
+                      </a:solidFill>
+                      <a:prstDash val="solid"/>
+                      <a:round/>
+                      <a:headEnd type="none" w="med" len="med"/>
+                      <a:tailEnd type="none" w="med" len="med"/>
+                    </a:lnR>
+                    <a:lnT w="7620" cap="flat" cmpd="sng" algn="ctr">
+                      <a:solidFill>
+                        <a:srgbClr val="DEE2E6"/>
+                      </a:solidFill>
+                      <a:prstDash val="solid"/>
+                      <a:round/>
+                      <a:headEnd type="none" w="med" len="med"/>
+                      <a:tailEnd type="none" w="med" len="med"/>
+                    </a:lnT>
+                    <a:lnB w="7620" cap="flat" cmpd="sng" algn="ctr">
+                      <a:solidFill>
+                        <a:srgbClr val="DEE2E6"/>
+                      </a:solidFill>
+                      <a:prstDash val="solid"/>
+                      <a:round/>
+                      <a:headEnd type="none" w="med" len="med"/>
+                      <a:tailEnd type="none" w="med" len="med"/>
+                    </a:lnB>
+                    <a:solidFill>
+                      <a:srgbClr val="FFFFFF"/>
+                    </a:solidFill>
+                  </a:tcPr>
+                </a:tc>
+                <a:tc>
+                  <a:txBody>
+                    <a:bodyPr/>
+                    <a:lstStyle/>
+                    <a:p>
+                      <a:pPr fontAlgn="t">
+                        <a:buNone/>
+                      </a:pPr>
+                      <a:r>
+                        <a:rPr lang="en-US" sz="1800">
+                          <a:effectLst/>
+                        </a:rPr>
+                        <a:t>Only one ServletConfig per servlet.</a:t>
+                      </a:r>
+                    </a:p>
+                  </a:txBody>
+                  <a:tcPr>
+                    <a:lnL w="7620" cap="flat" cmpd="sng" algn="ctr">
+                      <a:solidFill>
+                        <a:srgbClr val="DEE2E6"/>
+                      </a:solidFill>
+                      <a:prstDash val="solid"/>
+                      <a:round/>
+                      <a:headEnd type="none" w="med" len="med"/>
+                      <a:tailEnd type="none" w="med" len="med"/>
+                    </a:lnL>
+                    <a:lnR w="7620" cap="flat" cmpd="sng" algn="ctr">
+                      <a:solidFill>
+                        <a:srgbClr val="DEE2E6"/>
+                      </a:solidFill>
+                      <a:prstDash val="solid"/>
+                      <a:round/>
+                      <a:headEnd type="none" w="med" len="med"/>
+                      <a:tailEnd type="none" w="med" len="med"/>
+                    </a:lnR>
+                    <a:lnT w="7620" cap="flat" cmpd="sng" algn="ctr">
+                      <a:solidFill>
+                        <a:srgbClr val="DEE2E6"/>
+                      </a:solidFill>
+                      <a:prstDash val="solid"/>
+                      <a:round/>
+                      <a:headEnd type="none" w="med" len="med"/>
+                      <a:tailEnd type="none" w="med" len="med"/>
+                    </a:lnT>
+                    <a:lnB w="7620" cap="flat" cmpd="sng" algn="ctr">
+                      <a:solidFill>
+                        <a:srgbClr val="DEE2E6"/>
+                      </a:solidFill>
+                      <a:prstDash val="solid"/>
+                      <a:round/>
+                      <a:headEnd type="none" w="med" len="med"/>
+                      <a:tailEnd type="none" w="med" len="med"/>
+                    </a:lnB>
+                    <a:solidFill>
+                      <a:srgbClr val="FFFFFF"/>
+                    </a:solidFill>
+                  </a:tcPr>
+                </a:tc>
+                <a:extLst>
+                  <a:ext uri="{0D108BD9-81ED-4DB2-BD59-A6C34878D82A}">
+                    <a16:rowId xmlns:a16="http://schemas.microsoft.com/office/drawing/2014/main" val="2253095703"/>
+                  </a:ext>
+                </a:extLst>
+              </a:tr>
+              <a:tr h="914400">
+                <a:tc>
+                  <a:txBody>
+                    <a:bodyPr/>
+                    <a:lstStyle/>
+                    <a:p>
+                      <a:pPr fontAlgn="t">
+                        <a:buNone/>
+                      </a:pPr>
+                      <a:r>
+                        <a:rPr lang="en-US" sz="1800">
+                          <a:effectLst/>
+                        </a:rPr>
+                        <a:t>It is used for global level parameters such as database config or global settings which many servlets want to share.</a:t>
+                      </a:r>
+                    </a:p>
+                  </a:txBody>
+                  <a:tcPr>
+                    <a:lnL w="7620" cap="flat" cmpd="sng" algn="ctr">
+                      <a:solidFill>
+                        <a:srgbClr val="DEE2E6"/>
+                      </a:solidFill>
+                      <a:prstDash val="solid"/>
+                      <a:round/>
+                      <a:headEnd type="none" w="med" len="med"/>
+                      <a:tailEnd type="none" w="med" len="med"/>
+                    </a:lnL>
+                    <a:lnR w="7620" cap="flat" cmpd="sng" algn="ctr">
+                      <a:solidFill>
+                        <a:srgbClr val="DEE2E6"/>
+                      </a:solidFill>
+                      <a:prstDash val="solid"/>
+                      <a:round/>
+                      <a:headEnd type="none" w="med" len="med"/>
+                      <a:tailEnd type="none" w="med" len="med"/>
+                    </a:lnR>
+                    <a:lnT w="7620" cap="flat" cmpd="sng" algn="ctr">
+                      <a:solidFill>
+                        <a:srgbClr val="DEE2E6"/>
+                      </a:solidFill>
+                      <a:prstDash val="solid"/>
+                      <a:round/>
+                      <a:headEnd type="none" w="med" len="med"/>
+                      <a:tailEnd type="none" w="med" len="med"/>
+                    </a:lnT>
+                    <a:lnB w="7620" cap="flat" cmpd="sng" algn="ctr">
+                      <a:solidFill>
+                        <a:srgbClr val="DEE2E6"/>
+                      </a:solidFill>
+                      <a:prstDash val="solid"/>
+                      <a:round/>
+                      <a:headEnd type="none" w="med" len="med"/>
+                      <a:tailEnd type="none" w="med" len="med"/>
+                    </a:lnB>
+                    <a:solidFill>
+                      <a:srgbClr val="FFFFFF"/>
+                    </a:solidFill>
+                  </a:tcPr>
+                </a:tc>
+                <a:tc>
+                  <a:txBody>
+                    <a:bodyPr/>
+                    <a:lstStyle/>
+                    <a:p>
+                      <a:pPr fontAlgn="t">
+                        <a:buNone/>
+                      </a:pPr>
+                      <a:r>
+                        <a:rPr lang="en-US" sz="1800" dirty="0">
+                          <a:effectLst/>
+                        </a:rPr>
+                        <a:t>Used for servlet level parameters, which has to be used on that specific servlet..</a:t>
+                      </a:r>
+                    </a:p>
+                  </a:txBody>
+                  <a:tcPr>
+                    <a:lnL w="7620" cap="flat" cmpd="sng" algn="ctr">
+                      <a:solidFill>
+                        <a:srgbClr val="DEE2E6"/>
+                      </a:solidFill>
+                      <a:prstDash val="solid"/>
+                      <a:round/>
+                      <a:headEnd type="none" w="med" len="med"/>
+                      <a:tailEnd type="none" w="med" len="med"/>
+                    </a:lnL>
+                    <a:lnR w="7620" cap="flat" cmpd="sng" algn="ctr">
+                      <a:solidFill>
+                        <a:srgbClr val="DEE2E6"/>
+                      </a:solidFill>
+                      <a:prstDash val="solid"/>
+                      <a:round/>
+                      <a:headEnd type="none" w="med" len="med"/>
+                      <a:tailEnd type="none" w="med" len="med"/>
+                    </a:lnR>
+                    <a:lnT w="7620" cap="flat" cmpd="sng" algn="ctr">
+                      <a:solidFill>
+                        <a:srgbClr val="DEE2E6"/>
+                      </a:solidFill>
+                      <a:prstDash val="solid"/>
+                      <a:round/>
+                      <a:headEnd type="none" w="med" len="med"/>
+                      <a:tailEnd type="none" w="med" len="med"/>
+                    </a:lnT>
+                    <a:lnB w="7620" cap="flat" cmpd="sng" algn="ctr">
+                      <a:solidFill>
+                        <a:srgbClr val="DEE2E6"/>
+                      </a:solidFill>
+                      <a:prstDash val="solid"/>
+                      <a:round/>
+                      <a:headEnd type="none" w="med" len="med"/>
+                      <a:tailEnd type="none" w="med" len="med"/>
+                    </a:lnB>
+                    <a:solidFill>
+                      <a:srgbClr val="FFFFFF"/>
+                    </a:solidFill>
+                  </a:tcPr>
+                </a:tc>
+                <a:extLst>
+                  <a:ext uri="{0D108BD9-81ED-4DB2-BD59-A6C34878D82A}">
+                    <a16:rowId xmlns:a16="http://schemas.microsoft.com/office/drawing/2014/main" val="1492316025"/>
+                  </a:ext>
+                </a:extLst>
+              </a:tr>
+            </a:tbl>
+          </a:graphicData>
+        </a:graphic>
+      </p:graphicFrame>
     </p:spTree>
     <p:extLst>
       <p:ext uri="{BB962C8B-B14F-4D97-AF65-F5344CB8AC3E}">
@@ -46607,6 +53813,247 @@
           <a:chExt cx="0" cy="0"/>
         </a:xfrm>
       </p:grpSpPr>
+      <p:sp>
+        <p:nvSpPr>
+          <p:cNvPr id="3" name="TextBox 2">
+            <a:extLst>
+              <a:ext uri="{FF2B5EF4-FFF2-40B4-BE49-F238E27FC236}">
+                <a16:creationId xmlns:a16="http://schemas.microsoft.com/office/drawing/2014/main" id="{21F1FDF6-B025-16A0-9E32-2D7BE98B7E3E}"/>
+              </a:ext>
+            </a:extLst>
+          </p:cNvPr>
+          <p:cNvSpPr txBox="1"/>
+          <p:nvPr/>
+        </p:nvSpPr>
+        <p:spPr>
+          <a:xfrm>
+            <a:off x="409432" y="331367"/>
+            <a:ext cx="9307773" cy="4593565"/>
+          </a:xfrm>
+          <a:prstGeom prst="rect">
+            <a:avLst/>
+          </a:prstGeom>
+          <a:noFill/>
+        </p:spPr>
+        <p:txBody>
+          <a:bodyPr wrap="square">
+            <a:spAutoFit/>
+          </a:bodyPr>
+          <a:lstStyle/>
+          <a:p>
+            <a:pPr algn="l">
+              <a:lnSpc>
+                <a:spcPts val="2100"/>
+              </a:lnSpc>
+              <a:spcBef>
+                <a:spcPts val="2400"/>
+              </a:spcBef>
+              <a:spcAft>
+                <a:spcPts val="1800"/>
+              </a:spcAft>
+              <a:buNone/>
+            </a:pPr>
+            <a:r>
+              <a:rPr lang="en-US" b="0" i="0" dirty="0">
+                <a:solidFill>
+                  <a:srgbClr val="272C37"/>
+                </a:solidFill>
+                <a:effectLst/>
+                <a:latin typeface="Roboto" panose="02000000000000000000" pitchFamily="2" charset="0"/>
+              </a:rPr>
+              <a:t>103. What is a thread lifecycle in Java?</a:t>
+            </a:r>
+          </a:p>
+          <a:p>
+            <a:pPr algn="just">
+              <a:lnSpc>
+                <a:spcPts val="2100"/>
+              </a:lnSpc>
+              <a:spcBef>
+                <a:spcPts val="1650"/>
+              </a:spcBef>
+              <a:buNone/>
+            </a:pPr>
+            <a:r>
+              <a:rPr lang="en-US" b="0" i="0" dirty="0">
+                <a:solidFill>
+                  <a:srgbClr val="3A3A3A"/>
+                </a:solidFill>
+                <a:effectLst/>
+                <a:latin typeface="Roboto" panose="02000000000000000000" pitchFamily="2" charset="0"/>
+              </a:rPr>
+              <a:t>There are 5 states in a </a:t>
+            </a:r>
+            <a:r>
+              <a:rPr lang="en-US" b="0" i="0" u="none" strike="noStrike" dirty="0">
+                <a:solidFill>
+                  <a:srgbClr val="0F5A9E"/>
+                </a:solidFill>
+                <a:effectLst/>
+                <a:latin typeface="Roboto" panose="02000000000000000000" pitchFamily="2" charset="0"/>
+                <a:hlinkClick r:id="rId2"/>
+              </a:rPr>
+              <a:t>thread lifecycle</a:t>
+            </a:r>
+            <a:r>
+              <a:rPr lang="en-US" b="0" i="0" dirty="0">
+                <a:solidFill>
+                  <a:srgbClr val="3A3A3A"/>
+                </a:solidFill>
+                <a:effectLst/>
+                <a:latin typeface="Roboto" panose="02000000000000000000" pitchFamily="2" charset="0"/>
+              </a:rPr>
+              <a:t>, let’s understand each one of them:</a:t>
+            </a:r>
+          </a:p>
+          <a:p>
+            <a:pPr algn="just">
+              <a:lnSpc>
+                <a:spcPts val="2100"/>
+              </a:lnSpc>
+              <a:spcBef>
+                <a:spcPts val="750"/>
+              </a:spcBef>
+              <a:spcAft>
+                <a:spcPts val="600"/>
+              </a:spcAft>
+              <a:buFont typeface="Arial" panose="020B0604020202020204" pitchFamily="34" charset="0"/>
+              <a:buChar char="•"/>
+            </a:pPr>
+            <a:r>
+              <a:rPr lang="en-US" b="0" i="0" dirty="0">
+                <a:solidFill>
+                  <a:srgbClr val="3A3A3A"/>
+                </a:solidFill>
+                <a:effectLst/>
+                <a:latin typeface="Roboto" panose="02000000000000000000" pitchFamily="2" charset="0"/>
+              </a:rPr>
+              <a:t>New: The </a:t>
+            </a:r>
+            <a:r>
+              <a:rPr lang="en-US" b="0" i="0" u="none" strike="noStrike" dirty="0">
+                <a:solidFill>
+                  <a:srgbClr val="0F5A9E"/>
+                </a:solidFill>
+                <a:effectLst/>
+                <a:latin typeface="Roboto" panose="02000000000000000000" pitchFamily="2" charset="0"/>
+                <a:hlinkClick r:id="rId3"/>
+              </a:rPr>
+              <a:t>thread</a:t>
+            </a:r>
+            <a:r>
+              <a:rPr lang="en-US" b="0" i="0" dirty="0">
+                <a:solidFill>
+                  <a:srgbClr val="3A3A3A"/>
+                </a:solidFill>
+                <a:effectLst/>
+                <a:latin typeface="Roboto" panose="02000000000000000000" pitchFamily="2" charset="0"/>
+              </a:rPr>
+              <a:t> lies in the new state after it has been created. It remains in the new state until you start the execution process.</a:t>
+            </a:r>
+          </a:p>
+          <a:p>
+            <a:pPr algn="just">
+              <a:lnSpc>
+                <a:spcPts val="2100"/>
+              </a:lnSpc>
+              <a:spcBef>
+                <a:spcPts val="750"/>
+              </a:spcBef>
+              <a:spcAft>
+                <a:spcPts val="600"/>
+              </a:spcAft>
+              <a:buFont typeface="Arial" panose="020B0604020202020204" pitchFamily="34" charset="0"/>
+              <a:buChar char="•"/>
+            </a:pPr>
+            <a:r>
+              <a:rPr lang="en-US" b="0" i="0" dirty="0">
+                <a:solidFill>
+                  <a:srgbClr val="3A3A3A"/>
+                </a:solidFill>
+                <a:effectLst/>
+                <a:latin typeface="Roboto" panose="02000000000000000000" pitchFamily="2" charset="0"/>
+              </a:rPr>
+              <a:t>Runnable: At runnable state, the thread is ready to run at any point in time or it might have started running already.</a:t>
+            </a:r>
+          </a:p>
+          <a:p>
+            <a:pPr algn="just">
+              <a:lnSpc>
+                <a:spcPts val="2100"/>
+              </a:lnSpc>
+              <a:spcBef>
+                <a:spcPts val="750"/>
+              </a:spcBef>
+              <a:spcAft>
+                <a:spcPts val="600"/>
+              </a:spcAft>
+              <a:buFont typeface="Arial" panose="020B0604020202020204" pitchFamily="34" charset="0"/>
+              <a:buChar char="•"/>
+            </a:pPr>
+            <a:r>
+              <a:rPr lang="en-US" b="0" i="0" dirty="0">
+                <a:solidFill>
+                  <a:srgbClr val="3A3A3A"/>
+                </a:solidFill>
+                <a:effectLst/>
+                <a:latin typeface="Roboto" panose="02000000000000000000" pitchFamily="2" charset="0"/>
+              </a:rPr>
+              <a:t>Running: The scheduler picks up the thread and changes its state to running, the CPU starts executing the thread in the running state.</a:t>
+            </a:r>
+          </a:p>
+          <a:p>
+            <a:pPr algn="just">
+              <a:lnSpc>
+                <a:spcPts val="2100"/>
+              </a:lnSpc>
+              <a:spcBef>
+                <a:spcPts val="750"/>
+              </a:spcBef>
+              <a:spcAft>
+                <a:spcPts val="600"/>
+              </a:spcAft>
+              <a:buFont typeface="Arial" panose="020B0604020202020204" pitchFamily="34" charset="0"/>
+              <a:buChar char="•"/>
+            </a:pPr>
+            <a:r>
+              <a:rPr lang="en-US" b="0" i="0" dirty="0">
+                <a:solidFill>
+                  <a:srgbClr val="3A3A3A"/>
+                </a:solidFill>
+                <a:effectLst/>
+                <a:latin typeface="Roboto" panose="02000000000000000000" pitchFamily="2" charset="0"/>
+              </a:rPr>
+              <a:t>Waiting: While being ready to execute, another thread might be running in the system. So, the thread goes to the waiting state.</a:t>
+            </a:r>
+          </a:p>
+          <a:p>
+            <a:pPr algn="just">
+              <a:lnSpc>
+                <a:spcPts val="2100"/>
+              </a:lnSpc>
+              <a:spcBef>
+                <a:spcPts val="750"/>
+              </a:spcBef>
+              <a:spcAft>
+                <a:spcPts val="600"/>
+              </a:spcAft>
+              <a:buFont typeface="Arial" panose="020B0604020202020204" pitchFamily="34" charset="0"/>
+              <a:buChar char="•"/>
+            </a:pPr>
+            <a:r>
+              <a:rPr lang="en-US" b="0" i="0" dirty="0">
+                <a:solidFill>
+                  <a:srgbClr val="3A3A3A"/>
+                </a:solidFill>
+                <a:effectLst/>
+                <a:latin typeface="Roboto" panose="02000000000000000000" pitchFamily="2" charset="0"/>
+              </a:rPr>
+              <a:t>Dead: Once the execution of the thread is finished, its state is changed to the dead state, which means it’s not considered active anymore.</a:t>
+            </a:r>
+          </a:p>
+        </p:txBody>
+      </p:sp>
     </p:spTree>
     <p:extLst>
       <p:ext uri="{BB962C8B-B14F-4D97-AF65-F5344CB8AC3E}">
@@ -46643,6 +54090,445 @@
           <a:chExt cx="0" cy="0"/>
         </a:xfrm>
       </p:grpSpPr>
+      <p:sp>
+        <p:nvSpPr>
+          <p:cNvPr id="3" name="TextBox 2">
+            <a:extLst>
+              <a:ext uri="{FF2B5EF4-FFF2-40B4-BE49-F238E27FC236}">
+                <a16:creationId xmlns:a16="http://schemas.microsoft.com/office/drawing/2014/main" id="{00655678-1A25-CD94-F0FB-9DCDBF28003B}"/>
+              </a:ext>
+            </a:extLst>
+          </p:cNvPr>
+          <p:cNvSpPr txBox="1"/>
+          <p:nvPr/>
+        </p:nvSpPr>
+        <p:spPr>
+          <a:xfrm>
+            <a:off x="177421" y="0"/>
+            <a:ext cx="9551158" cy="7594387"/>
+          </a:xfrm>
+          <a:prstGeom prst="rect">
+            <a:avLst/>
+          </a:prstGeom>
+          <a:noFill/>
+        </p:spPr>
+        <p:txBody>
+          <a:bodyPr wrap="square">
+            <a:spAutoFit/>
+          </a:bodyPr>
+          <a:lstStyle/>
+          <a:p>
+            <a:pPr algn="l">
+              <a:lnSpc>
+                <a:spcPts val="2100"/>
+              </a:lnSpc>
+              <a:spcBef>
+                <a:spcPts val="2400"/>
+              </a:spcBef>
+              <a:spcAft>
+                <a:spcPts val="1800"/>
+              </a:spcAft>
+              <a:buNone/>
+            </a:pPr>
+            <a:r>
+              <a:rPr lang="en-US" b="0" i="0" dirty="0">
+                <a:solidFill>
+                  <a:srgbClr val="272C37"/>
+                </a:solidFill>
+                <a:effectLst/>
+                <a:latin typeface="Roboto" panose="02000000000000000000" pitchFamily="2" charset="0"/>
+              </a:rPr>
+              <a:t>104. What are the different types of Exceptions in Java.</a:t>
+            </a:r>
+          </a:p>
+          <a:p>
+            <a:pPr algn="just">
+              <a:lnSpc>
+                <a:spcPts val="2100"/>
+              </a:lnSpc>
+              <a:spcBef>
+                <a:spcPts val="1650"/>
+              </a:spcBef>
+              <a:buNone/>
+            </a:pPr>
+            <a:r>
+              <a:rPr lang="en-US" b="0" i="0" dirty="0">
+                <a:solidFill>
+                  <a:srgbClr val="3A3A3A"/>
+                </a:solidFill>
+                <a:effectLst/>
+                <a:latin typeface="Roboto" panose="02000000000000000000" pitchFamily="2" charset="0"/>
+              </a:rPr>
+              <a:t>There are two types of Exceptions in Java Programming:</a:t>
+            </a:r>
+          </a:p>
+          <a:p>
+            <a:pPr algn="just">
+              <a:lnSpc>
+                <a:spcPts val="2100"/>
+              </a:lnSpc>
+              <a:spcBef>
+                <a:spcPts val="750"/>
+              </a:spcBef>
+              <a:spcAft>
+                <a:spcPts val="600"/>
+              </a:spcAft>
+              <a:buFont typeface="Arial" panose="020B0604020202020204" pitchFamily="34" charset="0"/>
+              <a:buChar char="•"/>
+            </a:pPr>
+            <a:r>
+              <a:rPr lang="en-US" b="0" i="0" dirty="0">
+                <a:solidFill>
+                  <a:srgbClr val="3A3A3A"/>
+                </a:solidFill>
+                <a:effectLst/>
+                <a:latin typeface="Roboto" panose="02000000000000000000" pitchFamily="2" charset="0"/>
+              </a:rPr>
+              <a:t>Built-in Exception: These exceptions are the exceptions available in the standard package of java lang. They are used for certain errors with specific exceptions as mentioned below:</a:t>
+            </a:r>
+          </a:p>
+          <a:p>
+            <a:pPr marL="742950" lvl="1" indent="-285750" algn="just">
+              <a:lnSpc>
+                <a:spcPts val="2100"/>
+              </a:lnSpc>
+              <a:spcBef>
+                <a:spcPts val="600"/>
+              </a:spcBef>
+              <a:spcAft>
+                <a:spcPts val="600"/>
+              </a:spcAft>
+              <a:buFont typeface="Arial" panose="020B0604020202020204" pitchFamily="34" charset="0"/>
+              <a:buChar char="•"/>
+            </a:pPr>
+            <a:r>
+              <a:rPr lang="en-US" b="0" i="0" dirty="0" err="1">
+                <a:solidFill>
+                  <a:srgbClr val="3A3A3A"/>
+                </a:solidFill>
+                <a:effectLst/>
+                <a:latin typeface="Roboto" panose="02000000000000000000" pitchFamily="2" charset="0"/>
+              </a:rPr>
+              <a:t>ArithmeticException</a:t>
+            </a:r>
+            <a:r>
+              <a:rPr lang="en-US" b="0" i="0" dirty="0">
+                <a:solidFill>
+                  <a:srgbClr val="3A3A3A"/>
+                </a:solidFill>
+                <a:effectLst/>
+                <a:latin typeface="Roboto" panose="02000000000000000000" pitchFamily="2" charset="0"/>
+              </a:rPr>
+              <a:t>: thrown for the errors related to the arithmetic operations.</a:t>
+            </a:r>
+          </a:p>
+          <a:p>
+            <a:pPr marL="742950" lvl="1" indent="-285750" algn="just">
+              <a:lnSpc>
+                <a:spcPts val="2100"/>
+              </a:lnSpc>
+              <a:spcBef>
+                <a:spcPts val="600"/>
+              </a:spcBef>
+              <a:spcAft>
+                <a:spcPts val="600"/>
+              </a:spcAft>
+              <a:buFont typeface="Arial" panose="020B0604020202020204" pitchFamily="34" charset="0"/>
+              <a:buChar char="•"/>
+            </a:pPr>
+            <a:r>
+              <a:rPr lang="en-US" b="0" i="0" dirty="0" err="1">
+                <a:solidFill>
+                  <a:srgbClr val="3A3A3A"/>
+                </a:solidFill>
+                <a:effectLst/>
+                <a:latin typeface="Roboto" panose="02000000000000000000" pitchFamily="2" charset="0"/>
+              </a:rPr>
+              <a:t>IOException</a:t>
+            </a:r>
+            <a:r>
+              <a:rPr lang="en-US" b="0" i="0" dirty="0">
+                <a:solidFill>
+                  <a:srgbClr val="3A3A3A"/>
+                </a:solidFill>
+                <a:effectLst/>
+                <a:latin typeface="Roboto" panose="02000000000000000000" pitchFamily="2" charset="0"/>
+              </a:rPr>
+              <a:t>: thrown for failed input-output operations.</a:t>
+            </a:r>
+          </a:p>
+          <a:p>
+            <a:pPr marL="742950" lvl="1" indent="-285750" algn="just">
+              <a:lnSpc>
+                <a:spcPts val="2100"/>
+              </a:lnSpc>
+              <a:spcBef>
+                <a:spcPts val="600"/>
+              </a:spcBef>
+              <a:spcAft>
+                <a:spcPts val="600"/>
+              </a:spcAft>
+              <a:buFont typeface="Arial" panose="020B0604020202020204" pitchFamily="34" charset="0"/>
+              <a:buChar char="•"/>
+            </a:pPr>
+            <a:r>
+              <a:rPr lang="en-US" b="0" i="0" dirty="0" err="1">
+                <a:solidFill>
+                  <a:srgbClr val="3A3A3A"/>
+                </a:solidFill>
+                <a:effectLst/>
+                <a:latin typeface="Roboto" panose="02000000000000000000" pitchFamily="2" charset="0"/>
+              </a:rPr>
+              <a:t>FileNotFoundException</a:t>
+            </a:r>
+            <a:r>
+              <a:rPr lang="en-US" b="0" i="0" dirty="0">
+                <a:solidFill>
+                  <a:srgbClr val="3A3A3A"/>
+                </a:solidFill>
+                <a:effectLst/>
+                <a:latin typeface="Roboto" panose="02000000000000000000" pitchFamily="2" charset="0"/>
+              </a:rPr>
+              <a:t>: raised when the file is not accessible or does not exist.</a:t>
+            </a:r>
+          </a:p>
+          <a:p>
+            <a:pPr marL="742950" lvl="1" indent="-285750" algn="just">
+              <a:lnSpc>
+                <a:spcPts val="2100"/>
+              </a:lnSpc>
+              <a:spcBef>
+                <a:spcPts val="600"/>
+              </a:spcBef>
+              <a:spcAft>
+                <a:spcPts val="600"/>
+              </a:spcAft>
+              <a:buFont typeface="Arial" panose="020B0604020202020204" pitchFamily="34" charset="0"/>
+              <a:buChar char="•"/>
+            </a:pPr>
+            <a:r>
+              <a:rPr lang="en-US" b="0" i="0" dirty="0" err="1">
+                <a:solidFill>
+                  <a:srgbClr val="3A3A3A"/>
+                </a:solidFill>
+                <a:effectLst/>
+                <a:latin typeface="Roboto" panose="02000000000000000000" pitchFamily="2" charset="0"/>
+              </a:rPr>
+              <a:t>ClassNotFoundException</a:t>
+            </a:r>
+            <a:r>
+              <a:rPr lang="en-US" b="0" i="0" dirty="0">
+                <a:solidFill>
+                  <a:srgbClr val="3A3A3A"/>
+                </a:solidFill>
+                <a:effectLst/>
+                <a:latin typeface="Roboto" panose="02000000000000000000" pitchFamily="2" charset="0"/>
+              </a:rPr>
+              <a:t>: exception is raised when the compiler is unable to find the class definition.</a:t>
+            </a:r>
+          </a:p>
+          <a:p>
+            <a:pPr marL="742950" lvl="1" indent="-285750" algn="just">
+              <a:lnSpc>
+                <a:spcPts val="2100"/>
+              </a:lnSpc>
+              <a:spcBef>
+                <a:spcPts val="600"/>
+              </a:spcBef>
+              <a:spcAft>
+                <a:spcPts val="600"/>
+              </a:spcAft>
+              <a:buFont typeface="Arial" panose="020B0604020202020204" pitchFamily="34" charset="0"/>
+              <a:buChar char="•"/>
+            </a:pPr>
+            <a:r>
+              <a:rPr lang="en-US" b="0" i="0" dirty="0" err="1">
+                <a:solidFill>
+                  <a:srgbClr val="3A3A3A"/>
+                </a:solidFill>
+                <a:effectLst/>
+                <a:latin typeface="Roboto" panose="02000000000000000000" pitchFamily="2" charset="0"/>
+              </a:rPr>
+              <a:t>InterruptedException</a:t>
+            </a:r>
+            <a:r>
+              <a:rPr lang="en-US" b="0" i="0" dirty="0">
+                <a:solidFill>
+                  <a:srgbClr val="3A3A3A"/>
+                </a:solidFill>
+                <a:effectLst/>
+                <a:latin typeface="Roboto" panose="02000000000000000000" pitchFamily="2" charset="0"/>
+              </a:rPr>
+              <a:t>: raised when a thread is interrupted.</a:t>
+            </a:r>
+          </a:p>
+          <a:p>
+            <a:pPr marL="742950" lvl="1" indent="-285750" algn="just">
+              <a:lnSpc>
+                <a:spcPts val="2100"/>
+              </a:lnSpc>
+              <a:spcBef>
+                <a:spcPts val="600"/>
+              </a:spcBef>
+              <a:spcAft>
+                <a:spcPts val="600"/>
+              </a:spcAft>
+              <a:buFont typeface="Arial" panose="020B0604020202020204" pitchFamily="34" charset="0"/>
+              <a:buChar char="•"/>
+            </a:pPr>
+            <a:r>
+              <a:rPr lang="en-US" b="0" i="0" dirty="0" err="1">
+                <a:solidFill>
+                  <a:srgbClr val="3A3A3A"/>
+                </a:solidFill>
+                <a:effectLst/>
+                <a:latin typeface="Roboto" panose="02000000000000000000" pitchFamily="2" charset="0"/>
+              </a:rPr>
+              <a:t>NoSuchFieldException</a:t>
+            </a:r>
+            <a:r>
+              <a:rPr lang="en-US" b="0" i="0" dirty="0">
+                <a:solidFill>
+                  <a:srgbClr val="3A3A3A"/>
+                </a:solidFill>
+                <a:effectLst/>
+                <a:latin typeface="Roboto" panose="02000000000000000000" pitchFamily="2" charset="0"/>
+              </a:rPr>
+              <a:t>: raised when a class or method doesn’t have a variable specified.</a:t>
+            </a:r>
+          </a:p>
+          <a:p>
+            <a:pPr marL="742950" lvl="1" indent="-285750" algn="just">
+              <a:lnSpc>
+                <a:spcPts val="2100"/>
+              </a:lnSpc>
+              <a:spcBef>
+                <a:spcPts val="600"/>
+              </a:spcBef>
+              <a:spcAft>
+                <a:spcPts val="600"/>
+              </a:spcAft>
+              <a:buFont typeface="Arial" panose="020B0604020202020204" pitchFamily="34" charset="0"/>
+              <a:buChar char="•"/>
+            </a:pPr>
+            <a:r>
+              <a:rPr lang="en-US" b="0" i="0" dirty="0" err="1">
+                <a:solidFill>
+                  <a:srgbClr val="3A3A3A"/>
+                </a:solidFill>
+                <a:effectLst/>
+                <a:latin typeface="Roboto" panose="02000000000000000000" pitchFamily="2" charset="0"/>
+              </a:rPr>
+              <a:t>NullPointerException</a:t>
+            </a:r>
+            <a:r>
+              <a:rPr lang="en-US" b="0" i="0" dirty="0">
+                <a:solidFill>
+                  <a:srgbClr val="3A3A3A"/>
+                </a:solidFill>
+                <a:effectLst/>
+                <a:latin typeface="Roboto" panose="02000000000000000000" pitchFamily="2" charset="0"/>
+              </a:rPr>
+              <a:t>: thrown while referring to the variable or values of a null object.</a:t>
+            </a:r>
+          </a:p>
+          <a:p>
+            <a:pPr marL="742950" lvl="1" indent="-285750" algn="just">
+              <a:lnSpc>
+                <a:spcPts val="2100"/>
+              </a:lnSpc>
+              <a:spcBef>
+                <a:spcPts val="600"/>
+              </a:spcBef>
+              <a:spcAft>
+                <a:spcPts val="600"/>
+              </a:spcAft>
+              <a:buFont typeface="Arial" panose="020B0604020202020204" pitchFamily="34" charset="0"/>
+              <a:buChar char="•"/>
+            </a:pPr>
+            <a:r>
+              <a:rPr lang="en-US" b="0" i="0" dirty="0" err="1">
+                <a:solidFill>
+                  <a:srgbClr val="3A3A3A"/>
+                </a:solidFill>
+                <a:effectLst/>
+                <a:latin typeface="Roboto" panose="02000000000000000000" pitchFamily="2" charset="0"/>
+              </a:rPr>
+              <a:t>RuntimeException</a:t>
+            </a:r>
+            <a:r>
+              <a:rPr lang="en-US" b="0" i="0" dirty="0">
+                <a:solidFill>
+                  <a:srgbClr val="3A3A3A"/>
+                </a:solidFill>
+                <a:effectLst/>
+                <a:latin typeface="Roboto" panose="02000000000000000000" pitchFamily="2" charset="0"/>
+              </a:rPr>
+              <a:t>: raised for the errors occurring during the runtime. For example, performing invalid type conversion.</a:t>
+            </a:r>
+          </a:p>
+          <a:p>
+            <a:pPr marL="742950" lvl="1" indent="-285750" algn="just">
+              <a:lnSpc>
+                <a:spcPts val="2100"/>
+              </a:lnSpc>
+              <a:spcBef>
+                <a:spcPts val="600"/>
+              </a:spcBef>
+              <a:spcAft>
+                <a:spcPts val="600"/>
+              </a:spcAft>
+              <a:buFont typeface="Arial" panose="020B0604020202020204" pitchFamily="34" charset="0"/>
+              <a:buChar char="•"/>
+            </a:pPr>
+            <a:r>
+              <a:rPr lang="en-US" b="0" i="0" dirty="0" err="1">
+                <a:solidFill>
+                  <a:srgbClr val="3A3A3A"/>
+                </a:solidFill>
+                <a:effectLst/>
+                <a:latin typeface="Roboto" panose="02000000000000000000" pitchFamily="2" charset="0"/>
+              </a:rPr>
+              <a:t>IndexOutOfBoundsException</a:t>
+            </a:r>
+            <a:r>
+              <a:rPr lang="en-US" b="0" i="0" dirty="0">
+                <a:solidFill>
+                  <a:srgbClr val="3A3A3A"/>
+                </a:solidFill>
+                <a:effectLst/>
+                <a:latin typeface="Roboto" panose="02000000000000000000" pitchFamily="2" charset="0"/>
+              </a:rPr>
+              <a:t>: raised when the index of the collection like an array, string, or vector is out of the range or invalid.</a:t>
+            </a:r>
+          </a:p>
+          <a:p>
+            <a:pPr algn="just">
+              <a:lnSpc>
+                <a:spcPts val="2100"/>
+              </a:lnSpc>
+              <a:spcBef>
+                <a:spcPts val="750"/>
+              </a:spcBef>
+              <a:spcAft>
+                <a:spcPts val="600"/>
+              </a:spcAft>
+              <a:buFont typeface="Arial" panose="020B0604020202020204" pitchFamily="34" charset="0"/>
+              <a:buChar char="•"/>
+            </a:pPr>
+            <a:r>
+              <a:rPr lang="en-US" b="0" i="0" dirty="0">
+                <a:solidFill>
+                  <a:srgbClr val="3A3A3A"/>
+                </a:solidFill>
+                <a:effectLst/>
+                <a:latin typeface="Roboto" panose="02000000000000000000" pitchFamily="2" charset="0"/>
+              </a:rPr>
+              <a:t>User-defined Exceptions: User-defined exceptions are the exceptions thrown by the user with custom messages. These are used for cases where the in-built Exception might not be able to define the error.</a:t>
+            </a:r>
+          </a:p>
+        </p:txBody>
+      </p:sp>
     </p:spTree>
     <p:extLst>
       <p:ext uri="{BB962C8B-B14F-4D97-AF65-F5344CB8AC3E}">
